--- a/PPT_Kelompok3_PPL4611.pptx
+++ b/PPT_Kelompok3_PPL4611.pptx
@@ -1254,6 +1254,13 @@
         </dgm:presLayoutVars>
       </dgm:prSet>
       <dgm:spPr/>
+      <dgm:t>
+        <a:bodyPr/>
+        <a:lstStyle/>
+        <a:p>
+          <a:endParaRPr lang="en-US"/>
+        </a:p>
+      </dgm:t>
     </dgm:pt>
     <dgm:pt modelId="{CC03F19A-A782-4E5A-9625-093D1EDAA0BB}" type="pres">
       <dgm:prSet presAssocID="{95BE5B1F-8548-4FA5-8ECE-FF697B8BDC8B}" presName="divider" presStyleLbl="fgAcc1" presStyleIdx="0" presStyleCnt="6"/>
@@ -1355,6 +1362,13 @@
         </dgm:presLayoutVars>
       </dgm:prSet>
       <dgm:spPr/>
+      <dgm:t>
+        <a:bodyPr/>
+        <a:lstStyle/>
+        <a:p>
+          <a:endParaRPr lang="en-US"/>
+        </a:p>
+      </dgm:t>
     </dgm:pt>
     <dgm:pt modelId="{9A7C4BC5-8408-4A9F-95F6-2C530BD76C90}" type="pres">
       <dgm:prSet presAssocID="{BAE4A921-75C0-457E-B6C7-AF5D3F924778}" presName="L1TextContainer" presStyleLbl="revTx" presStyleIdx="1" presStyleCnt="10">
@@ -1365,6 +1379,13 @@
         </dgm:presLayoutVars>
       </dgm:prSet>
       <dgm:spPr/>
+      <dgm:t>
+        <a:bodyPr/>
+        <a:lstStyle/>
+        <a:p>
+          <a:endParaRPr lang="en-US"/>
+        </a:p>
+      </dgm:t>
     </dgm:pt>
     <dgm:pt modelId="{7489FD9C-209C-450B-A153-25ECC5553CBF}" type="pres">
       <dgm:prSet presAssocID="{BAE4A921-75C0-457E-B6C7-AF5D3F924778}" presName="ConnectLine" presStyleLbl="sibTrans1D1" presStyleIdx="0" presStyleCnt="5"/>
@@ -1455,6 +1476,13 @@
         </dgm:presLayoutVars>
       </dgm:prSet>
       <dgm:spPr/>
+      <dgm:t>
+        <a:bodyPr/>
+        <a:lstStyle/>
+        <a:p>
+          <a:endParaRPr lang="en-US"/>
+        </a:p>
+      </dgm:t>
     </dgm:pt>
     <dgm:pt modelId="{D47FC92B-725F-4F7A-A74D-33B323102A1B}" type="pres">
       <dgm:prSet presAssocID="{393C84A3-4571-4040-9493-0BA1AF30DA26}" presName="L1TextContainer" presStyleLbl="revTx" presStyleIdx="3" presStyleCnt="10" custLinFactNeighborX="-56917" custLinFactNeighborY="2118">
@@ -1465,6 +1493,13 @@
         </dgm:presLayoutVars>
       </dgm:prSet>
       <dgm:spPr/>
+      <dgm:t>
+        <a:bodyPr/>
+        <a:lstStyle/>
+        <a:p>
+          <a:endParaRPr lang="en-US"/>
+        </a:p>
+      </dgm:t>
     </dgm:pt>
     <dgm:pt modelId="{1E2ADF36-0ED9-4D0B-9DA8-76AB8AD57A13}" type="pres">
       <dgm:prSet presAssocID="{393C84A3-4571-4040-9493-0BA1AF30DA26}" presName="ConnectLine" presStyleLbl="sibTrans1D1" presStyleIdx="1" presStyleCnt="5" custLinFactX="-1800000" custLinFactNeighborX="-1854641" custLinFactNeighborY="1026"/>
@@ -1555,6 +1590,13 @@
         </dgm:presLayoutVars>
       </dgm:prSet>
       <dgm:spPr/>
+      <dgm:t>
+        <a:bodyPr/>
+        <a:lstStyle/>
+        <a:p>
+          <a:endParaRPr lang="en-US"/>
+        </a:p>
+      </dgm:t>
     </dgm:pt>
     <dgm:pt modelId="{C964CC5F-AD31-46FE-B950-6FB1958FE6E6}" type="pres">
       <dgm:prSet presAssocID="{7FA9AB4A-92C1-41E8-8158-DD2B25D9113B}" presName="L1TextContainer" presStyleLbl="revTx" presStyleIdx="5" presStyleCnt="10" custLinFactNeighborX="-17769" custLinFactNeighborY="-2774">
@@ -1565,6 +1607,13 @@
         </dgm:presLayoutVars>
       </dgm:prSet>
       <dgm:spPr/>
+      <dgm:t>
+        <a:bodyPr/>
+        <a:lstStyle/>
+        <a:p>
+          <a:endParaRPr lang="en-US"/>
+        </a:p>
+      </dgm:t>
     </dgm:pt>
     <dgm:pt modelId="{190034F2-01B6-4E29-94D7-2881B6E05652}" type="pres">
       <dgm:prSet presAssocID="{7FA9AB4A-92C1-41E8-8158-DD2B25D9113B}" presName="ConnectLine" presStyleLbl="sibTrans1D1" presStyleIdx="2" presStyleCnt="5" custLinFactX="-400000" custLinFactNeighborX="-465108" custLinFactNeighborY="1026"/>
@@ -1665,6 +1714,13 @@
         </dgm:presLayoutVars>
       </dgm:prSet>
       <dgm:spPr/>
+      <dgm:t>
+        <a:bodyPr/>
+        <a:lstStyle/>
+        <a:p>
+          <a:endParaRPr lang="en-US"/>
+        </a:p>
+      </dgm:t>
     </dgm:pt>
     <dgm:pt modelId="{5326CD45-77F5-4EED-BEF4-52CB0CCDE3B0}" type="pres">
       <dgm:prSet presAssocID="{418D8C1E-0248-4F6C-A95D-C2D521B587BD}" presName="ConnectLine" presStyleLbl="sibTrans1D1" presStyleIdx="3" presStyleCnt="5" custLinFactX="-900000" custLinFactNeighborX="-992386" custLinFactNeighborY="1026"/>
@@ -1765,6 +1821,13 @@
         </dgm:presLayoutVars>
       </dgm:prSet>
       <dgm:spPr/>
+      <dgm:t>
+        <a:bodyPr/>
+        <a:lstStyle/>
+        <a:p>
+          <a:endParaRPr lang="en-US"/>
+        </a:p>
+      </dgm:t>
     </dgm:pt>
     <dgm:pt modelId="{F8AF6CFA-80DE-47AC-9664-5ACA1466EF63}" type="pres">
       <dgm:prSet presAssocID="{9E060E56-AA3B-439D-8162-F6F1C3B231C6}" presName="ConnectLine" presStyleLbl="sibTrans1D1" presStyleIdx="4" presStyleCnt="5" custLinFactX="-596731" custLinFactNeighborX="-600000" custLinFactNeighborY="513"/>
@@ -1790,23 +1853,23 @@
     </dgm:pt>
   </dgm:ptLst>
   <dgm:cxnLst>
-    <dgm:cxn modelId="{7E6DC41C-C406-4951-B0EE-F3DC3A148906}" type="presOf" srcId="{91598E38-7461-470A-91AA-325A90C2A6DA}" destId="{82BCA083-80C3-4058-9BD8-C46261DA9F8C}" srcOrd="0" destOrd="0" presId="urn:microsoft.com/office/officeart/2017/3/layout/DropPinTimeline"/>
-    <dgm:cxn modelId="{B78F293F-BC11-49D3-BE1D-C504995D7961}" srcId="{95BE5B1F-8548-4FA5-8ECE-FF697B8BDC8B}" destId="{393C84A3-4571-4040-9493-0BA1AF30DA26}" srcOrd="1" destOrd="0" parTransId="{3A4A9F0D-AEA3-4A1C-B17C-D8B078DF106A}" sibTransId="{8C58886A-EDBF-4BFF-AE8D-8BBD9AD31068}"/>
-    <dgm:cxn modelId="{E21D1965-4238-40BD-8C23-F39BDB8AF9FF}" srcId="{BAE4A921-75C0-457E-B6C7-AF5D3F924778}" destId="{300F49C4-BE2A-4BB1-881A-D5DBC7667E1A}" srcOrd="0" destOrd="0" parTransId="{938A8F79-6539-4D75-80F8-D245BBF23EB2}" sibTransId="{E6F5A85C-A7FD-4313-BD20-CCE392CD9E1F}"/>
-    <dgm:cxn modelId="{77F32C46-08D7-4179-AB20-76ADE90E9955}" type="presOf" srcId="{09AB19DE-0A85-493B-8A0E-8AC56DC905F8}" destId="{3A41E69A-F56A-4583-B89C-B41BD4D77851}" srcOrd="0" destOrd="0" presId="urn:microsoft.com/office/officeart/2017/3/layout/DropPinTimeline"/>
     <dgm:cxn modelId="{85EB9F4D-461E-4ACB-A92D-BEED8E572647}" srcId="{95BE5B1F-8548-4FA5-8ECE-FF697B8BDC8B}" destId="{7FA9AB4A-92C1-41E8-8158-DD2B25D9113B}" srcOrd="2" destOrd="0" parTransId="{38E7AEFA-EB50-4771-857F-576467B37145}" sibTransId="{FB571C8D-8BC9-46B5-9DCF-FEB771A5C820}"/>
+    <dgm:cxn modelId="{F3ABAF8E-13D8-424E-B861-7C80DAF4451A}" type="presOf" srcId="{300F49C4-BE2A-4BB1-881A-D5DBC7667E1A}" destId="{3ED01646-9ED9-44BF-8F18-EE860C524998}" srcOrd="0" destOrd="0" presId="urn:microsoft.com/office/officeart/2017/3/layout/DropPinTimeline"/>
+    <dgm:cxn modelId="{DBCF14B3-177E-488C-8C54-1599D327E26D}" type="presOf" srcId="{9E060E56-AA3B-439D-8162-F6F1C3B231C6}" destId="{2DEEC8F3-A8E7-42B7-8B13-D304AB036873}" srcOrd="0" destOrd="0" presId="urn:microsoft.com/office/officeart/2017/3/layout/DropPinTimeline"/>
     <dgm:cxn modelId="{15C84875-DEB5-4AA7-9FE0-58B94B1E9A4C}" type="presOf" srcId="{95BE5B1F-8548-4FA5-8ECE-FF697B8BDC8B}" destId="{1D5E3AE0-BD99-479B-81A3-134CA1305B52}" srcOrd="0" destOrd="0" presId="urn:microsoft.com/office/officeart/2017/3/layout/DropPinTimeline"/>
-    <dgm:cxn modelId="{7F0FCC7E-C51A-4B2D-B669-97CE74A0DED9}" srcId="{393C84A3-4571-4040-9493-0BA1AF30DA26}" destId="{09AB19DE-0A85-493B-8A0E-8AC56DC905F8}" srcOrd="0" destOrd="0" parTransId="{4BB754D1-EDE1-4049-9435-D033F95709D0}" sibTransId="{8861651B-08AB-4BAF-AAF6-588C1FD8766A}"/>
-    <dgm:cxn modelId="{C805C683-FD18-425D-B910-CC15F43DCC91}" type="presOf" srcId="{418D8C1E-0248-4F6C-A95D-C2D521B587BD}" destId="{EFEE2494-B2C0-4CEC-8FE9-45DD92D284D5}" srcOrd="0" destOrd="0" presId="urn:microsoft.com/office/officeart/2017/3/layout/DropPinTimeline"/>
-    <dgm:cxn modelId="{861A6387-BF3B-410B-A4CD-26F4A4362B1B}" srcId="{95BE5B1F-8548-4FA5-8ECE-FF697B8BDC8B}" destId="{9E060E56-AA3B-439D-8162-F6F1C3B231C6}" srcOrd="4" destOrd="0" parTransId="{5895D2A8-06F5-449B-9A6D-4AD6A021F25E}" sibTransId="{AB435499-F452-4A49-99D7-61BFF0D5696A}"/>
-    <dgm:cxn modelId="{F3ABAF8E-13D8-424E-B861-7C80DAF4451A}" type="presOf" srcId="{300F49C4-BE2A-4BB1-881A-D5DBC7667E1A}" destId="{3ED01646-9ED9-44BF-8F18-EE860C524998}" srcOrd="0" destOrd="0" presId="urn:microsoft.com/office/officeart/2017/3/layout/DropPinTimeline"/>
-    <dgm:cxn modelId="{A7BEB0B1-1600-4C6A-A97B-4A95498184D1}" srcId="{95BE5B1F-8548-4FA5-8ECE-FF697B8BDC8B}" destId="{418D8C1E-0248-4F6C-A95D-C2D521B587BD}" srcOrd="3" destOrd="0" parTransId="{042CD1F3-D36F-4384-BA85-D787574067E6}" sibTransId="{D21ED27F-C723-49DA-BDB7-1D80876A8D56}"/>
-    <dgm:cxn modelId="{DBCF14B3-177E-488C-8C54-1599D327E26D}" type="presOf" srcId="{9E060E56-AA3B-439D-8162-F6F1C3B231C6}" destId="{2DEEC8F3-A8E7-42B7-8B13-D304AB036873}" srcOrd="0" destOrd="0" presId="urn:microsoft.com/office/officeart/2017/3/layout/DropPinTimeline"/>
-    <dgm:cxn modelId="{3BA4B7B9-0A7C-4EFC-8F39-59CD69864C97}" srcId="{7FA9AB4A-92C1-41E8-8158-DD2B25D9113B}" destId="{91598E38-7461-470A-91AA-325A90C2A6DA}" srcOrd="0" destOrd="0" parTransId="{8982EE4A-6F3A-428C-8E76-02A30B39C05F}" sibTransId="{AEBFFADC-990D-480E-B682-B841BE19126D}"/>
     <dgm:cxn modelId="{0F7696D2-16A3-458C-AEC5-1C9A3FD72B90}" type="presOf" srcId="{7FA9AB4A-92C1-41E8-8158-DD2B25D9113B}" destId="{C964CC5F-AD31-46FE-B950-6FB1958FE6E6}" srcOrd="0" destOrd="0" presId="urn:microsoft.com/office/officeart/2017/3/layout/DropPinTimeline"/>
     <dgm:cxn modelId="{AD4B60E6-8BD5-4CE2-9477-D025938DBC30}" type="presOf" srcId="{393C84A3-4571-4040-9493-0BA1AF30DA26}" destId="{D47FC92B-725F-4F7A-A74D-33B323102A1B}" srcOrd="0" destOrd="0" presId="urn:microsoft.com/office/officeart/2017/3/layout/DropPinTimeline"/>
+    <dgm:cxn modelId="{B78F293F-BC11-49D3-BE1D-C504995D7961}" srcId="{95BE5B1F-8548-4FA5-8ECE-FF697B8BDC8B}" destId="{393C84A3-4571-4040-9493-0BA1AF30DA26}" srcOrd="1" destOrd="0" parTransId="{3A4A9F0D-AEA3-4A1C-B17C-D8B078DF106A}" sibTransId="{8C58886A-EDBF-4BFF-AE8D-8BBD9AD31068}"/>
     <dgm:cxn modelId="{19FBA8F0-A54E-44A0-A655-AB9C62830C51}" type="presOf" srcId="{BAE4A921-75C0-457E-B6C7-AF5D3F924778}" destId="{9A7C4BC5-8408-4A9F-95F6-2C530BD76C90}" srcOrd="0" destOrd="0" presId="urn:microsoft.com/office/officeart/2017/3/layout/DropPinTimeline"/>
+    <dgm:cxn modelId="{3BA4B7B9-0A7C-4EFC-8F39-59CD69864C97}" srcId="{7FA9AB4A-92C1-41E8-8158-DD2B25D9113B}" destId="{91598E38-7461-470A-91AA-325A90C2A6DA}" srcOrd="0" destOrd="0" parTransId="{8982EE4A-6F3A-428C-8E76-02A30B39C05F}" sibTransId="{AEBFFADC-990D-480E-B682-B841BE19126D}"/>
+    <dgm:cxn modelId="{C805C683-FD18-425D-B910-CC15F43DCC91}" type="presOf" srcId="{418D8C1E-0248-4F6C-A95D-C2D521B587BD}" destId="{EFEE2494-B2C0-4CEC-8FE9-45DD92D284D5}" srcOrd="0" destOrd="0" presId="urn:microsoft.com/office/officeart/2017/3/layout/DropPinTimeline"/>
     <dgm:cxn modelId="{906961F9-228B-42F0-B93A-61A91FF72B16}" srcId="{95BE5B1F-8548-4FA5-8ECE-FF697B8BDC8B}" destId="{BAE4A921-75C0-457E-B6C7-AF5D3F924778}" srcOrd="0" destOrd="0" parTransId="{5DE6B7FC-E69A-4189-BB0C-356B2586F16F}" sibTransId="{E4500CC0-E9F9-45F4-8DBB-F762BD69C7EF}"/>
+    <dgm:cxn modelId="{A7BEB0B1-1600-4C6A-A97B-4A95498184D1}" srcId="{95BE5B1F-8548-4FA5-8ECE-FF697B8BDC8B}" destId="{418D8C1E-0248-4F6C-A95D-C2D521B587BD}" srcOrd="3" destOrd="0" parTransId="{042CD1F3-D36F-4384-BA85-D787574067E6}" sibTransId="{D21ED27F-C723-49DA-BDB7-1D80876A8D56}"/>
+    <dgm:cxn modelId="{7F0FCC7E-C51A-4B2D-B669-97CE74A0DED9}" srcId="{393C84A3-4571-4040-9493-0BA1AF30DA26}" destId="{09AB19DE-0A85-493B-8A0E-8AC56DC905F8}" srcOrd="0" destOrd="0" parTransId="{4BB754D1-EDE1-4049-9435-D033F95709D0}" sibTransId="{8861651B-08AB-4BAF-AAF6-588C1FD8766A}"/>
+    <dgm:cxn modelId="{E21D1965-4238-40BD-8C23-F39BDB8AF9FF}" srcId="{BAE4A921-75C0-457E-B6C7-AF5D3F924778}" destId="{300F49C4-BE2A-4BB1-881A-D5DBC7667E1A}" srcOrd="0" destOrd="0" parTransId="{938A8F79-6539-4D75-80F8-D245BBF23EB2}" sibTransId="{E6F5A85C-A7FD-4313-BD20-CCE392CD9E1F}"/>
+    <dgm:cxn modelId="{861A6387-BF3B-410B-A4CD-26F4A4362B1B}" srcId="{95BE5B1F-8548-4FA5-8ECE-FF697B8BDC8B}" destId="{9E060E56-AA3B-439D-8162-F6F1C3B231C6}" srcOrd="4" destOrd="0" parTransId="{5895D2A8-06F5-449B-9A6D-4AD6A021F25E}" sibTransId="{AB435499-F452-4A49-99D7-61BFF0D5696A}"/>
+    <dgm:cxn modelId="{77F32C46-08D7-4179-AB20-76ADE90E9955}" type="presOf" srcId="{09AB19DE-0A85-493B-8A0E-8AC56DC905F8}" destId="{3A41E69A-F56A-4583-B89C-B41BD4D77851}" srcOrd="0" destOrd="0" presId="urn:microsoft.com/office/officeart/2017/3/layout/DropPinTimeline"/>
+    <dgm:cxn modelId="{7E6DC41C-C406-4951-B0EE-F3DC3A148906}" type="presOf" srcId="{91598E38-7461-470A-91AA-325A90C2A6DA}" destId="{82BCA083-80C3-4058-9BD8-C46261DA9F8C}" srcOrd="0" destOrd="0" presId="urn:microsoft.com/office/officeart/2017/3/layout/DropPinTimeline"/>
     <dgm:cxn modelId="{EE851E75-ABA5-4542-9DE5-477C9F90CD59}" type="presParOf" srcId="{1D5E3AE0-BD99-479B-81A3-134CA1305B52}" destId="{CC03F19A-A782-4E5A-9625-093D1EDAA0BB}" srcOrd="0" destOrd="0" presId="urn:microsoft.com/office/officeart/2017/3/layout/DropPinTimeline"/>
     <dgm:cxn modelId="{619A31B0-1641-496B-9318-26F830B2356A}" type="presParOf" srcId="{1D5E3AE0-BD99-479B-81A3-134CA1305B52}" destId="{DD1337DA-0D94-4BF8-B352-3B3EA06F55F0}" srcOrd="1" destOrd="0" presId="urn:microsoft.com/office/officeart/2017/3/layout/DropPinTimeline"/>
     <dgm:cxn modelId="{D3CE04B9-68D2-4C76-A6E4-19AC294D2486}" type="presParOf" srcId="{DD1337DA-0D94-4BF8-B352-3B3EA06F55F0}" destId="{A9E88B97-095F-4CC2-9545-647A2621DF67}" srcOrd="0" destOrd="0" presId="urn:microsoft.com/office/officeart/2017/3/layout/DropPinTimeline"/>
@@ -1877,1504 +1940,6 @@
       <dsp:cNvGrpSpPr/>
     </dsp:nvGrpSpPr>
     <dsp:grpSpPr/>
-    <dsp:sp modelId="{CC03F19A-A782-4E5A-9625-093D1EDAA0BB}">
-      <dsp:nvSpPr>
-        <dsp:cNvPr id="0" name=""/>
-        <dsp:cNvSpPr/>
-      </dsp:nvSpPr>
-      <dsp:spPr>
-        <a:xfrm>
-          <a:off x="0" y="2824956"/>
-          <a:ext cx="7338768" cy="0"/>
-        </a:xfrm>
-        <a:prstGeom prst="line">
-          <a:avLst/>
-        </a:prstGeom>
-        <a:solidFill>
-          <a:schemeClr val="lt1">
-            <a:alpha val="90000"/>
-            <a:hueOff val="0"/>
-            <a:satOff val="0"/>
-            <a:lumOff val="0"/>
-            <a:alphaOff val="0"/>
-          </a:schemeClr>
-        </a:solidFill>
-        <a:ln w="19050" cap="flat" cmpd="sng" algn="ctr">
-          <a:solidFill>
-            <a:schemeClr val="accent2">
-              <a:hueOff val="0"/>
-              <a:satOff val="0"/>
-              <a:lumOff val="0"/>
-              <a:alphaOff val="0"/>
-            </a:schemeClr>
-          </a:solidFill>
-          <a:prstDash val="solid"/>
-          <a:tailEnd type="triangle" w="lg" len="lg"/>
-        </a:ln>
-        <a:effectLst/>
-      </dsp:spPr>
-      <dsp:style>
-        <a:lnRef idx="2">
-          <a:scrgbClr r="0" g="0" b="0"/>
-        </a:lnRef>
-        <a:fillRef idx="1">
-          <a:scrgbClr r="0" g="0" b="0"/>
-        </a:fillRef>
-        <a:effectRef idx="0">
-          <a:scrgbClr r="0" g="0" b="0"/>
-        </a:effectRef>
-        <a:fontRef idx="minor"/>
-      </dsp:style>
-    </dsp:sp>
-    <dsp:sp modelId="{6F35A2C6-D52B-4D0D-A568-29C7D5CB9D78}">
-      <dsp:nvSpPr>
-        <dsp:cNvPr id="0" name=""/>
-        <dsp:cNvSpPr/>
-      </dsp:nvSpPr>
-      <dsp:spPr>
-        <a:xfrm rot="8100000">
-          <a:off x="85276" y="664516"/>
-          <a:ext cx="388540" cy="388540"/>
-        </a:xfrm>
-        <a:prstGeom prst="teardrop">
-          <a:avLst>
-            <a:gd name="adj" fmla="val 115000"/>
-          </a:avLst>
-        </a:prstGeom>
-        <a:solidFill>
-          <a:schemeClr val="accent2">
-            <a:hueOff val="0"/>
-            <a:satOff val="0"/>
-            <a:lumOff val="0"/>
-            <a:alphaOff val="0"/>
-          </a:schemeClr>
-        </a:solidFill>
-        <a:ln w="15875" cap="flat" cmpd="sng" algn="ctr">
-          <a:solidFill>
-            <a:schemeClr val="accent2">
-              <a:hueOff val="0"/>
-              <a:satOff val="0"/>
-              <a:lumOff val="0"/>
-              <a:alphaOff val="0"/>
-            </a:schemeClr>
-          </a:solidFill>
-          <a:prstDash val="solid"/>
-        </a:ln>
-        <a:effectLst/>
-      </dsp:spPr>
-      <dsp:style>
-        <a:lnRef idx="2">
-          <a:scrgbClr r="0" g="0" b="0"/>
-        </a:lnRef>
-        <a:fillRef idx="1">
-          <a:scrgbClr r="0" g="0" b="0"/>
-        </a:fillRef>
-        <a:effectRef idx="0">
-          <a:scrgbClr r="0" g="0" b="0"/>
-        </a:effectRef>
-        <a:fontRef idx="minor">
-          <a:schemeClr val="lt1"/>
-        </a:fontRef>
-      </dsp:style>
-    </dsp:sp>
-    <dsp:sp modelId="{EA20BABE-DBEE-4C24-BE16-E45AAEA3EDCA}">
-      <dsp:nvSpPr>
-        <dsp:cNvPr id="0" name=""/>
-        <dsp:cNvSpPr/>
-      </dsp:nvSpPr>
-      <dsp:spPr>
-        <a:xfrm>
-          <a:off x="128439" y="707679"/>
-          <a:ext cx="302213" cy="302213"/>
-        </a:xfrm>
-        <a:prstGeom prst="ellipse">
-          <a:avLst/>
-        </a:prstGeom>
-        <a:solidFill>
-          <a:schemeClr val="lt1">
-            <a:alpha val="90000"/>
-            <a:hueOff val="0"/>
-            <a:satOff val="0"/>
-            <a:lumOff val="0"/>
-            <a:alphaOff val="0"/>
-          </a:schemeClr>
-        </a:solidFill>
-        <a:ln w="15875" cap="flat" cmpd="sng" algn="ctr">
-          <a:noFill/>
-          <a:prstDash val="solid"/>
-        </a:ln>
-        <a:effectLst/>
-      </dsp:spPr>
-      <dsp:style>
-        <a:lnRef idx="2">
-          <a:scrgbClr r="0" g="0" b="0"/>
-        </a:lnRef>
-        <a:fillRef idx="1">
-          <a:scrgbClr r="0" g="0" b="0"/>
-        </a:fillRef>
-        <a:effectRef idx="0">
-          <a:scrgbClr r="0" g="0" b="0"/>
-        </a:effectRef>
-        <a:fontRef idx="minor"/>
-      </dsp:style>
-    </dsp:sp>
-    <dsp:sp modelId="{3ED01646-9ED9-44BF-8F18-EE860C524998}">
-      <dsp:nvSpPr>
-        <dsp:cNvPr id="0" name=""/>
-        <dsp:cNvSpPr/>
-      </dsp:nvSpPr>
-      <dsp:spPr>
-        <a:xfrm>
-          <a:off x="554285" y="1152582"/>
-          <a:ext cx="1905365" cy="1672373"/>
-        </a:xfrm>
-        <a:prstGeom prst="rect">
-          <a:avLst/>
-        </a:prstGeom>
-        <a:noFill/>
-        <a:ln>
-          <a:noFill/>
-        </a:ln>
-        <a:effectLst/>
-      </dsp:spPr>
-      <dsp:style>
-        <a:lnRef idx="0">
-          <a:scrgbClr r="0" g="0" b="0"/>
-        </a:lnRef>
-        <a:fillRef idx="0">
-          <a:scrgbClr r="0" g="0" b="0"/>
-        </a:fillRef>
-        <a:effectRef idx="0">
-          <a:scrgbClr r="0" g="0" b="0"/>
-        </a:effectRef>
-        <a:fontRef idx="minor"/>
-      </dsp:style>
-      <dsp:txBody>
-        <a:bodyPr spcFirstLastPara="0" vert="horz" wrap="square" lIns="0" tIns="95250" rIns="95250" bIns="142875" numCol="1" spcCol="1270" anchor="t" anchorCtr="0">
-          <a:noAutofit/>
-        </a:bodyPr>
-        <a:lstStyle/>
-        <a:p>
-          <a:pPr marL="0" lvl="0" indent="0" algn="l" defTabSz="666750">
-            <a:lnSpc>
-              <a:spcPct val="90000"/>
-            </a:lnSpc>
-            <a:spcBef>
-              <a:spcPct val="0"/>
-            </a:spcBef>
-            <a:spcAft>
-              <a:spcPct val="35000"/>
-            </a:spcAft>
-            <a:buNone/>
-          </a:pPr>
-          <a:r>
-            <a:rPr lang="en-US" sz="1500" kern="1200" dirty="0"/>
-            <a:t> </a:t>
-          </a:r>
-        </a:p>
-      </dsp:txBody>
-      <dsp:txXfrm>
-        <a:off x="554285" y="1152582"/>
-        <a:ext cx="1905365" cy="1672373"/>
-      </dsp:txXfrm>
-    </dsp:sp>
-    <dsp:sp modelId="{9A7C4BC5-8408-4A9F-95F6-2C530BD76C90}">
-      <dsp:nvSpPr>
-        <dsp:cNvPr id="0" name=""/>
-        <dsp:cNvSpPr/>
-      </dsp:nvSpPr>
-      <dsp:spPr>
-        <a:xfrm>
-          <a:off x="554285" y="564991"/>
-          <a:ext cx="1905365" cy="587590"/>
-        </a:xfrm>
-        <a:prstGeom prst="rect">
-          <a:avLst/>
-        </a:prstGeom>
-        <a:noFill/>
-        <a:ln>
-          <a:noFill/>
-        </a:ln>
-        <a:effectLst/>
-      </dsp:spPr>
-      <dsp:style>
-        <a:lnRef idx="0">
-          <a:scrgbClr r="0" g="0" b="0"/>
-        </a:lnRef>
-        <a:fillRef idx="0">
-          <a:scrgbClr r="0" g="0" b="0"/>
-        </a:fillRef>
-        <a:effectRef idx="0">
-          <a:scrgbClr r="0" g="0" b="0"/>
-        </a:effectRef>
-        <a:fontRef idx="minor"/>
-      </dsp:style>
-      <dsp:txBody>
-        <a:bodyPr spcFirstLastPara="0" vert="horz" wrap="square" lIns="0" tIns="0" rIns="127000" bIns="0" numCol="1" spcCol="1270" anchor="ctr" anchorCtr="0">
-          <a:noAutofit/>
-        </a:bodyPr>
-        <a:lstStyle/>
-        <a:p>
-          <a:pPr marL="0" lvl="0" indent="0" algn="l" defTabSz="889000">
-            <a:lnSpc>
-              <a:spcPct val="90000"/>
-            </a:lnSpc>
-            <a:spcBef>
-              <a:spcPct val="0"/>
-            </a:spcBef>
-            <a:spcAft>
-              <a:spcPct val="35000"/>
-            </a:spcAft>
-            <a:buNone/>
-            <a:defRPr b="1"/>
-          </a:pPr>
-          <a:r>
-            <a:rPr lang="id-ID" sz="2000" kern="1200" dirty="0"/>
-            <a:t>Project</a:t>
-          </a:r>
-          <a:r>
-            <a:rPr lang="id-ID" sz="2000" kern="1200" baseline="0" dirty="0"/>
-            <a:t> Charter</a:t>
-          </a:r>
-          <a:endParaRPr lang="en-US" sz="2000" kern="1200" dirty="0"/>
-        </a:p>
-      </dsp:txBody>
-      <dsp:txXfrm>
-        <a:off x="554285" y="564991"/>
-        <a:ext cx="1905365" cy="587590"/>
-      </dsp:txXfrm>
-    </dsp:sp>
-    <dsp:sp modelId="{7489FD9C-209C-450B-A153-25ECC5553CBF}">
-      <dsp:nvSpPr>
-        <dsp:cNvPr id="0" name=""/>
-        <dsp:cNvSpPr/>
-      </dsp:nvSpPr>
-      <dsp:spPr>
-        <a:xfrm>
-          <a:off x="279546" y="1152582"/>
-          <a:ext cx="0" cy="1672373"/>
-        </a:xfrm>
-        <a:prstGeom prst="line">
-          <a:avLst/>
-        </a:prstGeom>
-        <a:noFill/>
-        <a:ln w="12700" cap="flat" cmpd="sng" algn="ctr">
-          <a:solidFill>
-            <a:schemeClr val="accent2">
-              <a:hueOff val="0"/>
-              <a:satOff val="0"/>
-              <a:lumOff val="0"/>
-              <a:alphaOff val="0"/>
-            </a:schemeClr>
-          </a:solidFill>
-          <a:prstDash val="dash"/>
-        </a:ln>
-        <a:effectLst/>
-      </dsp:spPr>
-      <dsp:style>
-        <a:lnRef idx="1">
-          <a:scrgbClr r="0" g="0" b="0"/>
-        </a:lnRef>
-        <a:fillRef idx="0">
-          <a:scrgbClr r="0" g="0" b="0"/>
-        </a:fillRef>
-        <a:effectRef idx="0">
-          <a:scrgbClr r="0" g="0" b="0"/>
-        </a:effectRef>
-        <a:fontRef idx="minor"/>
-      </dsp:style>
-    </dsp:sp>
-    <dsp:sp modelId="{04A6607E-9A4B-4D4B-A6EE-031B85F657E6}">
-      <dsp:nvSpPr>
-        <dsp:cNvPr id="0" name=""/>
-        <dsp:cNvSpPr/>
-      </dsp:nvSpPr>
-      <dsp:spPr>
-        <a:xfrm>
-          <a:off x="249149" y="2772072"/>
-          <a:ext cx="98906" cy="105766"/>
-        </a:xfrm>
-        <a:prstGeom prst="ellipse">
-          <a:avLst/>
-        </a:prstGeom>
-        <a:solidFill>
-          <a:schemeClr val="accent2">
-            <a:hueOff val="0"/>
-            <a:satOff val="0"/>
-            <a:lumOff val="0"/>
-            <a:alphaOff val="0"/>
-          </a:schemeClr>
-        </a:solidFill>
-        <a:ln w="6350" cap="flat" cmpd="sng" algn="ctr">
-          <a:solidFill>
-            <a:schemeClr val="lt1">
-              <a:hueOff val="0"/>
-              <a:satOff val="0"/>
-              <a:lumOff val="0"/>
-              <a:alphaOff val="0"/>
-            </a:schemeClr>
-          </a:solidFill>
-          <a:prstDash val="solid"/>
-        </a:ln>
-        <a:effectLst/>
-      </dsp:spPr>
-      <dsp:style>
-        <a:lnRef idx="2">
-          <a:scrgbClr r="0" g="0" b="0"/>
-        </a:lnRef>
-        <a:fillRef idx="1">
-          <a:scrgbClr r="0" g="0" b="0"/>
-        </a:fillRef>
-        <a:effectRef idx="0">
-          <a:scrgbClr r="0" g="0" b="0"/>
-        </a:effectRef>
-        <a:fontRef idx="minor">
-          <a:schemeClr val="lt1"/>
-        </a:fontRef>
-      </dsp:style>
-    </dsp:sp>
-    <dsp:sp modelId="{028C7F30-E954-4858-8394-A254126D3936}">
-      <dsp:nvSpPr>
-        <dsp:cNvPr id="0" name=""/>
-        <dsp:cNvSpPr/>
-      </dsp:nvSpPr>
-      <dsp:spPr>
-        <a:xfrm rot="18900000">
-          <a:off x="80469" y="4570478"/>
-          <a:ext cx="388540" cy="388540"/>
-        </a:xfrm>
-        <a:prstGeom prst="teardrop">
-          <a:avLst>
-            <a:gd name="adj" fmla="val 115000"/>
-          </a:avLst>
-        </a:prstGeom>
-        <a:solidFill>
-          <a:schemeClr val="accent2">
-            <a:hueOff val="8838"/>
-            <a:satOff val="-8622"/>
-            <a:lumOff val="-442"/>
-            <a:alphaOff val="0"/>
-          </a:schemeClr>
-        </a:solidFill>
-        <a:ln w="15875" cap="flat" cmpd="sng" algn="ctr">
-          <a:solidFill>
-            <a:schemeClr val="accent2">
-              <a:hueOff val="8838"/>
-              <a:satOff val="-8622"/>
-              <a:lumOff val="-442"/>
-              <a:alphaOff val="0"/>
-            </a:schemeClr>
-          </a:solidFill>
-          <a:prstDash val="solid"/>
-        </a:ln>
-        <a:effectLst/>
-      </dsp:spPr>
-      <dsp:style>
-        <a:lnRef idx="2">
-          <a:scrgbClr r="0" g="0" b="0"/>
-        </a:lnRef>
-        <a:fillRef idx="1">
-          <a:scrgbClr r="0" g="0" b="0"/>
-        </a:fillRef>
-        <a:effectRef idx="0">
-          <a:scrgbClr r="0" g="0" b="0"/>
-        </a:effectRef>
-        <a:fontRef idx="minor">
-          <a:schemeClr val="lt1"/>
-        </a:fontRef>
-      </dsp:style>
-    </dsp:sp>
-    <dsp:sp modelId="{2711D058-BAA7-47D4-A383-AC85BDB9C49A}">
-      <dsp:nvSpPr>
-        <dsp:cNvPr id="0" name=""/>
-        <dsp:cNvSpPr/>
-      </dsp:nvSpPr>
-      <dsp:spPr>
-        <a:xfrm>
-          <a:off x="123632" y="4613641"/>
-          <a:ext cx="302213" cy="302213"/>
-        </a:xfrm>
-        <a:prstGeom prst="ellipse">
-          <a:avLst/>
-        </a:prstGeom>
-        <a:solidFill>
-          <a:schemeClr val="lt1">
-            <a:alpha val="90000"/>
-            <a:hueOff val="0"/>
-            <a:satOff val="0"/>
-            <a:lumOff val="0"/>
-            <a:alphaOff val="0"/>
-          </a:schemeClr>
-        </a:solidFill>
-        <a:ln w="15875" cap="flat" cmpd="sng" algn="ctr">
-          <a:noFill/>
-          <a:prstDash val="solid"/>
-        </a:ln>
-        <a:effectLst/>
-      </dsp:spPr>
-      <dsp:style>
-        <a:lnRef idx="2">
-          <a:scrgbClr r="0" g="0" b="0"/>
-        </a:lnRef>
-        <a:fillRef idx="1">
-          <a:scrgbClr r="0" g="0" b="0"/>
-        </a:fillRef>
-        <a:effectRef idx="0">
-          <a:scrgbClr r="0" g="0" b="0"/>
-        </a:effectRef>
-        <a:fontRef idx="minor"/>
-      </dsp:style>
-    </dsp:sp>
-    <dsp:sp modelId="{3A41E69A-F56A-4583-B89C-B41BD4D77851}">
-      <dsp:nvSpPr>
-        <dsp:cNvPr id="0" name=""/>
-        <dsp:cNvSpPr/>
-      </dsp:nvSpPr>
-      <dsp:spPr>
-        <a:xfrm>
-          <a:off x="688386" y="2837401"/>
-          <a:ext cx="1905365" cy="1672373"/>
-        </a:xfrm>
-        <a:prstGeom prst="rect">
-          <a:avLst/>
-        </a:prstGeom>
-        <a:noFill/>
-        <a:ln>
-          <a:noFill/>
-        </a:ln>
-        <a:effectLst/>
-      </dsp:spPr>
-      <dsp:style>
-        <a:lnRef idx="0">
-          <a:scrgbClr r="0" g="0" b="0"/>
-        </a:lnRef>
-        <a:fillRef idx="0">
-          <a:scrgbClr r="0" g="0" b="0"/>
-        </a:fillRef>
-        <a:effectRef idx="0">
-          <a:scrgbClr r="0" g="0" b="0"/>
-        </a:effectRef>
-        <a:fontRef idx="minor"/>
-      </dsp:style>
-      <dsp:txBody>
-        <a:bodyPr spcFirstLastPara="0" vert="horz" wrap="square" lIns="0" tIns="142875" rIns="0" bIns="95250" numCol="1" spcCol="1270" anchor="b" anchorCtr="0">
-          <a:noAutofit/>
-        </a:bodyPr>
-        <a:lstStyle/>
-        <a:p>
-          <a:pPr marL="0" lvl="0" indent="0" algn="l" defTabSz="666750">
-            <a:lnSpc>
-              <a:spcPct val="90000"/>
-            </a:lnSpc>
-            <a:spcBef>
-              <a:spcPct val="0"/>
-            </a:spcBef>
-            <a:spcAft>
-              <a:spcPct val="35000"/>
-            </a:spcAft>
-            <a:buNone/>
-          </a:pPr>
-          <a:endParaRPr lang="en-US" sz="1500" kern="1200" dirty="0"/>
-        </a:p>
-      </dsp:txBody>
-      <dsp:txXfrm>
-        <a:off x="688386" y="2837401"/>
-        <a:ext cx="1905365" cy="1672373"/>
-      </dsp:txXfrm>
-    </dsp:sp>
-    <dsp:sp modelId="{D47FC92B-725F-4F7A-A74D-33B323102A1B}">
-      <dsp:nvSpPr>
-        <dsp:cNvPr id="0" name=""/>
-        <dsp:cNvSpPr/>
-      </dsp:nvSpPr>
-      <dsp:spPr>
-        <a:xfrm>
-          <a:off x="688386" y="4509775"/>
-          <a:ext cx="1905365" cy="587590"/>
-        </a:xfrm>
-        <a:prstGeom prst="rect">
-          <a:avLst/>
-        </a:prstGeom>
-        <a:noFill/>
-        <a:ln>
-          <a:noFill/>
-        </a:ln>
-        <a:effectLst/>
-      </dsp:spPr>
-      <dsp:style>
-        <a:lnRef idx="0">
-          <a:scrgbClr r="0" g="0" b="0"/>
-        </a:lnRef>
-        <a:fillRef idx="0">
-          <a:scrgbClr r="0" g="0" b="0"/>
-        </a:fillRef>
-        <a:effectRef idx="0">
-          <a:scrgbClr r="0" g="0" b="0"/>
-        </a:effectRef>
-        <a:fontRef idx="minor"/>
-      </dsp:style>
-      <dsp:txBody>
-        <a:bodyPr spcFirstLastPara="0" vert="horz" wrap="square" lIns="0" tIns="0" rIns="127000" bIns="0" numCol="1" spcCol="1270" anchor="ctr" anchorCtr="0">
-          <a:noAutofit/>
-        </a:bodyPr>
-        <a:lstStyle/>
-        <a:p>
-          <a:pPr marL="0" lvl="0" indent="0" algn="l" defTabSz="889000">
-            <a:lnSpc>
-              <a:spcPct val="90000"/>
-            </a:lnSpc>
-            <a:spcBef>
-              <a:spcPct val="0"/>
-            </a:spcBef>
-            <a:spcAft>
-              <a:spcPct val="35000"/>
-            </a:spcAft>
-            <a:buNone/>
-            <a:defRPr b="1"/>
-          </a:pPr>
-          <a:r>
-            <a:rPr lang="id-ID" sz="2000" kern="1200" dirty="0"/>
-            <a:t>Project Scope Statement</a:t>
-          </a:r>
-          <a:endParaRPr lang="en-US" sz="2000" kern="1200" dirty="0"/>
-        </a:p>
-      </dsp:txBody>
-      <dsp:txXfrm>
-        <a:off x="688386" y="4509775"/>
-        <a:ext cx="1905365" cy="587590"/>
-      </dsp:txXfrm>
-    </dsp:sp>
-    <dsp:sp modelId="{1E2ADF36-0ED9-4D0B-9DA8-76AB8AD57A13}">
-      <dsp:nvSpPr>
-        <dsp:cNvPr id="0" name=""/>
-        <dsp:cNvSpPr/>
-      </dsp:nvSpPr>
-      <dsp:spPr>
-        <a:xfrm>
-          <a:off x="182453" y="2842114"/>
-          <a:ext cx="0" cy="1672373"/>
-        </a:xfrm>
-        <a:prstGeom prst="line">
-          <a:avLst/>
-        </a:prstGeom>
-        <a:noFill/>
-        <a:ln w="12700" cap="flat" cmpd="sng" algn="ctr">
-          <a:solidFill>
-            <a:schemeClr val="accent2">
-              <a:hueOff val="8838"/>
-              <a:satOff val="-8622"/>
-              <a:lumOff val="-442"/>
-              <a:alphaOff val="0"/>
-            </a:schemeClr>
-          </a:solidFill>
-          <a:prstDash val="dash"/>
-        </a:ln>
-        <a:effectLst/>
-      </dsp:spPr>
-      <dsp:style>
-        <a:lnRef idx="1">
-          <a:scrgbClr r="0" g="0" b="0"/>
-        </a:lnRef>
-        <a:fillRef idx="0">
-          <a:scrgbClr r="0" g="0" b="0"/>
-        </a:fillRef>
-        <a:effectRef idx="0">
-          <a:scrgbClr r="0" g="0" b="0"/>
-        </a:effectRef>
-        <a:fontRef idx="minor"/>
-      </dsp:style>
-    </dsp:sp>
-    <dsp:sp modelId="{9E1F0F25-A574-46F8-B923-19F0E1C4BCD8}">
-      <dsp:nvSpPr>
-        <dsp:cNvPr id="0" name=""/>
-        <dsp:cNvSpPr/>
-      </dsp:nvSpPr>
-      <dsp:spPr>
-        <a:xfrm>
-          <a:off x="152055" y="2789231"/>
-          <a:ext cx="98906" cy="105766"/>
-        </a:xfrm>
-        <a:prstGeom prst="ellipse">
-          <a:avLst/>
-        </a:prstGeom>
-        <a:solidFill>
-          <a:schemeClr val="accent2">
-            <a:hueOff val="8838"/>
-            <a:satOff val="-8622"/>
-            <a:lumOff val="-442"/>
-            <a:alphaOff val="0"/>
-          </a:schemeClr>
-        </a:solidFill>
-        <a:ln w="6350" cap="flat" cmpd="sng" algn="ctr">
-          <a:solidFill>
-            <a:schemeClr val="lt1">
-              <a:hueOff val="0"/>
-              <a:satOff val="0"/>
-              <a:lumOff val="0"/>
-              <a:alphaOff val="0"/>
-            </a:schemeClr>
-          </a:solidFill>
-          <a:prstDash val="solid"/>
-        </a:ln>
-        <a:effectLst/>
-      </dsp:spPr>
-      <dsp:style>
-        <a:lnRef idx="2">
-          <a:scrgbClr r="0" g="0" b="0"/>
-        </a:lnRef>
-        <a:fillRef idx="1">
-          <a:scrgbClr r="0" g="0" b="0"/>
-        </a:fillRef>
-        <a:effectRef idx="0">
-          <a:scrgbClr r="0" g="0" b="0"/>
-        </a:effectRef>
-        <a:fontRef idx="minor">
-          <a:schemeClr val="lt1"/>
-        </a:fontRef>
-      </dsp:style>
-    </dsp:sp>
-    <dsp:sp modelId="{36FB9A81-4B76-4345-B78F-BFC8502F0C48}">
-      <dsp:nvSpPr>
-        <dsp:cNvPr id="0" name=""/>
-        <dsp:cNvSpPr/>
-      </dsp:nvSpPr>
-      <dsp:spPr>
-        <a:xfrm rot="8100000">
-          <a:off x="2208387" y="621745"/>
-          <a:ext cx="388540" cy="388540"/>
-        </a:xfrm>
-        <a:prstGeom prst="teardrop">
-          <a:avLst>
-            <a:gd name="adj" fmla="val 115000"/>
-          </a:avLst>
-        </a:prstGeom>
-        <a:solidFill>
-          <a:schemeClr val="accent2">
-            <a:hueOff val="17677"/>
-            <a:satOff val="-17244"/>
-            <a:lumOff val="-883"/>
-            <a:alphaOff val="0"/>
-          </a:schemeClr>
-        </a:solidFill>
-        <a:ln w="15875" cap="flat" cmpd="sng" algn="ctr">
-          <a:solidFill>
-            <a:schemeClr val="accent2">
-              <a:hueOff val="17677"/>
-              <a:satOff val="-17244"/>
-              <a:lumOff val="-883"/>
-              <a:alphaOff val="0"/>
-            </a:schemeClr>
-          </a:solidFill>
-          <a:prstDash val="solid"/>
-        </a:ln>
-        <a:effectLst/>
-      </dsp:spPr>
-      <dsp:style>
-        <a:lnRef idx="2">
-          <a:scrgbClr r="0" g="0" b="0"/>
-        </a:lnRef>
-        <a:fillRef idx="1">
-          <a:scrgbClr r="0" g="0" b="0"/>
-        </a:fillRef>
-        <a:effectRef idx="0">
-          <a:scrgbClr r="0" g="0" b="0"/>
-        </a:effectRef>
-        <a:fontRef idx="minor">
-          <a:schemeClr val="lt1"/>
-        </a:fontRef>
-      </dsp:style>
-    </dsp:sp>
-    <dsp:sp modelId="{54E9787F-D270-4F42-9D4D-33FB0CF6F31C}">
-      <dsp:nvSpPr>
-        <dsp:cNvPr id="0" name=""/>
-        <dsp:cNvSpPr/>
-      </dsp:nvSpPr>
-      <dsp:spPr>
-        <a:xfrm>
-          <a:off x="2251550" y="664909"/>
-          <a:ext cx="302213" cy="302213"/>
-        </a:xfrm>
-        <a:prstGeom prst="ellipse">
-          <a:avLst/>
-        </a:prstGeom>
-        <a:solidFill>
-          <a:schemeClr val="lt1">
-            <a:alpha val="90000"/>
-            <a:hueOff val="0"/>
-            <a:satOff val="0"/>
-            <a:lumOff val="0"/>
-            <a:alphaOff val="0"/>
-          </a:schemeClr>
-        </a:solidFill>
-        <a:ln w="15875" cap="flat" cmpd="sng" algn="ctr">
-          <a:noFill/>
-          <a:prstDash val="solid"/>
-        </a:ln>
-        <a:effectLst/>
-      </dsp:spPr>
-      <dsp:style>
-        <a:lnRef idx="2">
-          <a:scrgbClr r="0" g="0" b="0"/>
-        </a:lnRef>
-        <a:fillRef idx="1">
-          <a:scrgbClr r="0" g="0" b="0"/>
-        </a:fillRef>
-        <a:effectRef idx="0">
-          <a:scrgbClr r="0" g="0" b="0"/>
-        </a:effectRef>
-        <a:fontRef idx="minor"/>
-      </dsp:style>
-    </dsp:sp>
-    <dsp:sp modelId="{82BCA083-80C3-4058-9BD8-C46261DA9F8C}">
-      <dsp:nvSpPr>
-        <dsp:cNvPr id="0" name=""/>
-        <dsp:cNvSpPr/>
-      </dsp:nvSpPr>
-      <dsp:spPr>
-        <a:xfrm>
-          <a:off x="2652876" y="1136282"/>
-          <a:ext cx="1905365" cy="1672373"/>
-        </a:xfrm>
-        <a:prstGeom prst="rect">
-          <a:avLst/>
-        </a:prstGeom>
-        <a:noFill/>
-        <a:ln>
-          <a:noFill/>
-        </a:ln>
-        <a:effectLst/>
-      </dsp:spPr>
-      <dsp:style>
-        <a:lnRef idx="0">
-          <a:scrgbClr r="0" g="0" b="0"/>
-        </a:lnRef>
-        <a:fillRef idx="0">
-          <a:scrgbClr r="0" g="0" b="0"/>
-        </a:fillRef>
-        <a:effectRef idx="0">
-          <a:scrgbClr r="0" g="0" b="0"/>
-        </a:effectRef>
-        <a:fontRef idx="minor"/>
-      </dsp:style>
-      <dsp:txBody>
-        <a:bodyPr spcFirstLastPara="0" vert="horz" wrap="square" lIns="0" tIns="95250" rIns="95250" bIns="142875" numCol="1" spcCol="1270" anchor="t" anchorCtr="0">
-          <a:noAutofit/>
-        </a:bodyPr>
-        <a:lstStyle/>
-        <a:p>
-          <a:pPr marL="0" lvl="0" indent="0" algn="l" defTabSz="666750">
-            <a:lnSpc>
-              <a:spcPct val="90000"/>
-            </a:lnSpc>
-            <a:spcBef>
-              <a:spcPct val="0"/>
-            </a:spcBef>
-            <a:spcAft>
-              <a:spcPct val="35000"/>
-            </a:spcAft>
-            <a:buNone/>
-          </a:pPr>
-          <a:endParaRPr lang="en-US" sz="1500" kern="1200" dirty="0"/>
-        </a:p>
-      </dsp:txBody>
-      <dsp:txXfrm>
-        <a:off x="2652876" y="1136282"/>
-        <a:ext cx="1905365" cy="1672373"/>
-      </dsp:txXfrm>
-    </dsp:sp>
-    <dsp:sp modelId="{C964CC5F-AD31-46FE-B950-6FB1958FE6E6}">
-      <dsp:nvSpPr>
-        <dsp:cNvPr id="0" name=""/>
-        <dsp:cNvSpPr/>
-      </dsp:nvSpPr>
-      <dsp:spPr>
-        <a:xfrm>
-          <a:off x="2652876" y="548691"/>
-          <a:ext cx="1905365" cy="587590"/>
-        </a:xfrm>
-        <a:prstGeom prst="rect">
-          <a:avLst/>
-        </a:prstGeom>
-        <a:noFill/>
-        <a:ln>
-          <a:noFill/>
-        </a:ln>
-        <a:effectLst/>
-      </dsp:spPr>
-      <dsp:style>
-        <a:lnRef idx="0">
-          <a:scrgbClr r="0" g="0" b="0"/>
-        </a:lnRef>
-        <a:fillRef idx="0">
-          <a:scrgbClr r="0" g="0" b="0"/>
-        </a:fillRef>
-        <a:effectRef idx="0">
-          <a:scrgbClr r="0" g="0" b="0"/>
-        </a:effectRef>
-        <a:fontRef idx="minor"/>
-      </dsp:style>
-      <dsp:txBody>
-        <a:bodyPr spcFirstLastPara="0" vert="horz" wrap="square" lIns="0" tIns="0" rIns="127000" bIns="0" numCol="1" spcCol="1270" anchor="ctr" anchorCtr="0">
-          <a:noAutofit/>
-        </a:bodyPr>
-        <a:lstStyle/>
-        <a:p>
-          <a:pPr marL="0" lvl="0" indent="0" algn="l" defTabSz="889000">
-            <a:lnSpc>
-              <a:spcPct val="90000"/>
-            </a:lnSpc>
-            <a:spcBef>
-              <a:spcPct val="0"/>
-            </a:spcBef>
-            <a:spcAft>
-              <a:spcPct val="35000"/>
-            </a:spcAft>
-            <a:buNone/>
-            <a:defRPr b="1"/>
-          </a:pPr>
-          <a:r>
-            <a:rPr lang="id-ID" sz="2000" kern="1200" dirty="0"/>
-            <a:t>WBS</a:t>
-          </a:r>
-          <a:endParaRPr lang="en-US" sz="2000" kern="1200" dirty="0"/>
-        </a:p>
-      </dsp:txBody>
-      <dsp:txXfrm>
-        <a:off x="2652876" y="548691"/>
-        <a:ext cx="1905365" cy="587590"/>
-      </dsp:txXfrm>
-    </dsp:sp>
-    <dsp:sp modelId="{190034F2-01B6-4E29-94D7-2881B6E05652}">
-      <dsp:nvSpPr>
-        <dsp:cNvPr id="0" name=""/>
-        <dsp:cNvSpPr/>
-      </dsp:nvSpPr>
-      <dsp:spPr>
-        <a:xfrm>
-          <a:off x="2405262" y="1169740"/>
-          <a:ext cx="0" cy="1672373"/>
-        </a:xfrm>
-        <a:prstGeom prst="line">
-          <a:avLst/>
-        </a:prstGeom>
-        <a:noFill/>
-        <a:ln w="12700" cap="flat" cmpd="sng" algn="ctr">
-          <a:solidFill>
-            <a:schemeClr val="accent2">
-              <a:hueOff val="17677"/>
-              <a:satOff val="-17244"/>
-              <a:lumOff val="-883"/>
-              <a:alphaOff val="0"/>
-            </a:schemeClr>
-          </a:solidFill>
-          <a:prstDash val="dash"/>
-        </a:ln>
-        <a:effectLst/>
-      </dsp:spPr>
-      <dsp:style>
-        <a:lnRef idx="1">
-          <a:scrgbClr r="0" g="0" b="0"/>
-        </a:lnRef>
-        <a:fillRef idx="0">
-          <a:scrgbClr r="0" g="0" b="0"/>
-        </a:fillRef>
-        <a:effectRef idx="0">
-          <a:scrgbClr r="0" g="0" b="0"/>
-        </a:effectRef>
-        <a:fontRef idx="minor"/>
-      </dsp:style>
-    </dsp:sp>
-    <dsp:sp modelId="{5351E25D-2D36-4E5D-928D-E3CB91C6F58C}">
-      <dsp:nvSpPr>
-        <dsp:cNvPr id="0" name=""/>
-        <dsp:cNvSpPr/>
-      </dsp:nvSpPr>
-      <dsp:spPr>
-        <a:xfrm>
-          <a:off x="2374865" y="2789231"/>
-          <a:ext cx="98906" cy="105766"/>
-        </a:xfrm>
-        <a:prstGeom prst="ellipse">
-          <a:avLst/>
-        </a:prstGeom>
-        <a:solidFill>
-          <a:schemeClr val="accent2">
-            <a:hueOff val="17677"/>
-            <a:satOff val="-17244"/>
-            <a:lumOff val="-883"/>
-            <a:alphaOff val="0"/>
-          </a:schemeClr>
-        </a:solidFill>
-        <a:ln w="6350" cap="flat" cmpd="sng" algn="ctr">
-          <a:solidFill>
-            <a:schemeClr val="lt1">
-              <a:hueOff val="0"/>
-              <a:satOff val="0"/>
-              <a:lumOff val="0"/>
-              <a:alphaOff val="0"/>
-            </a:schemeClr>
-          </a:solidFill>
-          <a:prstDash val="solid"/>
-        </a:ln>
-        <a:effectLst/>
-      </dsp:spPr>
-      <dsp:style>
-        <a:lnRef idx="2">
-          <a:scrgbClr r="0" g="0" b="0"/>
-        </a:lnRef>
-        <a:fillRef idx="1">
-          <a:scrgbClr r="0" g="0" b="0"/>
-        </a:fillRef>
-        <a:effectRef idx="0">
-          <a:scrgbClr r="0" g="0" b="0"/>
-        </a:effectRef>
-        <a:fontRef idx="minor">
-          <a:schemeClr val="lt1"/>
-        </a:fontRef>
-      </dsp:style>
-    </dsp:sp>
-    <dsp:sp modelId="{70E4C7F8-6B9A-4BEA-8345-8BEAE3F6737C}">
-      <dsp:nvSpPr>
-        <dsp:cNvPr id="0" name=""/>
-        <dsp:cNvSpPr/>
-      </dsp:nvSpPr>
-      <dsp:spPr>
-        <a:xfrm rot="18900000">
-          <a:off x="3081073" y="4660702"/>
-          <a:ext cx="388540" cy="388540"/>
-        </a:xfrm>
-        <a:prstGeom prst="teardrop">
-          <a:avLst>
-            <a:gd name="adj" fmla="val 115000"/>
-          </a:avLst>
-        </a:prstGeom>
-        <a:solidFill>
-          <a:schemeClr val="accent2">
-            <a:hueOff val="26515"/>
-            <a:satOff val="-25865"/>
-            <a:lumOff val="-1325"/>
-            <a:alphaOff val="0"/>
-          </a:schemeClr>
-        </a:solidFill>
-        <a:ln w="15875" cap="flat" cmpd="sng" algn="ctr">
-          <a:solidFill>
-            <a:schemeClr val="accent2">
-              <a:hueOff val="26515"/>
-              <a:satOff val="-25865"/>
-              <a:lumOff val="-1325"/>
-              <a:alphaOff val="0"/>
-            </a:schemeClr>
-          </a:solidFill>
-          <a:prstDash val="solid"/>
-        </a:ln>
-        <a:effectLst/>
-      </dsp:spPr>
-      <dsp:style>
-        <a:lnRef idx="2">
-          <a:scrgbClr r="0" g="0" b="0"/>
-        </a:lnRef>
-        <a:fillRef idx="1">
-          <a:scrgbClr r="0" g="0" b="0"/>
-        </a:fillRef>
-        <a:effectRef idx="0">
-          <a:scrgbClr r="0" g="0" b="0"/>
-        </a:effectRef>
-        <a:fontRef idx="minor">
-          <a:schemeClr val="lt1"/>
-        </a:fontRef>
-      </dsp:style>
-    </dsp:sp>
-    <dsp:sp modelId="{61CDFDDC-D14D-4E35-8836-4DAF6E2576CD}">
-      <dsp:nvSpPr>
-        <dsp:cNvPr id="0" name=""/>
-        <dsp:cNvSpPr/>
-      </dsp:nvSpPr>
-      <dsp:spPr>
-        <a:xfrm>
-          <a:off x="3124236" y="4703866"/>
-          <a:ext cx="302213" cy="302213"/>
-        </a:xfrm>
-        <a:prstGeom prst="ellipse">
-          <a:avLst/>
-        </a:prstGeom>
-        <a:solidFill>
-          <a:schemeClr val="lt1">
-            <a:alpha val="90000"/>
-            <a:hueOff val="0"/>
-            <a:satOff val="0"/>
-            <a:lumOff val="0"/>
-            <a:alphaOff val="0"/>
-          </a:schemeClr>
-        </a:solidFill>
-        <a:ln w="15875" cap="flat" cmpd="sng" algn="ctr">
-          <a:noFill/>
-          <a:prstDash val="solid"/>
-        </a:ln>
-        <a:effectLst/>
-      </dsp:spPr>
-      <dsp:style>
-        <a:lnRef idx="2">
-          <a:scrgbClr r="0" g="0" b="0"/>
-        </a:lnRef>
-        <a:fillRef idx="1">
-          <a:scrgbClr r="0" g="0" b="0"/>
-        </a:fillRef>
-        <a:effectRef idx="0">
-          <a:scrgbClr r="0" g="0" b="0"/>
-        </a:effectRef>
-        <a:fontRef idx="minor"/>
-      </dsp:style>
-    </dsp:sp>
-    <dsp:sp modelId="{428429E0-D675-478A-B3DF-968D0163441F}">
-      <dsp:nvSpPr>
-        <dsp:cNvPr id="0" name=""/>
-        <dsp:cNvSpPr/>
-      </dsp:nvSpPr>
-      <dsp:spPr>
-        <a:xfrm>
-          <a:off x="4210018" y="2824956"/>
-          <a:ext cx="1905365" cy="1672373"/>
-        </a:xfrm>
-        <a:prstGeom prst="rect">
-          <a:avLst/>
-        </a:prstGeom>
-        <a:noFill/>
-        <a:ln>
-          <a:noFill/>
-        </a:ln>
-        <a:effectLst/>
-      </dsp:spPr>
-      <dsp:style>
-        <a:lnRef idx="0">
-          <a:scrgbClr r="0" g="0" b="0"/>
-        </a:lnRef>
-        <a:fillRef idx="0">
-          <a:scrgbClr r="0" g="0" b="0"/>
-        </a:fillRef>
-        <a:effectRef idx="0">
-          <a:scrgbClr r="0" g="0" b="0"/>
-        </a:effectRef>
-        <a:fontRef idx="minor"/>
-      </dsp:style>
-    </dsp:sp>
-    <dsp:sp modelId="{EFEE2494-B2C0-4CEC-8FE9-45DD92D284D5}">
-      <dsp:nvSpPr>
-        <dsp:cNvPr id="0" name=""/>
-        <dsp:cNvSpPr/>
-      </dsp:nvSpPr>
-      <dsp:spPr>
-        <a:xfrm>
-          <a:off x="4210018" y="4497329"/>
-          <a:ext cx="1905365" cy="587590"/>
-        </a:xfrm>
-        <a:prstGeom prst="rect">
-          <a:avLst/>
-        </a:prstGeom>
-        <a:noFill/>
-        <a:ln>
-          <a:noFill/>
-        </a:ln>
-        <a:effectLst/>
-      </dsp:spPr>
-      <dsp:style>
-        <a:lnRef idx="0">
-          <a:scrgbClr r="0" g="0" b="0"/>
-        </a:lnRef>
-        <a:fillRef idx="0">
-          <a:scrgbClr r="0" g="0" b="0"/>
-        </a:fillRef>
-        <a:effectRef idx="0">
-          <a:scrgbClr r="0" g="0" b="0"/>
-        </a:effectRef>
-        <a:fontRef idx="minor"/>
-      </dsp:style>
-      <dsp:txBody>
-        <a:bodyPr spcFirstLastPara="0" vert="horz" wrap="square" lIns="0" tIns="0" rIns="127000" bIns="0" numCol="1" spcCol="1270" anchor="ctr" anchorCtr="0">
-          <a:noAutofit/>
-        </a:bodyPr>
-        <a:lstStyle/>
-        <a:p>
-          <a:pPr marL="0" lvl="0" indent="0" algn="l" defTabSz="889000">
-            <a:lnSpc>
-              <a:spcPct val="90000"/>
-            </a:lnSpc>
-            <a:spcBef>
-              <a:spcPct val="0"/>
-            </a:spcBef>
-            <a:spcAft>
-              <a:spcPct val="35000"/>
-            </a:spcAft>
-            <a:buNone/>
-            <a:defRPr b="1"/>
-          </a:pPr>
-          <a:endParaRPr lang="en-ID" sz="2000" kern="1200"/>
-        </a:p>
-      </dsp:txBody>
-      <dsp:txXfrm>
-        <a:off x="4210018" y="4497329"/>
-        <a:ext cx="1905365" cy="587590"/>
-      </dsp:txXfrm>
-    </dsp:sp>
-    <dsp:sp modelId="{5326CD45-77F5-4EED-BEF4-52CB0CCDE3B0}">
-      <dsp:nvSpPr>
-        <dsp:cNvPr id="0" name=""/>
-        <dsp:cNvSpPr/>
-      </dsp:nvSpPr>
-      <dsp:spPr>
-        <a:xfrm>
-          <a:off x="3254019" y="2842114"/>
-          <a:ext cx="0" cy="1672373"/>
-        </a:xfrm>
-        <a:prstGeom prst="line">
-          <a:avLst/>
-        </a:prstGeom>
-        <a:noFill/>
-        <a:ln w="12700" cap="flat" cmpd="sng" algn="ctr">
-          <a:solidFill>
-            <a:schemeClr val="accent2">
-              <a:hueOff val="26515"/>
-              <a:satOff val="-25865"/>
-              <a:lumOff val="-1325"/>
-              <a:alphaOff val="0"/>
-            </a:schemeClr>
-          </a:solidFill>
-          <a:prstDash val="dash"/>
-        </a:ln>
-        <a:effectLst/>
-      </dsp:spPr>
-      <dsp:style>
-        <a:lnRef idx="1">
-          <a:scrgbClr r="0" g="0" b="0"/>
-        </a:lnRef>
-        <a:fillRef idx="0">
-          <a:scrgbClr r="0" g="0" b="0"/>
-        </a:fillRef>
-        <a:effectRef idx="0">
-          <a:scrgbClr r="0" g="0" b="0"/>
-        </a:effectRef>
-        <a:fontRef idx="minor"/>
-      </dsp:style>
-    </dsp:sp>
-    <dsp:sp modelId="{F8777B2D-8B41-4C37-90DE-ACEC1712F931}">
-      <dsp:nvSpPr>
-        <dsp:cNvPr id="0" name=""/>
-        <dsp:cNvSpPr/>
-      </dsp:nvSpPr>
-      <dsp:spPr>
-        <a:xfrm>
-          <a:off x="3223622" y="2789231"/>
-          <a:ext cx="98906" cy="105766"/>
-        </a:xfrm>
-        <a:prstGeom prst="ellipse">
-          <a:avLst/>
-        </a:prstGeom>
-        <a:solidFill>
-          <a:schemeClr val="accent2">
-            <a:hueOff val="26515"/>
-            <a:satOff val="-25865"/>
-            <a:lumOff val="-1325"/>
-            <a:alphaOff val="0"/>
-          </a:schemeClr>
-        </a:solidFill>
-        <a:ln w="6350" cap="flat" cmpd="sng" algn="ctr">
-          <a:solidFill>
-            <a:schemeClr val="lt1">
-              <a:hueOff val="0"/>
-              <a:satOff val="0"/>
-              <a:lumOff val="0"/>
-              <a:alphaOff val="0"/>
-            </a:schemeClr>
-          </a:solidFill>
-          <a:prstDash val="solid"/>
-        </a:ln>
-        <a:effectLst/>
-      </dsp:spPr>
-      <dsp:style>
-        <a:lnRef idx="2">
-          <a:scrgbClr r="0" g="0" b="0"/>
-        </a:lnRef>
-        <a:fillRef idx="1">
-          <a:scrgbClr r="0" g="0" b="0"/>
-        </a:fillRef>
-        <a:effectRef idx="0">
-          <a:scrgbClr r="0" g="0" b="0"/>
-        </a:effectRef>
-        <a:fontRef idx="minor">
-          <a:schemeClr val="lt1"/>
-        </a:fontRef>
-      </dsp:style>
-    </dsp:sp>
-    <dsp:sp modelId="{1CD1C1A0-89DA-4C77-A86B-1A39DE4FD527}">
-      <dsp:nvSpPr>
-        <dsp:cNvPr id="0" name=""/>
-        <dsp:cNvSpPr/>
-      </dsp:nvSpPr>
-      <dsp:spPr>
-        <a:xfrm rot="8100000">
-          <a:off x="4546135" y="589445"/>
-          <a:ext cx="388540" cy="388540"/>
-        </a:xfrm>
-        <a:prstGeom prst="teardrop">
-          <a:avLst>
-            <a:gd name="adj" fmla="val 115000"/>
-          </a:avLst>
-        </a:prstGeom>
-        <a:solidFill>
-          <a:schemeClr val="accent2">
-            <a:hueOff val="35353"/>
-            <a:satOff val="-34487"/>
-            <a:lumOff val="-1766"/>
-            <a:alphaOff val="0"/>
-          </a:schemeClr>
-        </a:solidFill>
-        <a:ln w="15875" cap="flat" cmpd="sng" algn="ctr">
-          <a:solidFill>
-            <a:schemeClr val="accent2">
-              <a:hueOff val="35353"/>
-              <a:satOff val="-34487"/>
-              <a:lumOff val="-1766"/>
-              <a:alphaOff val="0"/>
-            </a:schemeClr>
-          </a:solidFill>
-          <a:prstDash val="solid"/>
-        </a:ln>
-        <a:effectLst/>
-      </dsp:spPr>
-      <dsp:style>
-        <a:lnRef idx="2">
-          <a:scrgbClr r="0" g="0" b="0"/>
-        </a:lnRef>
-        <a:fillRef idx="1">
-          <a:scrgbClr r="0" g="0" b="0"/>
-        </a:fillRef>
-        <a:effectRef idx="0">
-          <a:scrgbClr r="0" g="0" b="0"/>
-        </a:effectRef>
-        <a:fontRef idx="minor">
-          <a:schemeClr val="lt1"/>
-        </a:fontRef>
-      </dsp:style>
-    </dsp:sp>
-    <dsp:sp modelId="{4FC13DC8-B6BF-4668-B336-D316D378A035}">
-      <dsp:nvSpPr>
-        <dsp:cNvPr id="0" name=""/>
-        <dsp:cNvSpPr/>
-      </dsp:nvSpPr>
-      <dsp:spPr>
-        <a:xfrm>
-          <a:off x="4589299" y="632609"/>
-          <a:ext cx="302213" cy="302213"/>
-        </a:xfrm>
-        <a:prstGeom prst="ellipse">
-          <a:avLst/>
-        </a:prstGeom>
-        <a:solidFill>
-          <a:schemeClr val="lt1">
-            <a:alpha val="90000"/>
-            <a:hueOff val="0"/>
-            <a:satOff val="0"/>
-            <a:lumOff val="0"/>
-            <a:alphaOff val="0"/>
-          </a:schemeClr>
-        </a:solidFill>
-        <a:ln w="15875" cap="flat" cmpd="sng" algn="ctr">
-          <a:noFill/>
-          <a:prstDash val="solid"/>
-        </a:ln>
-        <a:effectLst/>
-      </dsp:spPr>
-      <dsp:style>
-        <a:lnRef idx="2">
-          <a:scrgbClr r="0" g="0" b="0"/>
-        </a:lnRef>
-        <a:fillRef idx="1">
-          <a:scrgbClr r="0" g="0" b="0"/>
-        </a:fillRef>
-        <a:effectRef idx="0">
-          <a:scrgbClr r="0" g="0" b="0"/>
-        </a:effectRef>
-        <a:fontRef idx="minor"/>
-      </dsp:style>
-    </dsp:sp>
-    <dsp:sp modelId="{290DF186-3C02-48F3-AD53-E173142B1633}">
-      <dsp:nvSpPr>
-        <dsp:cNvPr id="0" name=""/>
-        <dsp:cNvSpPr/>
-      </dsp:nvSpPr>
-      <dsp:spPr>
-        <a:xfrm>
-          <a:off x="5427852" y="1168664"/>
-          <a:ext cx="1905365" cy="1672373"/>
-        </a:xfrm>
-        <a:prstGeom prst="rect">
-          <a:avLst/>
-        </a:prstGeom>
-        <a:noFill/>
-        <a:ln>
-          <a:noFill/>
-        </a:ln>
-        <a:effectLst/>
-      </dsp:spPr>
-      <dsp:style>
-        <a:lnRef idx="0">
-          <a:scrgbClr r="0" g="0" b="0"/>
-        </a:lnRef>
-        <a:fillRef idx="0">
-          <a:scrgbClr r="0" g="0" b="0"/>
-        </a:fillRef>
-        <a:effectRef idx="0">
-          <a:scrgbClr r="0" g="0" b="0"/>
-        </a:effectRef>
-        <a:fontRef idx="minor"/>
-      </dsp:style>
-    </dsp:sp>
-    <dsp:sp modelId="{2DEEC8F3-A8E7-42B7-8B13-D304AB036873}">
-      <dsp:nvSpPr>
-        <dsp:cNvPr id="0" name=""/>
-        <dsp:cNvSpPr/>
-      </dsp:nvSpPr>
-      <dsp:spPr>
-        <a:xfrm>
-          <a:off x="5427852" y="581073"/>
-          <a:ext cx="1905365" cy="587590"/>
-        </a:xfrm>
-        <a:prstGeom prst="rect">
-          <a:avLst/>
-        </a:prstGeom>
-        <a:noFill/>
-        <a:ln>
-          <a:noFill/>
-        </a:ln>
-        <a:effectLst/>
-      </dsp:spPr>
-      <dsp:style>
-        <a:lnRef idx="0">
-          <a:scrgbClr r="0" g="0" b="0"/>
-        </a:lnRef>
-        <a:fillRef idx="0">
-          <a:scrgbClr r="0" g="0" b="0"/>
-        </a:fillRef>
-        <a:effectRef idx="0">
-          <a:scrgbClr r="0" g="0" b="0"/>
-        </a:effectRef>
-        <a:fontRef idx="minor"/>
-      </dsp:style>
-      <dsp:txBody>
-        <a:bodyPr spcFirstLastPara="0" vert="horz" wrap="square" lIns="0" tIns="0" rIns="127000" bIns="0" numCol="1" spcCol="1270" anchor="ctr" anchorCtr="0">
-          <a:noAutofit/>
-        </a:bodyPr>
-        <a:lstStyle/>
-        <a:p>
-          <a:pPr marL="0" lvl="0" indent="0" algn="l" defTabSz="889000">
-            <a:lnSpc>
-              <a:spcPct val="90000"/>
-            </a:lnSpc>
-            <a:spcBef>
-              <a:spcPct val="0"/>
-            </a:spcBef>
-            <a:spcAft>
-              <a:spcPct val="35000"/>
-            </a:spcAft>
-            <a:buNone/>
-            <a:defRPr b="1"/>
-          </a:pPr>
-          <a:endParaRPr lang="en-ID" sz="2000" kern="1200"/>
-        </a:p>
-      </dsp:txBody>
-      <dsp:txXfrm>
-        <a:off x="5427852" y="581073"/>
-        <a:ext cx="1905365" cy="587590"/>
-      </dsp:txXfrm>
-    </dsp:sp>
-    <dsp:sp modelId="{F8AF6CFA-80DE-47AC-9664-5ACA1466EF63}">
-      <dsp:nvSpPr>
-        <dsp:cNvPr id="0" name=""/>
-        <dsp:cNvSpPr/>
-      </dsp:nvSpPr>
-      <dsp:spPr>
-        <a:xfrm>
-          <a:off x="4723033" y="1161161"/>
-          <a:ext cx="0" cy="1672373"/>
-        </a:xfrm>
-        <a:prstGeom prst="line">
-          <a:avLst/>
-        </a:prstGeom>
-        <a:noFill/>
-        <a:ln w="12700" cap="flat" cmpd="sng" algn="ctr">
-          <a:solidFill>
-            <a:schemeClr val="accent2">
-              <a:hueOff val="35353"/>
-              <a:satOff val="-34487"/>
-              <a:lumOff val="-1766"/>
-              <a:alphaOff val="0"/>
-            </a:schemeClr>
-          </a:solidFill>
-          <a:prstDash val="dash"/>
-        </a:ln>
-        <a:effectLst/>
-      </dsp:spPr>
-      <dsp:style>
-        <a:lnRef idx="1">
-          <a:scrgbClr r="0" g="0" b="0"/>
-        </a:lnRef>
-        <a:fillRef idx="0">
-          <a:scrgbClr r="0" g="0" b="0"/>
-        </a:fillRef>
-        <a:effectRef idx="0">
-          <a:scrgbClr r="0" g="0" b="0"/>
-        </a:effectRef>
-        <a:fontRef idx="minor"/>
-      </dsp:style>
-    </dsp:sp>
-    <dsp:sp modelId="{D49AA8AF-4007-435A-AEB3-89E12CF589B3}">
-      <dsp:nvSpPr>
-        <dsp:cNvPr id="0" name=""/>
-        <dsp:cNvSpPr/>
-      </dsp:nvSpPr>
-      <dsp:spPr>
-        <a:xfrm>
-          <a:off x="4692635" y="2780652"/>
-          <a:ext cx="98906" cy="105766"/>
-        </a:xfrm>
-        <a:prstGeom prst="ellipse">
-          <a:avLst/>
-        </a:prstGeom>
-        <a:solidFill>
-          <a:schemeClr val="accent2">
-            <a:hueOff val="35353"/>
-            <a:satOff val="-34487"/>
-            <a:lumOff val="-1766"/>
-            <a:alphaOff val="0"/>
-          </a:schemeClr>
-        </a:solidFill>
-        <a:ln w="6350" cap="flat" cmpd="sng" algn="ctr">
-          <a:solidFill>
-            <a:schemeClr val="lt1">
-              <a:hueOff val="0"/>
-              <a:satOff val="0"/>
-              <a:lumOff val="0"/>
-              <a:alphaOff val="0"/>
-            </a:schemeClr>
-          </a:solidFill>
-          <a:prstDash val="solid"/>
-        </a:ln>
-        <a:effectLst/>
-      </dsp:spPr>
-      <dsp:style>
-        <a:lnRef idx="2">
-          <a:scrgbClr r="0" g="0" b="0"/>
-        </a:lnRef>
-        <a:fillRef idx="1">
-          <a:scrgbClr r="0" g="0" b="0"/>
-        </a:fillRef>
-        <a:effectRef idx="0">
-          <a:scrgbClr r="0" g="0" b="0"/>
-        </a:effectRef>
-        <a:fontRef idx="minor">
-          <a:schemeClr val="lt1"/>
-        </a:fontRef>
-      </dsp:style>
-    </dsp:sp>
   </dsp:spTree>
 </dsp:drawing>
 </file>
@@ -3495,7 +2060,7 @@
             <dgm:adjLst/>
             <dgm:extLst>
               <a:ext uri="{B698B0E9-8C71-41B9-8309-B3DCBF30829C}">
-                <dgm1612:spPr xmlns:dgm1612="http://schemas.microsoft.com/office/drawing/2016/12/diagram">
+                <dgm1612:spPr xmlns:dgm1612="http://schemas.microsoft.com/office/drawing/2016/12/diagram" xmlns="">
                   <a:ln w="19050">
                     <a:solidFill>
                       <a:srgbClr val="000000"/>
@@ -3512,7 +2077,7 @@
             <dgm:adjLst/>
             <dgm:extLst>
               <a:ext uri="{B698B0E9-8C71-41B9-8309-B3DCBF30829C}">
-                <dgm1612:spPr xmlns:dgm1612="http://schemas.microsoft.com/office/drawing/2016/12/diagram">
+                <dgm1612:spPr xmlns:dgm1612="http://schemas.microsoft.com/office/drawing/2016/12/diagram" xmlns="">
                   <a:ln>
                     <a:solidFill>
                       <a:srgbClr val="000000"/>
@@ -3743,7 +2308,7 @@
                     <dgm:adjLst/>
                     <dgm:extLst>
                       <a:ext uri="{B698B0E9-8C71-41B9-8309-B3DCBF30829C}">
-                        <dgm1612:spPr xmlns:dgm1612="http://schemas.microsoft.com/office/drawing/2016/12/diagram">
+                        <dgm1612:spPr xmlns:dgm1612="http://schemas.microsoft.com/office/drawing/2016/12/diagram" xmlns="">
                           <a:ln>
                             <a:noFill/>
                           </a:ln>
@@ -3832,7 +2397,7 @@
                   <dgm:adjLst/>
                   <dgm:extLst>
                     <a:ext uri="{B698B0E9-8C71-41B9-8309-B3DCBF30829C}">
-                      <dgm1612:spPr xmlns:dgm1612="http://schemas.microsoft.com/office/drawing/2016/12/diagram">
+                      <dgm1612:spPr xmlns:dgm1612="http://schemas.microsoft.com/office/drawing/2016/12/diagram" xmlns="">
                         <a:ln w="12700">
                           <a:prstDash val="dash"/>
                         </a:ln>
@@ -3996,7 +2561,7 @@
                   <dgm:adjLst/>
                   <dgm:extLst>
                     <a:ext uri="{B698B0E9-8C71-41B9-8309-B3DCBF30829C}">
-                      <dgm1612:spPr xmlns:dgm1612="http://schemas.microsoft.com/office/drawing/2016/12/diagram">
+                      <dgm1612:spPr xmlns:dgm1612="http://schemas.microsoft.com/office/drawing/2016/12/diagram" xmlns="">
                         <a:ln w="6350"/>
                       </dgm1612:spPr>
                     </a:ext>
@@ -4049,7 +2614,7 @@
                     <dgm:adjLst/>
                     <dgm:extLst>
                       <a:ext uri="{B698B0E9-8C71-41B9-8309-B3DCBF30829C}">
-                        <dgm1612:spPr xmlns:dgm1612="http://schemas.microsoft.com/office/drawing/2016/12/diagram">
+                        <dgm1612:spPr xmlns:dgm1612="http://schemas.microsoft.com/office/drawing/2016/12/diagram" xmlns="">
                           <a:ln>
                             <a:noFill/>
                           </a:ln>
@@ -4138,7 +2703,7 @@
                   <dgm:adjLst/>
                   <dgm:extLst>
                     <a:ext uri="{B698B0E9-8C71-41B9-8309-B3DCBF30829C}">
-                      <dgm1612:spPr xmlns:dgm1612="http://schemas.microsoft.com/office/drawing/2016/12/diagram">
+                      <dgm1612:spPr xmlns:dgm1612="http://schemas.microsoft.com/office/drawing/2016/12/diagram" xmlns="">
                         <a:ln w="12700">
                           <a:prstDash val="dash"/>
                         </a:ln>
@@ -4176,7 +2741,7 @@
   </dgm:layoutNode>
   <dgm:extLst>
     <a:ext uri="{68A01E43-0DF5-4B5B-8FA6-DAF915123BFB}">
-      <dgm1612:lstStyle xmlns:dgm1612="http://schemas.microsoft.com/office/drawing/2016/12/diagram">
+      <dgm1612:lstStyle xmlns:dgm1612="http://schemas.microsoft.com/office/drawing/2016/12/diagram" xmlns="">
         <a:lvl1pPr>
           <a:defRPr b="1"/>
         </a:lvl1pPr>
@@ -5242,7 +3807,7 @@
           <p:cNvPr id="10" name="Rectangle 9">
             <a:extLst>
               <a:ext uri="{FF2B5EF4-FFF2-40B4-BE49-F238E27FC236}">
-                <a16:creationId xmlns:a16="http://schemas.microsoft.com/office/drawing/2014/main" id="{39E3965E-AC41-4711-9D10-E25ABB132D86}"/>
+                <a16:creationId xmlns:a16="http://schemas.microsoft.com/office/drawing/2014/main" xmlns="" id="{39E3965E-AC41-4711-9D10-E25ABB132D86}"/>
               </a:ext>
             </a:extLst>
           </p:cNvPr>
@@ -5402,7 +3967,7 @@
           <p:cNvPr id="9" name="Straight Connector 8">
             <a:extLst>
               <a:ext uri="{FF2B5EF4-FFF2-40B4-BE49-F238E27FC236}">
-                <a16:creationId xmlns:a16="http://schemas.microsoft.com/office/drawing/2014/main" id="{1F5DC8C3-BA5F-4EED-BB9A-A14272BD82A1}"/>
+                <a16:creationId xmlns:a16="http://schemas.microsoft.com/office/drawing/2014/main" xmlns="" id="{1F5DC8C3-BA5F-4EED-BB9A-A14272BD82A1}"/>
               </a:ext>
             </a:extLst>
           </p:cNvPr>
@@ -5446,7 +4011,7 @@
           <p:cNvPr id="4" name="Date Placeholder 3">
             <a:extLst>
               <a:ext uri="{FF2B5EF4-FFF2-40B4-BE49-F238E27FC236}">
-                <a16:creationId xmlns:a16="http://schemas.microsoft.com/office/drawing/2014/main" id="{9925CCF1-92C0-4AF3-BFAF-4921631915AB}"/>
+                <a16:creationId xmlns:a16="http://schemas.microsoft.com/office/drawing/2014/main" xmlns="" id="{9925CCF1-92C0-4AF3-BFAF-4921631915AB}"/>
               </a:ext>
             </a:extLst>
           </p:cNvPr>
@@ -5464,7 +4029,7 @@
           <a:p>
             <a:fld id="{9184DA70-C731-4C70-880D-CCD4705E623C}" type="datetime1">
               <a:rPr lang="en-US" smtClean="0"/>
-              <a:t>4/21/2021</a:t>
+              <a:t>4/22/2021</a:t>
             </a:fld>
             <a:endParaRPr lang="en-US" dirty="0"/>
           </a:p>
@@ -5475,7 +4040,7 @@
           <p:cNvPr id="5" name="Footer Placeholder 4">
             <a:extLst>
               <a:ext uri="{FF2B5EF4-FFF2-40B4-BE49-F238E27FC236}">
-                <a16:creationId xmlns:a16="http://schemas.microsoft.com/office/drawing/2014/main" id="{051A78A9-3DFF-4937-A9F2-5D8CF495F367}"/>
+                <a16:creationId xmlns:a16="http://schemas.microsoft.com/office/drawing/2014/main" xmlns="" id="{051A78A9-3DFF-4937-A9F2-5D8CF495F367}"/>
               </a:ext>
             </a:extLst>
           </p:cNvPr>
@@ -5500,7 +4065,7 @@
           <p:cNvPr id="6" name="Slide Number Placeholder 5">
             <a:extLst>
               <a:ext uri="{FF2B5EF4-FFF2-40B4-BE49-F238E27FC236}">
-                <a16:creationId xmlns:a16="http://schemas.microsoft.com/office/drawing/2014/main" id="{5FAEB271-5CC0-4759-BC6E-8BE53AB227C0}"/>
+                <a16:creationId xmlns:a16="http://schemas.microsoft.com/office/drawing/2014/main" xmlns="" id="{5FAEB271-5CC0-4759-BC6E-8BE53AB227C0}"/>
               </a:ext>
             </a:extLst>
           </p:cNvPr>
@@ -5634,7 +4199,7 @@
           <p:cNvPr id="7" name="Date Placeholder 6">
             <a:extLst>
               <a:ext uri="{FF2B5EF4-FFF2-40B4-BE49-F238E27FC236}">
-                <a16:creationId xmlns:a16="http://schemas.microsoft.com/office/drawing/2014/main" id="{354D8B55-9EA8-4B81-8E84-9B93B0A27559}"/>
+                <a16:creationId xmlns:a16="http://schemas.microsoft.com/office/drawing/2014/main" xmlns="" id="{354D8B55-9EA8-4B81-8E84-9B93B0A27559}"/>
               </a:ext>
             </a:extLst>
           </p:cNvPr>
@@ -5652,7 +4217,7 @@
           <a:p>
             <a:fld id="{4BE1D723-8F53-4F53-90B0-1982A396982E}" type="datetime1">
               <a:rPr lang="en-US" smtClean="0"/>
-              <a:t>4/21/2021</a:t>
+              <a:t>4/22/2021</a:t>
             </a:fld>
             <a:endParaRPr lang="en-US" dirty="0"/>
           </a:p>
@@ -5663,7 +4228,7 @@
           <p:cNvPr id="8" name="Footer Placeholder 7">
             <a:extLst>
               <a:ext uri="{FF2B5EF4-FFF2-40B4-BE49-F238E27FC236}">
-                <a16:creationId xmlns:a16="http://schemas.microsoft.com/office/drawing/2014/main" id="{062CA021-2578-47CB-822C-BDDFF7223B28}"/>
+                <a16:creationId xmlns:a16="http://schemas.microsoft.com/office/drawing/2014/main" xmlns="" id="{062CA021-2578-47CB-822C-BDDFF7223B28}"/>
               </a:ext>
             </a:extLst>
           </p:cNvPr>
@@ -5688,7 +4253,7 @@
           <p:cNvPr id="9" name="Slide Number Placeholder 8">
             <a:extLst>
               <a:ext uri="{FF2B5EF4-FFF2-40B4-BE49-F238E27FC236}">
-                <a16:creationId xmlns:a16="http://schemas.microsoft.com/office/drawing/2014/main" id="{C4AAB51D-4141-4682-9375-DAFD5FB9DD10}"/>
+                <a16:creationId xmlns:a16="http://schemas.microsoft.com/office/drawing/2014/main" xmlns="" id="{C4AAB51D-4141-4682-9375-DAFD5FB9DD10}"/>
               </a:ext>
             </a:extLst>
           </p:cNvPr>
@@ -5755,7 +4320,7 @@
           <p:cNvPr id="10" name="Rectangle 9">
             <a:extLst>
               <a:ext uri="{FF2B5EF4-FFF2-40B4-BE49-F238E27FC236}">
-                <a16:creationId xmlns:a16="http://schemas.microsoft.com/office/drawing/2014/main" id="{A585C21A-8B93-4657-B5DF-7EAEAD3BE127}"/>
+                <a16:creationId xmlns:a16="http://schemas.microsoft.com/office/drawing/2014/main" xmlns="" id="{A585C21A-8B93-4657-B5DF-7EAEAD3BE127}"/>
               </a:ext>
             </a:extLst>
           </p:cNvPr>
@@ -5963,7 +4528,7 @@
           <p:cNvPr id="9" name="Straight Connector 8">
             <a:extLst>
               <a:ext uri="{FF2B5EF4-FFF2-40B4-BE49-F238E27FC236}">
-                <a16:creationId xmlns:a16="http://schemas.microsoft.com/office/drawing/2014/main" id="{459DE2C1-4C52-40A3-8959-27B2C1BEBFF6}"/>
+                <a16:creationId xmlns:a16="http://schemas.microsoft.com/office/drawing/2014/main" xmlns="" id="{459DE2C1-4C52-40A3-8959-27B2C1BEBFF6}"/>
               </a:ext>
             </a:extLst>
           </p:cNvPr>
@@ -6007,7 +4572,7 @@
           <p:cNvPr id="7" name="Date Placeholder 6">
             <a:extLst>
               <a:ext uri="{FF2B5EF4-FFF2-40B4-BE49-F238E27FC236}">
-                <a16:creationId xmlns:a16="http://schemas.microsoft.com/office/drawing/2014/main" id="{AAF2E137-EC28-48F8-9198-1F02539029B6}"/>
+                <a16:creationId xmlns:a16="http://schemas.microsoft.com/office/drawing/2014/main" xmlns="" id="{AAF2E137-EC28-48F8-9198-1F02539029B6}"/>
               </a:ext>
             </a:extLst>
           </p:cNvPr>
@@ -6025,7 +4590,7 @@
           <a:p>
             <a:fld id="{97669AF7-7BEB-44E4-9852-375E34362B5B}" type="datetime1">
               <a:rPr lang="en-US" smtClean="0"/>
-              <a:t>4/21/2021</a:t>
+              <a:t>4/22/2021</a:t>
             </a:fld>
             <a:endParaRPr lang="en-US" dirty="0"/>
           </a:p>
@@ -6036,7 +4601,7 @@
           <p:cNvPr id="8" name="Footer Placeholder 7">
             <a:extLst>
               <a:ext uri="{FF2B5EF4-FFF2-40B4-BE49-F238E27FC236}">
-                <a16:creationId xmlns:a16="http://schemas.microsoft.com/office/drawing/2014/main" id="{189422CD-6F62-4DD6-89EF-07A60B42D219}"/>
+                <a16:creationId xmlns:a16="http://schemas.microsoft.com/office/drawing/2014/main" xmlns="" id="{189422CD-6F62-4DD6-89EF-07A60B42D219}"/>
               </a:ext>
             </a:extLst>
           </p:cNvPr>
@@ -6061,7 +4626,7 @@
           <p:cNvPr id="11" name="Slide Number Placeholder 10">
             <a:extLst>
               <a:ext uri="{FF2B5EF4-FFF2-40B4-BE49-F238E27FC236}">
-                <a16:creationId xmlns:a16="http://schemas.microsoft.com/office/drawing/2014/main" id="{69C6AFF8-42B4-4D05-969B-9F5FB3355555}"/>
+                <a16:creationId xmlns:a16="http://schemas.microsoft.com/office/drawing/2014/main" xmlns="" id="{69C6AFF8-42B4-4D05-969B-9F5FB3355555}"/>
               </a:ext>
             </a:extLst>
           </p:cNvPr>
@@ -6262,7 +4827,7 @@
           <p:cNvPr id="2" name="Date Placeholder 1">
             <a:extLst>
               <a:ext uri="{FF2B5EF4-FFF2-40B4-BE49-F238E27FC236}">
-                <a16:creationId xmlns:a16="http://schemas.microsoft.com/office/drawing/2014/main" id="{5782D47D-B0DC-4C40-BCC6-BBBA32584A38}"/>
+                <a16:creationId xmlns:a16="http://schemas.microsoft.com/office/drawing/2014/main" xmlns="" id="{5782D47D-B0DC-4C40-BCC6-BBBA32584A38}"/>
               </a:ext>
             </a:extLst>
           </p:cNvPr>
@@ -6280,7 +4845,7 @@
           <a:p>
             <a:fld id="{BAAAC38D-0552-4C82-B593-E6124DFADBE2}" type="datetime1">
               <a:rPr lang="en-US" smtClean="0"/>
-              <a:t>4/21/2021</a:t>
+              <a:t>4/22/2021</a:t>
             </a:fld>
             <a:endParaRPr lang="en-US" dirty="0"/>
           </a:p>
@@ -6291,7 +4856,7 @@
           <p:cNvPr id="9" name="Footer Placeholder 8">
             <a:extLst>
               <a:ext uri="{FF2B5EF4-FFF2-40B4-BE49-F238E27FC236}">
-                <a16:creationId xmlns:a16="http://schemas.microsoft.com/office/drawing/2014/main" id="{4690D34E-7EBD-44B2-83CA-4C126A18D7EF}"/>
+                <a16:creationId xmlns:a16="http://schemas.microsoft.com/office/drawing/2014/main" xmlns="" id="{4690D34E-7EBD-44B2-83CA-4C126A18D7EF}"/>
               </a:ext>
             </a:extLst>
           </p:cNvPr>
@@ -6316,7 +4881,7 @@
           <p:cNvPr id="10" name="Slide Number Placeholder 9">
             <a:extLst>
               <a:ext uri="{FF2B5EF4-FFF2-40B4-BE49-F238E27FC236}">
-                <a16:creationId xmlns:a16="http://schemas.microsoft.com/office/drawing/2014/main" id="{2AC511A1-9BBD-42DE-92FB-2AF44F8E97A9}"/>
+                <a16:creationId xmlns:a16="http://schemas.microsoft.com/office/drawing/2014/main" xmlns="" id="{2AC511A1-9BBD-42DE-92FB-2AF44F8E97A9}"/>
               </a:ext>
             </a:extLst>
           </p:cNvPr>
@@ -6659,7 +5224,7 @@
           <p:cNvPr id="2" name="Date Placeholder 1">
             <a:extLst>
               <a:ext uri="{FF2B5EF4-FFF2-40B4-BE49-F238E27FC236}">
-                <a16:creationId xmlns:a16="http://schemas.microsoft.com/office/drawing/2014/main" id="{8AF8A515-AA94-45D1-9223-5C2272618D85}"/>
+                <a16:creationId xmlns:a16="http://schemas.microsoft.com/office/drawing/2014/main" xmlns="" id="{8AF8A515-AA94-45D1-9223-5C2272618D85}"/>
               </a:ext>
             </a:extLst>
           </p:cNvPr>
@@ -6677,7 +5242,7 @@
           <a:p>
             <a:fld id="{D9DF0F1C-5577-4ACB-BB62-DF8F3C494C7E}" type="datetime1">
               <a:rPr lang="en-US" smtClean="0"/>
-              <a:t>4/21/2021</a:t>
+              <a:t>4/22/2021</a:t>
             </a:fld>
             <a:endParaRPr lang="en-US" dirty="0"/>
           </a:p>
@@ -6688,7 +5253,7 @@
           <p:cNvPr id="11" name="Footer Placeholder 10">
             <a:extLst>
               <a:ext uri="{FF2B5EF4-FFF2-40B4-BE49-F238E27FC236}">
-                <a16:creationId xmlns:a16="http://schemas.microsoft.com/office/drawing/2014/main" id="{D052F5BC-98E0-4D60-AD67-9547738B7DD4}"/>
+                <a16:creationId xmlns:a16="http://schemas.microsoft.com/office/drawing/2014/main" xmlns="" id="{D052F5BC-98E0-4D60-AD67-9547738B7DD4}"/>
               </a:ext>
             </a:extLst>
           </p:cNvPr>
@@ -6713,7 +5278,7 @@
           <p:cNvPr id="12" name="Slide Number Placeholder 11">
             <a:extLst>
               <a:ext uri="{FF2B5EF4-FFF2-40B4-BE49-F238E27FC236}">
-                <a16:creationId xmlns:a16="http://schemas.microsoft.com/office/drawing/2014/main" id="{A38552DC-952E-41EA-AAAF-C2187523C0B0}"/>
+                <a16:creationId xmlns:a16="http://schemas.microsoft.com/office/drawing/2014/main" xmlns="" id="{A38552DC-952E-41EA-AAAF-C2187523C0B0}"/>
               </a:ext>
             </a:extLst>
           </p:cNvPr>
@@ -6795,7 +5360,7 @@
           <p:cNvPr id="6" name="Date Placeholder 5">
             <a:extLst>
               <a:ext uri="{FF2B5EF4-FFF2-40B4-BE49-F238E27FC236}">
-                <a16:creationId xmlns:a16="http://schemas.microsoft.com/office/drawing/2014/main" id="{7392073F-158F-44A3-8913-917AFFC1BC20}"/>
+                <a16:creationId xmlns:a16="http://schemas.microsoft.com/office/drawing/2014/main" xmlns="" id="{7392073F-158F-44A3-8913-917AFFC1BC20}"/>
               </a:ext>
             </a:extLst>
           </p:cNvPr>
@@ -6813,7 +5378,7 @@
           <a:p>
             <a:fld id="{1775B394-D9F9-4F0C-B15D-605F45CB9E9F}" type="datetime1">
               <a:rPr lang="en-US" smtClean="0"/>
-              <a:t>4/21/2021</a:t>
+              <a:t>4/22/2021</a:t>
             </a:fld>
             <a:endParaRPr lang="en-US" dirty="0"/>
           </a:p>
@@ -6824,7 +5389,7 @@
           <p:cNvPr id="7" name="Footer Placeholder 6">
             <a:extLst>
               <a:ext uri="{FF2B5EF4-FFF2-40B4-BE49-F238E27FC236}">
-                <a16:creationId xmlns:a16="http://schemas.microsoft.com/office/drawing/2014/main" id="{EED72207-24CA-42B7-A975-2F8E41CBA904}"/>
+                <a16:creationId xmlns:a16="http://schemas.microsoft.com/office/drawing/2014/main" xmlns="" id="{EED72207-24CA-42B7-A975-2F8E41CBA904}"/>
               </a:ext>
             </a:extLst>
           </p:cNvPr>
@@ -6849,7 +5414,7 @@
           <p:cNvPr id="8" name="Slide Number Placeholder 7">
             <a:extLst>
               <a:ext uri="{FF2B5EF4-FFF2-40B4-BE49-F238E27FC236}">
-                <a16:creationId xmlns:a16="http://schemas.microsoft.com/office/drawing/2014/main" id="{D01080F2-251A-4B88-9A62-16F46D724F83}"/>
+                <a16:creationId xmlns:a16="http://schemas.microsoft.com/office/drawing/2014/main" xmlns="" id="{D01080F2-251A-4B88-9A62-16F46D724F83}"/>
               </a:ext>
             </a:extLst>
           </p:cNvPr>
@@ -6908,7 +5473,7 @@
           <p:cNvPr id="10" name="Rectangle 9">
             <a:extLst>
               <a:ext uri="{FF2B5EF4-FFF2-40B4-BE49-F238E27FC236}">
-                <a16:creationId xmlns:a16="http://schemas.microsoft.com/office/drawing/2014/main" id="{A8E9C91B-7EAD-4562-AB0E-DFB9663AECE3}"/>
+                <a16:creationId xmlns:a16="http://schemas.microsoft.com/office/drawing/2014/main" xmlns="" id="{A8E9C91B-7EAD-4562-AB0E-DFB9663AECE3}"/>
               </a:ext>
             </a:extLst>
           </p:cNvPr>
@@ -6952,7 +5517,7 @@
           <p:cNvPr id="2" name="Date Placeholder 1">
             <a:extLst>
               <a:ext uri="{FF2B5EF4-FFF2-40B4-BE49-F238E27FC236}">
-                <a16:creationId xmlns:a16="http://schemas.microsoft.com/office/drawing/2014/main" id="{94E9223F-721F-47BF-9FD5-0F8D12FF0DE1}"/>
+                <a16:creationId xmlns:a16="http://schemas.microsoft.com/office/drawing/2014/main" xmlns="" id="{94E9223F-721F-47BF-9FD5-0F8D12FF0DE1}"/>
               </a:ext>
             </a:extLst>
           </p:cNvPr>
@@ -6970,7 +5535,7 @@
           <a:p>
             <a:fld id="{39667345-2558-425A-8533-9BFDBCE15005}" type="datetime1">
               <a:rPr lang="en-US" smtClean="0"/>
-              <a:t>4/21/2021</a:t>
+              <a:t>4/22/2021</a:t>
             </a:fld>
             <a:endParaRPr lang="en-US" dirty="0"/>
           </a:p>
@@ -6981,7 +5546,7 @@
           <p:cNvPr id="3" name="Footer Placeholder 2">
             <a:extLst>
               <a:ext uri="{FF2B5EF4-FFF2-40B4-BE49-F238E27FC236}">
-                <a16:creationId xmlns:a16="http://schemas.microsoft.com/office/drawing/2014/main" id="{05915714-6BBA-4593-8591-4E26F7D58D9F}"/>
+                <a16:creationId xmlns:a16="http://schemas.microsoft.com/office/drawing/2014/main" xmlns="" id="{05915714-6BBA-4593-8591-4E26F7D58D9F}"/>
               </a:ext>
             </a:extLst>
           </p:cNvPr>
@@ -7006,7 +5571,7 @@
           <p:cNvPr id="4" name="Slide Number Placeholder 3">
             <a:extLst>
               <a:ext uri="{FF2B5EF4-FFF2-40B4-BE49-F238E27FC236}">
-                <a16:creationId xmlns:a16="http://schemas.microsoft.com/office/drawing/2014/main" id="{BE06F857-D2E1-44DD-ABDD-EBB739645B67}"/>
+                <a16:creationId xmlns:a16="http://schemas.microsoft.com/office/drawing/2014/main" xmlns="" id="{BE06F857-D2E1-44DD-ABDD-EBB739645B67}"/>
               </a:ext>
             </a:extLst>
           </p:cNvPr>
@@ -7065,7 +5630,7 @@
           <p:cNvPr id="8" name="Rectangle 7">
             <a:extLst>
               <a:ext uri="{FF2B5EF4-FFF2-40B4-BE49-F238E27FC236}">
-                <a16:creationId xmlns:a16="http://schemas.microsoft.com/office/drawing/2014/main" id="{16D90D66-BCB9-4229-A829-628874352AC0}"/>
+                <a16:creationId xmlns:a16="http://schemas.microsoft.com/office/drawing/2014/main" xmlns="" id="{16D90D66-BCB9-4229-A829-628874352AC0}"/>
               </a:ext>
             </a:extLst>
           </p:cNvPr>
@@ -7299,7 +5864,7 @@
           <a:p>
             <a:fld id="{92BEA474-078D-4E9B-9B14-09A87B19DC46}" type="datetime1">
               <a:rPr lang="en-US" smtClean="0"/>
-              <a:t>4/21/2021</a:t>
+              <a:t>4/22/2021</a:t>
             </a:fld>
             <a:endParaRPr lang="en-US" dirty="0"/>
           </a:p>
@@ -7404,7 +5969,7 @@
           <p:cNvPr id="8" name="Rectangle 7">
             <a:extLst>
               <a:ext uri="{FF2B5EF4-FFF2-40B4-BE49-F238E27FC236}">
-                <a16:creationId xmlns:a16="http://schemas.microsoft.com/office/drawing/2014/main" id="{DA134939-39C0-4522-A125-A13DFDA66490}"/>
+                <a16:creationId xmlns:a16="http://schemas.microsoft.com/office/drawing/2014/main" xmlns="" id="{DA134939-39C0-4522-A125-A13DFDA66490}"/>
               </a:ext>
             </a:extLst>
           </p:cNvPr>
@@ -7649,7 +6214,7 @@
           <a:p>
             <a:fld id="{4907D986-8816-4272-A432-0437A28A9828}" type="datetime1">
               <a:rPr lang="en-US" smtClean="0"/>
-              <a:t>4/21/2021</a:t>
+              <a:t>4/22/2021</a:t>
             </a:fld>
             <a:endParaRPr lang="en-US" dirty="0"/>
           </a:p>
@@ -7743,7 +6308,7 @@
           <p:cNvPr id="7" name="Rectangle 6">
             <a:extLst>
               <a:ext uri="{FF2B5EF4-FFF2-40B4-BE49-F238E27FC236}">
-                <a16:creationId xmlns:a16="http://schemas.microsoft.com/office/drawing/2014/main" id="{416A0E3C-60E6-4F39-BC55-5F7C224E1F7C}"/>
+                <a16:creationId xmlns:a16="http://schemas.microsoft.com/office/drawing/2014/main" xmlns="" id="{416A0E3C-60E6-4F39-BC55-5F7C224E1F7C}"/>
               </a:ext>
             </a:extLst>
           </p:cNvPr>
@@ -7910,7 +6475,7 @@
           <a:p>
             <a:fld id="{62D6E202-B606-4609-B914-27C9371A1F6D}" type="datetime1">
               <a:rPr lang="en-US" smtClean="0"/>
-              <a:t>4/21/2021</a:t>
+              <a:t>4/22/2021</a:t>
             </a:fld>
             <a:endParaRPr lang="en-US" dirty="0"/>
           </a:p>
@@ -7995,7 +6560,7 @@
           <p:cNvPr id="10" name="Straight Connector 9">
             <a:extLst>
               <a:ext uri="{FF2B5EF4-FFF2-40B4-BE49-F238E27FC236}">
-                <a16:creationId xmlns:a16="http://schemas.microsoft.com/office/drawing/2014/main" id="{C5025DAC-8B93-4160-B017-3A274A5828C0}"/>
+                <a16:creationId xmlns:a16="http://schemas.microsoft.com/office/drawing/2014/main" xmlns="" id="{C5025DAC-8B93-4160-B017-3A274A5828C0}"/>
               </a:ext>
             </a:extLst>
           </p:cNvPr>
@@ -8444,10 +7009,10 @@
           <p:cNvPr id="28" name="Rectangle 27">
             <a:extLst>
               <a:ext uri="{FF2B5EF4-FFF2-40B4-BE49-F238E27FC236}">
-                <a16:creationId xmlns:a16="http://schemas.microsoft.com/office/drawing/2014/main" id="{2FDF0794-1B86-42B2-B8C7-F60123E638ED}"/>
+                <a16:creationId xmlns:a16="http://schemas.microsoft.com/office/drawing/2014/main" xmlns="" id="{2FDF0794-1B86-42B2-B8C7-F60123E638ED}"/>
               </a:ext>
               <a:ext uri="{C183D7F6-B498-43B3-948B-1728B52AA6E4}">
-                <adec:decorative xmlns:adec="http://schemas.microsoft.com/office/drawing/2017/decorative" val="1"/>
+                <adec:decorative xmlns:adec="http://schemas.microsoft.com/office/drawing/2017/decorative" xmlns="" val="1"/>
               </a:ext>
             </a:extLst>
           </p:cNvPr>
@@ -8457,7 +7022,7 @@
           <p:nvPr>
             <p:extLst>
               <p:ext uri="{386F3935-93C4-4BCD-93E2-E3B085C9AB24}">
-                <p16:designElem xmlns:p16="http://schemas.microsoft.com/office/powerpoint/2015/main" val="1"/>
+                <p16:designElem xmlns:p16="http://schemas.microsoft.com/office/powerpoint/2015/main" xmlns="" val="1"/>
               </p:ext>
             </p:extLst>
           </p:nvPr>
@@ -8536,10 +7101,10 @@
           <p:cNvPr id="5" name="Picture 4">
             <a:extLst>
               <a:ext uri="{FF2B5EF4-FFF2-40B4-BE49-F238E27FC236}">
-                <a16:creationId xmlns:a16="http://schemas.microsoft.com/office/drawing/2014/main" id="{1FD526C9-A8C7-41E6-85BB-39F06C858A2B}"/>
+                <a16:creationId xmlns:a16="http://schemas.microsoft.com/office/drawing/2014/main" xmlns="" id="{1FD526C9-A8C7-41E6-85BB-39F06C858A2B}"/>
               </a:ext>
               <a:ext uri="{C183D7F6-B498-43B3-948B-1728B52AA6E4}">
-                <adec:decorative xmlns:adec="http://schemas.microsoft.com/office/drawing/2017/decorative" val="1"/>
+                <adec:decorative xmlns:adec="http://schemas.microsoft.com/office/drawing/2017/decorative" xmlns="" val="1"/>
               </a:ext>
             </a:extLst>
           </p:cNvPr>
@@ -8574,10 +7139,10 @@
           <p:cNvPr id="30" name="Rectangle 29">
             <a:extLst>
               <a:ext uri="{FF2B5EF4-FFF2-40B4-BE49-F238E27FC236}">
-                <a16:creationId xmlns:a16="http://schemas.microsoft.com/office/drawing/2014/main" id="{C5373426-E26E-431D-959C-5DB96C0B6208}"/>
+                <a16:creationId xmlns:a16="http://schemas.microsoft.com/office/drawing/2014/main" xmlns="" id="{C5373426-E26E-431D-959C-5DB96C0B6208}"/>
               </a:ext>
               <a:ext uri="{C183D7F6-B498-43B3-948B-1728B52AA6E4}">
-                <adec:decorative xmlns:adec="http://schemas.microsoft.com/office/drawing/2017/decorative" val="1"/>
+                <adec:decorative xmlns:adec="http://schemas.microsoft.com/office/drawing/2017/decorative" xmlns="" val="1"/>
               </a:ext>
             </a:extLst>
           </p:cNvPr>
@@ -8587,7 +7152,7 @@
           <p:nvPr>
             <p:extLst>
               <p:ext uri="{386F3935-93C4-4BCD-93E2-E3B085C9AB24}">
-                <p16:designElem xmlns:p16="http://schemas.microsoft.com/office/powerpoint/2015/main" val="1"/>
+                <p16:designElem xmlns:p16="http://schemas.microsoft.com/office/powerpoint/2015/main" xmlns="" val="1"/>
               </p:ext>
             </p:extLst>
           </p:nvPr>
@@ -8668,7 +7233,7 @@
           <p:cNvPr id="2" name="Title 1">
             <a:extLst>
               <a:ext uri="{FF2B5EF4-FFF2-40B4-BE49-F238E27FC236}">
-                <a16:creationId xmlns:a16="http://schemas.microsoft.com/office/drawing/2014/main" id="{9AB2EA78-AEB3-469B-9025-3B17201A457B}"/>
+                <a16:creationId xmlns:a16="http://schemas.microsoft.com/office/drawing/2014/main" xmlns="" id="{9AB2EA78-AEB3-469B-9025-3B17201A457B}"/>
               </a:ext>
             </a:extLst>
           </p:cNvPr>
@@ -8721,6 +7286,14 @@
                 </a:solidFill>
               </a:rPr>
             </a:br>
+            <a:r>
+              <a:rPr lang="id-ID" sz="4400" dirty="0">
+                <a:solidFill>
+                  <a:schemeClr val="tx1"/>
+                </a:solidFill>
+              </a:rPr>
+              <a:t/>
+            </a:r>
             <a:br>
               <a:rPr lang="id-ID" sz="4400" dirty="0">
                 <a:solidFill>
@@ -8749,7 +7322,7 @@
           <p:cNvPr id="3" name="Subtitle 2">
             <a:extLst>
               <a:ext uri="{FF2B5EF4-FFF2-40B4-BE49-F238E27FC236}">
-                <a16:creationId xmlns:a16="http://schemas.microsoft.com/office/drawing/2014/main" id="{255E1F2F-E259-4EA8-9FFD-3A10AF541859}"/>
+                <a16:creationId xmlns:a16="http://schemas.microsoft.com/office/drawing/2014/main" xmlns="" id="{255E1F2F-E259-4EA8-9FFD-3A10AF541859}"/>
               </a:ext>
             </a:extLst>
           </p:cNvPr>
@@ -8906,10 +7479,10 @@
           <p:cNvPr id="32" name="Straight Connector 31">
             <a:extLst>
               <a:ext uri="{FF2B5EF4-FFF2-40B4-BE49-F238E27FC236}">
-                <a16:creationId xmlns:a16="http://schemas.microsoft.com/office/drawing/2014/main" id="{96D07482-83A3-4451-943C-B46961082957}"/>
+                <a16:creationId xmlns:a16="http://schemas.microsoft.com/office/drawing/2014/main" xmlns="" id="{96D07482-83A3-4451-943C-B46961082957}"/>
               </a:ext>
               <a:ext uri="{C183D7F6-B498-43B3-948B-1728B52AA6E4}">
-                <adec:decorative xmlns:adec="http://schemas.microsoft.com/office/drawing/2017/decorative" val="1"/>
+                <adec:decorative xmlns:adec="http://schemas.microsoft.com/office/drawing/2017/decorative" xmlns="" val="1"/>
               </a:ext>
             </a:extLst>
           </p:cNvPr>
@@ -8919,7 +7492,7 @@
           <p:nvPr>
             <p:extLst>
               <p:ext uri="{386F3935-93C4-4BCD-93E2-E3B085C9AB24}">
-                <p16:designElem xmlns:p16="http://schemas.microsoft.com/office/powerpoint/2015/main" val="1"/>
+                <p16:designElem xmlns:p16="http://schemas.microsoft.com/office/powerpoint/2015/main" xmlns="" val="1"/>
               </p:ext>
             </p:extLst>
           </p:nvPr>
@@ -8958,10 +7531,10 @@
           <p:cNvPr id="34" name="Rectangle 33">
             <a:extLst>
               <a:ext uri="{FF2B5EF4-FFF2-40B4-BE49-F238E27FC236}">
-                <a16:creationId xmlns:a16="http://schemas.microsoft.com/office/drawing/2014/main" id="{EDC90921-9082-491B-940E-827D679F3478}"/>
+                <a16:creationId xmlns:a16="http://schemas.microsoft.com/office/drawing/2014/main" xmlns="" id="{EDC90921-9082-491B-940E-827D679F3478}"/>
               </a:ext>
               <a:ext uri="{C183D7F6-B498-43B3-948B-1728B52AA6E4}">
-                <adec:decorative xmlns:adec="http://schemas.microsoft.com/office/drawing/2017/decorative" val="1"/>
+                <adec:decorative xmlns:adec="http://schemas.microsoft.com/office/drawing/2017/decorative" xmlns="" val="1"/>
               </a:ext>
             </a:extLst>
           </p:cNvPr>
@@ -8971,7 +7544,7 @@
           <p:nvPr>
             <p:extLst>
               <p:ext uri="{386F3935-93C4-4BCD-93E2-E3B085C9AB24}">
-                <p16:designElem xmlns:p16="http://schemas.microsoft.com/office/powerpoint/2015/main" val="1"/>
+                <p16:designElem xmlns:p16="http://schemas.microsoft.com/office/powerpoint/2015/main" xmlns="" val="1"/>
               </p:ext>
             </p:extLst>
           </p:nvPr>
@@ -9015,7 +7588,7 @@
           <p:cNvPr id="6" name="Picture 5">
             <a:extLst>
               <a:ext uri="{FF2B5EF4-FFF2-40B4-BE49-F238E27FC236}">
-                <a16:creationId xmlns:a16="http://schemas.microsoft.com/office/drawing/2014/main" id="{F55CA335-27AB-4E0D-9E35-E343C286EF17}"/>
+                <a16:creationId xmlns:a16="http://schemas.microsoft.com/office/drawing/2014/main" xmlns="" id="{F55CA335-27AB-4E0D-9E35-E343C286EF17}"/>
               </a:ext>
             </a:extLst>
           </p:cNvPr>
@@ -9085,7 +7658,7 @@
           <p:cNvPr id="2" name="Title 1">
             <a:extLst>
               <a:ext uri="{FF2B5EF4-FFF2-40B4-BE49-F238E27FC236}">
-                <a16:creationId xmlns:a16="http://schemas.microsoft.com/office/drawing/2014/main" id="{6EBE023E-188A-49E0-BA9E-146B52479E11}"/>
+                <a16:creationId xmlns:a16="http://schemas.microsoft.com/office/drawing/2014/main" xmlns="" id="{6EBE023E-188A-49E0-BA9E-146B52479E11}"/>
               </a:ext>
             </a:extLst>
           </p:cNvPr>
@@ -9114,7 +7687,7 @@
           <p:cNvPr id="10" name="Content Placeholder 9">
             <a:extLst>
               <a:ext uri="{FF2B5EF4-FFF2-40B4-BE49-F238E27FC236}">
-                <a16:creationId xmlns:a16="http://schemas.microsoft.com/office/drawing/2014/main" id="{0ACBF03A-29A7-421F-81A5-6F0DCD59757A}"/>
+                <a16:creationId xmlns:a16="http://schemas.microsoft.com/office/drawing/2014/main" xmlns="" id="{0ACBF03A-29A7-421F-81A5-6F0DCD59757A}"/>
               </a:ext>
             </a:extLst>
           </p:cNvPr>
@@ -9143,7 +7716,7 @@
           <p:cNvPr id="8" name="Picture 7">
             <a:extLst>
               <a:ext uri="{FF2B5EF4-FFF2-40B4-BE49-F238E27FC236}">
-                <a16:creationId xmlns:a16="http://schemas.microsoft.com/office/drawing/2014/main" id="{6C66F008-1098-4DF6-98D1-3FCAC0D5D7F6}"/>
+                <a16:creationId xmlns:a16="http://schemas.microsoft.com/office/drawing/2014/main" xmlns="" id="{6C66F008-1098-4DF6-98D1-3FCAC0D5D7F6}"/>
               </a:ext>
             </a:extLst>
           </p:cNvPr>
@@ -9173,7 +7746,7 @@
           <p:cNvPr id="12" name="Picture 11">
             <a:extLst>
               <a:ext uri="{FF2B5EF4-FFF2-40B4-BE49-F238E27FC236}">
-                <a16:creationId xmlns:a16="http://schemas.microsoft.com/office/drawing/2014/main" id="{3A496701-BA63-4763-BB5A-51FF9A616EED}"/>
+                <a16:creationId xmlns:a16="http://schemas.microsoft.com/office/drawing/2014/main" xmlns="" id="{3A496701-BA63-4763-BB5A-51FF9A616EED}"/>
               </a:ext>
             </a:extLst>
           </p:cNvPr>
@@ -9203,7 +7776,7 @@
           <p:cNvPr id="14" name="Picture 13">
             <a:extLst>
               <a:ext uri="{FF2B5EF4-FFF2-40B4-BE49-F238E27FC236}">
-                <a16:creationId xmlns:a16="http://schemas.microsoft.com/office/drawing/2014/main" id="{756D8A49-5153-4A60-87CA-FBB094B622EF}"/>
+                <a16:creationId xmlns:a16="http://schemas.microsoft.com/office/drawing/2014/main" xmlns="" id="{756D8A49-5153-4A60-87CA-FBB094B622EF}"/>
               </a:ext>
             </a:extLst>
           </p:cNvPr>
@@ -9263,7 +7836,7 @@
           <p:cNvPr id="2" name="Title 1">
             <a:extLst>
               <a:ext uri="{FF2B5EF4-FFF2-40B4-BE49-F238E27FC236}">
-                <a16:creationId xmlns:a16="http://schemas.microsoft.com/office/drawing/2014/main" id="{0F4BA51F-CD2D-449C-BE7E-36C2F1FF9A5D}"/>
+                <a16:creationId xmlns:a16="http://schemas.microsoft.com/office/drawing/2014/main" xmlns="" id="{0F4BA51F-CD2D-449C-BE7E-36C2F1FF9A5D}"/>
               </a:ext>
             </a:extLst>
           </p:cNvPr>
@@ -9292,7 +7865,7 @@
           <p:cNvPr id="7" name="Content Placeholder 6">
             <a:extLst>
               <a:ext uri="{FF2B5EF4-FFF2-40B4-BE49-F238E27FC236}">
-                <a16:creationId xmlns:a16="http://schemas.microsoft.com/office/drawing/2014/main" id="{61BCA3BC-B2D5-4DCC-834B-02E4632FAAF4}"/>
+                <a16:creationId xmlns:a16="http://schemas.microsoft.com/office/drawing/2014/main" xmlns="" id="{61BCA3BC-B2D5-4DCC-834B-02E4632FAAF4}"/>
               </a:ext>
             </a:extLst>
           </p:cNvPr>
@@ -9321,7 +7894,7 @@
           <p:cNvPr id="5" name="Picture 4">
             <a:extLst>
               <a:ext uri="{FF2B5EF4-FFF2-40B4-BE49-F238E27FC236}">
-                <a16:creationId xmlns:a16="http://schemas.microsoft.com/office/drawing/2014/main" id="{DF966FCA-55CA-4230-AD82-1E7360F1CF28}"/>
+                <a16:creationId xmlns:a16="http://schemas.microsoft.com/office/drawing/2014/main" xmlns="" id="{DF966FCA-55CA-4230-AD82-1E7360F1CF28}"/>
               </a:ext>
             </a:extLst>
           </p:cNvPr>
@@ -9351,7 +7924,7 @@
           <p:cNvPr id="9" name="Picture 8">
             <a:extLst>
               <a:ext uri="{FF2B5EF4-FFF2-40B4-BE49-F238E27FC236}">
-                <a16:creationId xmlns:a16="http://schemas.microsoft.com/office/drawing/2014/main" id="{8622B8D8-CF58-44B7-B42A-09303BD735AD}"/>
+                <a16:creationId xmlns:a16="http://schemas.microsoft.com/office/drawing/2014/main" xmlns="" id="{8622B8D8-CF58-44B7-B42A-09303BD735AD}"/>
               </a:ext>
             </a:extLst>
           </p:cNvPr>
@@ -9381,7 +7954,7 @@
           <p:cNvPr id="11" name="Picture 10">
             <a:extLst>
               <a:ext uri="{FF2B5EF4-FFF2-40B4-BE49-F238E27FC236}">
-                <a16:creationId xmlns:a16="http://schemas.microsoft.com/office/drawing/2014/main" id="{88E4DBA7-09AD-47A4-A3D6-04786EFF0719}"/>
+                <a16:creationId xmlns:a16="http://schemas.microsoft.com/office/drawing/2014/main" xmlns="" id="{88E4DBA7-09AD-47A4-A3D6-04786EFF0719}"/>
               </a:ext>
             </a:extLst>
           </p:cNvPr>
@@ -9441,7 +8014,7 @@
           <p:cNvPr id="2" name="Title 1">
             <a:extLst>
               <a:ext uri="{FF2B5EF4-FFF2-40B4-BE49-F238E27FC236}">
-                <a16:creationId xmlns:a16="http://schemas.microsoft.com/office/drawing/2014/main" id="{511BCC53-0819-4EC0-BE11-6C3BF969B137}"/>
+                <a16:creationId xmlns:a16="http://schemas.microsoft.com/office/drawing/2014/main" xmlns="" id="{511BCC53-0819-4EC0-BE11-6C3BF969B137}"/>
               </a:ext>
             </a:extLst>
           </p:cNvPr>
@@ -9470,7 +8043,7 @@
           <p:cNvPr id="5" name="Content Placeholder 4">
             <a:extLst>
               <a:ext uri="{FF2B5EF4-FFF2-40B4-BE49-F238E27FC236}">
-                <a16:creationId xmlns:a16="http://schemas.microsoft.com/office/drawing/2014/main" id="{30B95ADD-625B-48BA-BEBE-BB7C5FDBDC7A}"/>
+                <a16:creationId xmlns:a16="http://schemas.microsoft.com/office/drawing/2014/main" xmlns="" id="{30B95ADD-625B-48BA-BEBE-BB7C5FDBDC7A}"/>
               </a:ext>
             </a:extLst>
           </p:cNvPr>
@@ -9499,7 +8072,7 @@
           <p:cNvPr id="7" name="Picture 6">
             <a:extLst>
               <a:ext uri="{FF2B5EF4-FFF2-40B4-BE49-F238E27FC236}">
-                <a16:creationId xmlns:a16="http://schemas.microsoft.com/office/drawing/2014/main" id="{0DF94676-88BA-48F7-B058-F8E6AA8248DF}"/>
+                <a16:creationId xmlns:a16="http://schemas.microsoft.com/office/drawing/2014/main" xmlns="" id="{0DF94676-88BA-48F7-B058-F8E6AA8248DF}"/>
               </a:ext>
             </a:extLst>
           </p:cNvPr>
@@ -9529,7 +8102,7 @@
           <p:cNvPr id="9" name="Picture 8">
             <a:extLst>
               <a:ext uri="{FF2B5EF4-FFF2-40B4-BE49-F238E27FC236}">
-                <a16:creationId xmlns:a16="http://schemas.microsoft.com/office/drawing/2014/main" id="{08F17470-7113-422F-83A2-4C360B6B3EF1}"/>
+                <a16:creationId xmlns:a16="http://schemas.microsoft.com/office/drawing/2014/main" xmlns="" id="{08F17470-7113-422F-83A2-4C360B6B3EF1}"/>
               </a:ext>
             </a:extLst>
           </p:cNvPr>
@@ -9559,7 +8132,7 @@
           <p:cNvPr id="11" name="Picture 10">
             <a:extLst>
               <a:ext uri="{FF2B5EF4-FFF2-40B4-BE49-F238E27FC236}">
-                <a16:creationId xmlns:a16="http://schemas.microsoft.com/office/drawing/2014/main" id="{0EFAF403-124C-4F14-A634-3E26562010B5}"/>
+                <a16:creationId xmlns:a16="http://schemas.microsoft.com/office/drawing/2014/main" xmlns="" id="{0EFAF403-124C-4F14-A634-3E26562010B5}"/>
               </a:ext>
             </a:extLst>
           </p:cNvPr>
@@ -9619,7 +8192,7 @@
           <p:cNvPr id="2" name="Title 1">
             <a:extLst>
               <a:ext uri="{FF2B5EF4-FFF2-40B4-BE49-F238E27FC236}">
-                <a16:creationId xmlns:a16="http://schemas.microsoft.com/office/drawing/2014/main" id="{1A5AF452-85B5-4181-993D-F646DE417407}"/>
+                <a16:creationId xmlns:a16="http://schemas.microsoft.com/office/drawing/2014/main" xmlns="" id="{1A5AF452-85B5-4181-993D-F646DE417407}"/>
               </a:ext>
             </a:extLst>
           </p:cNvPr>
@@ -9636,8 +8209,20 @@
           <a:lstStyle/>
           <a:p>
             <a:r>
-              <a:rPr lang="id-ID" dirty="0"/>
-              <a:t>Wireframe(3):</a:t>
+              <a:rPr lang="en-US" dirty="0" smtClean="0"/>
+              <a:t>Mockup</a:t>
+            </a:r>
+            <a:r>
+              <a:rPr lang="id-ID" dirty="0" smtClean="0"/>
+              <a:t>(</a:t>
+            </a:r>
+            <a:r>
+              <a:rPr lang="en-US" smtClean="0"/>
+              <a:t>2</a:t>
+            </a:r>
+            <a:r>
+              <a:rPr lang="id-ID" smtClean="0"/>
+              <a:t>):</a:t>
             </a:r>
             <a:endParaRPr lang="en-ID" dirty="0"/>
           </a:p>
@@ -9648,7 +8233,7 @@
           <p:cNvPr id="5" name="Content Placeholder 4">
             <a:extLst>
               <a:ext uri="{FF2B5EF4-FFF2-40B4-BE49-F238E27FC236}">
-                <a16:creationId xmlns:a16="http://schemas.microsoft.com/office/drawing/2014/main" id="{6B921C7E-6F75-4641-8111-46007218D14A}"/>
+                <a16:creationId xmlns:a16="http://schemas.microsoft.com/office/drawing/2014/main" xmlns="" id="{6B921C7E-6F75-4641-8111-46007218D14A}"/>
               </a:ext>
             </a:extLst>
           </p:cNvPr>
@@ -9677,7 +8262,7 @@
           <p:cNvPr id="7" name="Picture 6">
             <a:extLst>
               <a:ext uri="{FF2B5EF4-FFF2-40B4-BE49-F238E27FC236}">
-                <a16:creationId xmlns:a16="http://schemas.microsoft.com/office/drawing/2014/main" id="{6BFC220A-C45A-4C80-BF35-1ED7CC6264F3}"/>
+                <a16:creationId xmlns:a16="http://schemas.microsoft.com/office/drawing/2014/main" xmlns="" id="{6BFC220A-C45A-4C80-BF35-1ED7CC6264F3}"/>
               </a:ext>
             </a:extLst>
           </p:cNvPr>
@@ -9707,7 +8292,7 @@
           <p:cNvPr id="9" name="Picture 8">
             <a:extLst>
               <a:ext uri="{FF2B5EF4-FFF2-40B4-BE49-F238E27FC236}">
-                <a16:creationId xmlns:a16="http://schemas.microsoft.com/office/drawing/2014/main" id="{4264EDF2-EBF5-48A4-A209-6D8DD0B7B770}"/>
+                <a16:creationId xmlns:a16="http://schemas.microsoft.com/office/drawing/2014/main" xmlns="" id="{4264EDF2-EBF5-48A4-A209-6D8DD0B7B770}"/>
               </a:ext>
             </a:extLst>
           </p:cNvPr>
@@ -9737,7 +8322,7 @@
           <p:cNvPr id="11" name="Picture 10">
             <a:extLst>
               <a:ext uri="{FF2B5EF4-FFF2-40B4-BE49-F238E27FC236}">
-                <a16:creationId xmlns:a16="http://schemas.microsoft.com/office/drawing/2014/main" id="{3A027D20-3C53-4C41-B9FF-2A8877FB7D6F}"/>
+                <a16:creationId xmlns:a16="http://schemas.microsoft.com/office/drawing/2014/main" xmlns="" id="{3A027D20-3C53-4C41-B9FF-2A8877FB7D6F}"/>
               </a:ext>
             </a:extLst>
           </p:cNvPr>
@@ -9797,7 +8382,7 @@
           <p:cNvPr id="2" name="Title 1">
             <a:extLst>
               <a:ext uri="{FF2B5EF4-FFF2-40B4-BE49-F238E27FC236}">
-                <a16:creationId xmlns:a16="http://schemas.microsoft.com/office/drawing/2014/main" id="{6D83915E-4D43-48A5-A47B-0CCD1E34F389}"/>
+                <a16:creationId xmlns:a16="http://schemas.microsoft.com/office/drawing/2014/main" xmlns="" id="{6D83915E-4D43-48A5-A47B-0CCD1E34F389}"/>
               </a:ext>
             </a:extLst>
           </p:cNvPr>
@@ -9822,7 +8407,7 @@
           <p:cNvPr id="1026" name="Picture 2" descr="18 Delicious Ways to Say Thank You">
             <a:extLst>
               <a:ext uri="{FF2B5EF4-FFF2-40B4-BE49-F238E27FC236}">
-                <a16:creationId xmlns:a16="http://schemas.microsoft.com/office/drawing/2014/main" id="{4D2FEDF6-2832-423A-8614-E6FF11632660}"/>
+                <a16:creationId xmlns:a16="http://schemas.microsoft.com/office/drawing/2014/main" xmlns="" id="{4D2FEDF6-2832-423A-8614-E6FF11632660}"/>
               </a:ext>
             </a:extLst>
           </p:cNvPr>
@@ -9920,10 +8505,10 @@
           <p:cNvPr id="10" name="Rectangle 9">
             <a:extLst>
               <a:ext uri="{FF2B5EF4-FFF2-40B4-BE49-F238E27FC236}">
-                <a16:creationId xmlns:a16="http://schemas.microsoft.com/office/drawing/2014/main" id="{EE1530B0-6F96-46C0-8B3E-3215CB756BE4}"/>
+                <a16:creationId xmlns:a16="http://schemas.microsoft.com/office/drawing/2014/main" xmlns="" id="{EE1530B0-6F96-46C0-8B3E-3215CB756BE4}"/>
               </a:ext>
               <a:ext uri="{C183D7F6-B498-43B3-948B-1728B52AA6E4}">
-                <adec:decorative xmlns:adec="http://schemas.microsoft.com/office/drawing/2017/decorative" val="1"/>
+                <adec:decorative xmlns:adec="http://schemas.microsoft.com/office/drawing/2017/decorative" xmlns="" val="1"/>
               </a:ext>
             </a:extLst>
           </p:cNvPr>
@@ -9933,7 +8518,7 @@
           <p:nvPr>
             <p:extLst>
               <p:ext uri="{386F3935-93C4-4BCD-93E2-E3B085C9AB24}">
-                <p16:designElem xmlns:p16="http://schemas.microsoft.com/office/powerpoint/2015/main" val="1"/>
+                <p16:designElem xmlns:p16="http://schemas.microsoft.com/office/powerpoint/2015/main" xmlns="" val="1"/>
               </p:ext>
             </p:extLst>
           </p:nvPr>
@@ -10009,10 +8594,10 @@
           <p:cNvPr id="12" name="Rectangle 11">
             <a:extLst>
               <a:ext uri="{FF2B5EF4-FFF2-40B4-BE49-F238E27FC236}">
-                <a16:creationId xmlns:a16="http://schemas.microsoft.com/office/drawing/2014/main" id="{754910CF-1B56-45D3-960A-E89F7B3B9131}"/>
+                <a16:creationId xmlns:a16="http://schemas.microsoft.com/office/drawing/2014/main" xmlns="" id="{754910CF-1B56-45D3-960A-E89F7B3B9131}"/>
               </a:ext>
               <a:ext uri="{C183D7F6-B498-43B3-948B-1728B52AA6E4}">
-                <adec:decorative xmlns:adec="http://schemas.microsoft.com/office/drawing/2017/decorative" val="1"/>
+                <adec:decorative xmlns:adec="http://schemas.microsoft.com/office/drawing/2017/decorative" xmlns="" val="1"/>
               </a:ext>
             </a:extLst>
           </p:cNvPr>
@@ -10022,7 +8607,7 @@
           <p:nvPr>
             <p:extLst>
               <p:ext uri="{386F3935-93C4-4BCD-93E2-E3B085C9AB24}">
-                <p16:designElem xmlns:p16="http://schemas.microsoft.com/office/powerpoint/2015/main" val="1"/>
+                <p16:designElem xmlns:p16="http://schemas.microsoft.com/office/powerpoint/2015/main" xmlns="" val="1"/>
               </p:ext>
             </p:extLst>
           </p:nvPr>
@@ -10067,7 +8652,7 @@
           <p:cNvPr id="2" name="Title 1">
             <a:extLst>
               <a:ext uri="{FF2B5EF4-FFF2-40B4-BE49-F238E27FC236}">
-                <a16:creationId xmlns:a16="http://schemas.microsoft.com/office/drawing/2014/main" id="{0AE422CB-EBC9-4703-870C-8981A495893A}"/>
+                <a16:creationId xmlns:a16="http://schemas.microsoft.com/office/drawing/2014/main" xmlns="" id="{0AE422CB-EBC9-4703-870C-8981A495893A}"/>
               </a:ext>
             </a:extLst>
           </p:cNvPr>
@@ -10141,7 +8726,7 @@
           <p:cNvPr id="7" name="Content Placeholder 2" descr="SmartArt timeline">
             <a:extLst>
               <a:ext uri="{FF2B5EF4-FFF2-40B4-BE49-F238E27FC236}">
-                <a16:creationId xmlns:a16="http://schemas.microsoft.com/office/drawing/2014/main" id="{4279E28C-3AD3-4230-B1D6-C039672D128D}"/>
+                <a16:creationId xmlns:a16="http://schemas.microsoft.com/office/drawing/2014/main" xmlns="" id="{4279E28C-3AD3-4230-B1D6-C039672D128D}"/>
               </a:ext>
             </a:extLst>
           </p:cNvPr>
@@ -10172,7 +8757,7 @@
           <p:cNvPr id="5" name="TextBox 4">
             <a:extLst>
               <a:ext uri="{FF2B5EF4-FFF2-40B4-BE49-F238E27FC236}">
-                <a16:creationId xmlns:a16="http://schemas.microsoft.com/office/drawing/2014/main" id="{D06B16B5-88AA-4604-837D-6BDCC51BD8EC}"/>
+                <a16:creationId xmlns:a16="http://schemas.microsoft.com/office/drawing/2014/main" xmlns="" id="{D06B16B5-88AA-4604-837D-6BDCC51BD8EC}"/>
               </a:ext>
             </a:extLst>
           </p:cNvPr>
@@ -10232,7 +8817,7 @@
           <p:cNvPr id="9" name="TextBox 8">
             <a:extLst>
               <a:ext uri="{FF2B5EF4-FFF2-40B4-BE49-F238E27FC236}">
-                <a16:creationId xmlns:a16="http://schemas.microsoft.com/office/drawing/2014/main" id="{DA2F5D40-542A-450D-A8A0-C8907DA8CB0A}"/>
+                <a16:creationId xmlns:a16="http://schemas.microsoft.com/office/drawing/2014/main" xmlns="" id="{DA2F5D40-542A-450D-A8A0-C8907DA8CB0A}"/>
               </a:ext>
             </a:extLst>
           </p:cNvPr>
@@ -10281,7 +8866,7 @@
           <p:cNvPr id="11" name="TextBox 10">
             <a:extLst>
               <a:ext uri="{FF2B5EF4-FFF2-40B4-BE49-F238E27FC236}">
-                <a16:creationId xmlns:a16="http://schemas.microsoft.com/office/drawing/2014/main" id="{4ED51CC3-7AFB-4A3A-8569-5C09EB04039F}"/>
+                <a16:creationId xmlns:a16="http://schemas.microsoft.com/office/drawing/2014/main" xmlns="" id="{4ED51CC3-7AFB-4A3A-8569-5C09EB04039F}"/>
               </a:ext>
             </a:extLst>
           </p:cNvPr>
@@ -10321,7 +8906,7 @@
           <p:cNvPr id="6" name="TextBox 5">
             <a:extLst>
               <a:ext uri="{FF2B5EF4-FFF2-40B4-BE49-F238E27FC236}">
-                <a16:creationId xmlns:a16="http://schemas.microsoft.com/office/drawing/2014/main" id="{617CB656-3B9C-4011-A595-BBF5F6F9E8FC}"/>
+                <a16:creationId xmlns:a16="http://schemas.microsoft.com/office/drawing/2014/main" xmlns="" id="{617CB656-3B9C-4011-A595-BBF5F6F9E8FC}"/>
               </a:ext>
             </a:extLst>
           </p:cNvPr>
@@ -10357,7 +8942,7 @@
           <p:cNvPr id="14" name="TextBox 13">
             <a:extLst>
               <a:ext uri="{FF2B5EF4-FFF2-40B4-BE49-F238E27FC236}">
-                <a16:creationId xmlns:a16="http://schemas.microsoft.com/office/drawing/2014/main" id="{C39FA87F-B494-4922-B4C6-8CEAE2193DD1}"/>
+                <a16:creationId xmlns:a16="http://schemas.microsoft.com/office/drawing/2014/main" xmlns="" id="{C39FA87F-B494-4922-B4C6-8CEAE2193DD1}"/>
               </a:ext>
             </a:extLst>
           </p:cNvPr>
@@ -10429,7 +9014,7 @@
           <p:cNvPr id="15" name="TextBox 14">
             <a:extLst>
               <a:ext uri="{FF2B5EF4-FFF2-40B4-BE49-F238E27FC236}">
-                <a16:creationId xmlns:a16="http://schemas.microsoft.com/office/drawing/2014/main" id="{9AF6ED4D-340D-4F09-8E4A-8FBB47B7644D}"/>
+                <a16:creationId xmlns:a16="http://schemas.microsoft.com/office/drawing/2014/main" xmlns="" id="{9AF6ED4D-340D-4F09-8E4A-8FBB47B7644D}"/>
               </a:ext>
             </a:extLst>
           </p:cNvPr>
@@ -10465,7 +9050,7 @@
           <p:cNvPr id="16" name="TextBox 15">
             <a:extLst>
               <a:ext uri="{FF2B5EF4-FFF2-40B4-BE49-F238E27FC236}">
-                <a16:creationId xmlns:a16="http://schemas.microsoft.com/office/drawing/2014/main" id="{EC0D4EEA-8F40-422B-8C1B-D536876B0456}"/>
+                <a16:creationId xmlns:a16="http://schemas.microsoft.com/office/drawing/2014/main" xmlns="" id="{EC0D4EEA-8F40-422B-8C1B-D536876B0456}"/>
               </a:ext>
             </a:extLst>
           </p:cNvPr>
@@ -10544,7 +9129,7 @@
           <p:cNvPr id="2" name="Title 1">
             <a:extLst>
               <a:ext uri="{FF2B5EF4-FFF2-40B4-BE49-F238E27FC236}">
-                <a16:creationId xmlns:a16="http://schemas.microsoft.com/office/drawing/2014/main" id="{5E39B8C0-1465-4066-9512-A85F5D218C3D}"/>
+                <a16:creationId xmlns:a16="http://schemas.microsoft.com/office/drawing/2014/main" xmlns="" id="{5E39B8C0-1465-4066-9512-A85F5D218C3D}"/>
               </a:ext>
             </a:extLst>
           </p:cNvPr>
@@ -10573,7 +9158,7 @@
           <p:cNvPr id="3" name="Content Placeholder 2">
             <a:extLst>
               <a:ext uri="{FF2B5EF4-FFF2-40B4-BE49-F238E27FC236}">
-                <a16:creationId xmlns:a16="http://schemas.microsoft.com/office/drawing/2014/main" id="{48FAA0E1-D520-423C-982F-7E5834BF392D}"/>
+                <a16:creationId xmlns:a16="http://schemas.microsoft.com/office/drawing/2014/main" xmlns="" id="{48FAA0E1-D520-423C-982F-7E5834BF392D}"/>
               </a:ext>
             </a:extLst>
           </p:cNvPr>
@@ -10675,7 +9260,7 @@
           <p:cNvPr id="2" name="Title 1">
             <a:extLst>
               <a:ext uri="{FF2B5EF4-FFF2-40B4-BE49-F238E27FC236}">
-                <a16:creationId xmlns:a16="http://schemas.microsoft.com/office/drawing/2014/main" id="{21598576-CDA2-44DC-98BD-8D04CD29C8B7}"/>
+                <a16:creationId xmlns:a16="http://schemas.microsoft.com/office/drawing/2014/main" xmlns="" id="{21598576-CDA2-44DC-98BD-8D04CD29C8B7}"/>
               </a:ext>
             </a:extLst>
           </p:cNvPr>
@@ -10704,7 +9289,7 @@
           <p:cNvPr id="3" name="Content Placeholder 2">
             <a:extLst>
               <a:ext uri="{FF2B5EF4-FFF2-40B4-BE49-F238E27FC236}">
-                <a16:creationId xmlns:a16="http://schemas.microsoft.com/office/drawing/2014/main" id="{6A9C4143-3A3D-4B35-A08C-198B60A334CB}"/>
+                <a16:creationId xmlns:a16="http://schemas.microsoft.com/office/drawing/2014/main" xmlns="" id="{6A9C4143-3A3D-4B35-A08C-198B60A334CB}"/>
               </a:ext>
             </a:extLst>
           </p:cNvPr>
@@ -10985,7 +9570,7 @@
           <p:cNvPr id="2" name="Title 1">
             <a:extLst>
               <a:ext uri="{FF2B5EF4-FFF2-40B4-BE49-F238E27FC236}">
-                <a16:creationId xmlns:a16="http://schemas.microsoft.com/office/drawing/2014/main" id="{F5C5039C-47A1-434B-9B69-40576A8E5B9D}"/>
+                <a16:creationId xmlns:a16="http://schemas.microsoft.com/office/drawing/2014/main" xmlns="" id="{F5C5039C-47A1-434B-9B69-40576A8E5B9D}"/>
               </a:ext>
             </a:extLst>
           </p:cNvPr>
@@ -11014,7 +9599,7 @@
           <p:cNvPr id="3" name="Content Placeholder 2">
             <a:extLst>
               <a:ext uri="{FF2B5EF4-FFF2-40B4-BE49-F238E27FC236}">
-                <a16:creationId xmlns:a16="http://schemas.microsoft.com/office/drawing/2014/main" id="{F410B362-7F8C-4DC7-81B9-FD349D8DEE11}"/>
+                <a16:creationId xmlns:a16="http://schemas.microsoft.com/office/drawing/2014/main" xmlns="" id="{F410B362-7F8C-4DC7-81B9-FD349D8DEE11}"/>
               </a:ext>
             </a:extLst>
           </p:cNvPr>
@@ -11039,7 +9624,7 @@
           <p:cNvPr id="4" name="Rectangle 3">
             <a:extLst>
               <a:ext uri="{FF2B5EF4-FFF2-40B4-BE49-F238E27FC236}">
-                <a16:creationId xmlns:a16="http://schemas.microsoft.com/office/drawing/2014/main" id="{4DEF01B8-F6D7-415A-9DA7-5B3972BEBC41}"/>
+                <a16:creationId xmlns:a16="http://schemas.microsoft.com/office/drawing/2014/main" xmlns="" id="{4DEF01B8-F6D7-415A-9DA7-5B3972BEBC41}"/>
               </a:ext>
             </a:extLst>
           </p:cNvPr>
@@ -11087,7 +9672,7 @@
           <p:cNvPr id="5" name="Rectangle 4">
             <a:extLst>
               <a:ext uri="{FF2B5EF4-FFF2-40B4-BE49-F238E27FC236}">
-                <a16:creationId xmlns:a16="http://schemas.microsoft.com/office/drawing/2014/main" id="{62D45BB0-6F28-43AA-B335-A73FEE976594}"/>
+                <a16:creationId xmlns:a16="http://schemas.microsoft.com/office/drawing/2014/main" xmlns="" id="{62D45BB0-6F28-43AA-B335-A73FEE976594}"/>
               </a:ext>
             </a:extLst>
           </p:cNvPr>
@@ -11165,7 +9750,7 @@
           <p:cNvPr id="2" name="Title 1">
             <a:extLst>
               <a:ext uri="{FF2B5EF4-FFF2-40B4-BE49-F238E27FC236}">
-                <a16:creationId xmlns:a16="http://schemas.microsoft.com/office/drawing/2014/main" id="{FA310619-30F9-4919-AB15-5627B1EFFF93}"/>
+                <a16:creationId xmlns:a16="http://schemas.microsoft.com/office/drawing/2014/main" xmlns="" id="{FA310619-30F9-4919-AB15-5627B1EFFF93}"/>
               </a:ext>
             </a:extLst>
           </p:cNvPr>
@@ -11194,7 +9779,7 @@
           <p:cNvPr id="3" name="Content Placeholder 2">
             <a:extLst>
               <a:ext uri="{FF2B5EF4-FFF2-40B4-BE49-F238E27FC236}">
-                <a16:creationId xmlns:a16="http://schemas.microsoft.com/office/drawing/2014/main" id="{2DA6CEF7-FD7F-4F6E-A499-26CA66FBBCAA}"/>
+                <a16:creationId xmlns:a16="http://schemas.microsoft.com/office/drawing/2014/main" xmlns="" id="{2DA6CEF7-FD7F-4F6E-A499-26CA66FBBCAA}"/>
               </a:ext>
             </a:extLst>
           </p:cNvPr>
@@ -11389,7 +9974,7 @@
           <p:cNvPr id="2" name="Title 1">
             <a:extLst>
               <a:ext uri="{FF2B5EF4-FFF2-40B4-BE49-F238E27FC236}">
-                <a16:creationId xmlns:a16="http://schemas.microsoft.com/office/drawing/2014/main" id="{60B573A2-69C0-4CDF-8863-67B9B5AF4A7C}"/>
+                <a16:creationId xmlns:a16="http://schemas.microsoft.com/office/drawing/2014/main" xmlns="" id="{60B573A2-69C0-4CDF-8863-67B9B5AF4A7C}"/>
               </a:ext>
             </a:extLst>
           </p:cNvPr>
@@ -11418,7 +10003,7 @@
           <p:cNvPr id="3" name="Content Placeholder 2">
             <a:extLst>
               <a:ext uri="{FF2B5EF4-FFF2-40B4-BE49-F238E27FC236}">
-                <a16:creationId xmlns:a16="http://schemas.microsoft.com/office/drawing/2014/main" id="{C5056C86-0DEA-40BE-850E-AC484EA93D68}"/>
+                <a16:creationId xmlns:a16="http://schemas.microsoft.com/office/drawing/2014/main" xmlns="" id="{C5056C86-0DEA-40BE-850E-AC484EA93D68}"/>
               </a:ext>
             </a:extLst>
           </p:cNvPr>
@@ -11443,7 +10028,7 @@
           <p:cNvPr id="5" name="Picture 4">
             <a:extLst>
               <a:ext uri="{FF2B5EF4-FFF2-40B4-BE49-F238E27FC236}">
-                <a16:creationId xmlns:a16="http://schemas.microsoft.com/office/drawing/2014/main" id="{61AB57A0-6C5F-4E23-B53C-6F268DBBB894}"/>
+                <a16:creationId xmlns:a16="http://schemas.microsoft.com/office/drawing/2014/main" xmlns="" id="{61AB57A0-6C5F-4E23-B53C-6F268DBBB894}"/>
               </a:ext>
             </a:extLst>
           </p:cNvPr>
@@ -11503,7 +10088,7 @@
           <p:cNvPr id="2" name="Title 1">
             <a:extLst>
               <a:ext uri="{FF2B5EF4-FFF2-40B4-BE49-F238E27FC236}">
-                <a16:creationId xmlns:a16="http://schemas.microsoft.com/office/drawing/2014/main" id="{220061C7-D007-48AD-99B0-5B0B9F1CC0D0}"/>
+                <a16:creationId xmlns:a16="http://schemas.microsoft.com/office/drawing/2014/main" xmlns="" id="{220061C7-D007-48AD-99B0-5B0B9F1CC0D0}"/>
               </a:ext>
             </a:extLst>
           </p:cNvPr>
@@ -11532,7 +10117,7 @@
           <p:cNvPr id="5" name="Content Placeholder 4">
             <a:extLst>
               <a:ext uri="{FF2B5EF4-FFF2-40B4-BE49-F238E27FC236}">
-                <a16:creationId xmlns:a16="http://schemas.microsoft.com/office/drawing/2014/main" id="{E3D58B5F-3CC1-481F-BDFE-E2DD47D9BCA2}"/>
+                <a16:creationId xmlns:a16="http://schemas.microsoft.com/office/drawing/2014/main" xmlns="" id="{E3D58B5F-3CC1-481F-BDFE-E2DD47D9BCA2}"/>
               </a:ext>
             </a:extLst>
           </p:cNvPr>
@@ -11591,7 +10176,7 @@
           <p:cNvPr id="2" name="Title 1">
             <a:extLst>
               <a:ext uri="{FF2B5EF4-FFF2-40B4-BE49-F238E27FC236}">
-                <a16:creationId xmlns:a16="http://schemas.microsoft.com/office/drawing/2014/main" id="{C4122BC6-D897-4533-82E1-445FD7B6311C}"/>
+                <a16:creationId xmlns:a16="http://schemas.microsoft.com/office/drawing/2014/main" xmlns="" id="{C4122BC6-D897-4533-82E1-445FD7B6311C}"/>
               </a:ext>
             </a:extLst>
           </p:cNvPr>
@@ -11620,7 +10205,7 @@
           <p:cNvPr id="3" name="Content Placeholder 2">
             <a:extLst>
               <a:ext uri="{FF2B5EF4-FFF2-40B4-BE49-F238E27FC236}">
-                <a16:creationId xmlns:a16="http://schemas.microsoft.com/office/drawing/2014/main" id="{58B681BB-EE9B-4C04-AFEF-8FD2ABFE7800}"/>
+                <a16:creationId xmlns:a16="http://schemas.microsoft.com/office/drawing/2014/main" xmlns="" id="{58B681BB-EE9B-4C04-AFEF-8FD2ABFE7800}"/>
               </a:ext>
             </a:extLst>
           </p:cNvPr>
@@ -12156,24 +10741,6 @@
 </file>
 
 <file path=customXml/item1.xml><?xml version="1.0" encoding="utf-8"?>
-<p:properties xmlns:p="http://schemas.microsoft.com/office/2006/metadata/properties" xmlns:xsi="http://www.w3.org/2001/XMLSchema-instance" xmlns:pc="http://schemas.microsoft.com/office/infopath/2007/PartnerControls">
-  <documentManagement>
-    <Status xmlns="71af3243-3dd4-4a8d-8c0d-dd76da1f02a5">Not started</Status>
-    <MediaServiceKeyPoints xmlns="71af3243-3dd4-4a8d-8c0d-dd76da1f02a5" xsi:nil="true"/>
-  </documentManagement>
-</p:properties>
-</file>
-
-<file path=customXml/item2.xml><?xml version="1.0" encoding="utf-8"?>
-<?mso-contentType ?>
-<FormTemplates xmlns="http://schemas.microsoft.com/sharepoint/v3/contenttype/forms">
-  <Display>DocumentLibraryForm</Display>
-  <Edit>DocumentLibraryForm</Edit>
-  <New>DocumentLibraryForm</New>
-</FormTemplates>
-</file>
-
-<file path=customXml/item3.xml><?xml version="1.0" encoding="utf-8"?>
 <ct:contentTypeSchema xmlns:ct="http://schemas.microsoft.com/office/2006/metadata/contentType" xmlns:ma="http://schemas.microsoft.com/office/2006/metadata/properties/metaAttributes" ct:_="" ma:_="" ma:contentTypeName="Document" ma:contentTypeID="0x01010079F111ED35F8CC479449609E8A0923A6" ma:contentTypeVersion="12" ma:contentTypeDescription="Create a new document." ma:contentTypeScope="" ma:versionID="426e97fa315356fffbdcd9876fe988c2">
   <xsd:schema xmlns:xsd="http://www.w3.org/2001/XMLSchema" xmlns:xs="http://www.w3.org/2001/XMLSchema" xmlns:p="http://schemas.microsoft.com/office/2006/metadata/properties" xmlns:ns2="71af3243-3dd4-4a8d-8c0d-dd76da1f02a5" xmlns:ns3="16c05727-aa75-4e4a-9b5f-8a80a1165891" targetNamespace="http://schemas.microsoft.com/office/2006/metadata/properties" ma:root="true" ma:fieldsID="14b8f0def80e6d70ce3def20c90759ae" ns2:_="" ns3:_="">
     <xsd:import namespace="71af3243-3dd4-4a8d-8c0d-dd76da1f02a5"/>
@@ -12394,25 +10961,25 @@
 </ct:contentTypeSchema>
 </file>
 
-<file path=customXml/itemProps1.xml><?xml version="1.0" encoding="utf-8"?>
-<ds:datastoreItem xmlns:ds="http://schemas.openxmlformats.org/officeDocument/2006/customXml" ds:itemID="{84F503EC-3FFF-4193-A86F-39150E2BAC75}">
-  <ds:schemaRefs>
-    <ds:schemaRef ds:uri="http://schemas.microsoft.com/office/2006/metadata/properties"/>
-    <ds:schemaRef ds:uri="http://schemas.microsoft.com/office/infopath/2007/PartnerControls"/>
-    <ds:schemaRef ds:uri="71af3243-3dd4-4a8d-8c0d-dd76da1f02a5"/>
-  </ds:schemaRefs>
-</ds:datastoreItem>
+<file path=customXml/item2.xml><?xml version="1.0" encoding="utf-8"?>
+<?mso-contentType ?>
+<FormTemplates xmlns="http://schemas.microsoft.com/sharepoint/v3/contenttype/forms">
+  <Display>DocumentLibraryForm</Display>
+  <Edit>DocumentLibraryForm</Edit>
+  <New>DocumentLibraryForm</New>
+</FormTemplates>
 </file>
 
-<file path=customXml/itemProps2.xml><?xml version="1.0" encoding="utf-8"?>
-<ds:datastoreItem xmlns:ds="http://schemas.openxmlformats.org/officeDocument/2006/customXml" ds:itemID="{2E5ECA37-C458-4BA2-A090-D7A19E07B434}">
-  <ds:schemaRefs>
-    <ds:schemaRef ds:uri="http://schemas.microsoft.com/sharepoint/v3/contenttype/forms"/>
-  </ds:schemaRefs>
-</ds:datastoreItem>
+<file path=customXml/item3.xml><?xml version="1.0" encoding="utf-8"?>
+<p:properties xmlns:p="http://schemas.microsoft.com/office/2006/metadata/properties" xmlns:xsi="http://www.w3.org/2001/XMLSchema-instance" xmlns:pc="http://schemas.microsoft.com/office/infopath/2007/PartnerControls">
+  <documentManagement>
+    <Status xmlns="71af3243-3dd4-4a8d-8c0d-dd76da1f02a5">Not started</Status>
+    <MediaServiceKeyPoints xmlns="71af3243-3dd4-4a8d-8c0d-dd76da1f02a5" xsi:nil="true"/>
+  </documentManagement>
+</p:properties>
 </file>
 
-<file path=customXml/itemProps3.xml><?xml version="1.0" encoding="utf-8"?>
+<file path=customXml/itemProps1.xml><?xml version="1.0" encoding="utf-8"?>
 <ds:datastoreItem xmlns:ds="http://schemas.openxmlformats.org/officeDocument/2006/customXml" ds:itemID="{7A26AAF5-6CFC-4C52-B7DF-08410EDE6701}">
   <ds:schemaRefs>
     <ds:schemaRef ds:uri="http://schemas.microsoft.com/office/2006/metadata/contentType"/>
@@ -12429,4 +10996,22 @@
     <ds:schemaRef ds:uri="http://schemas.microsoft.com/internal/obd"/>
   </ds:schemaRefs>
 </ds:datastoreItem>
+</file>
+
+<file path=customXml/itemProps2.xml><?xml version="1.0" encoding="utf-8"?>
+<ds:datastoreItem xmlns:ds="http://schemas.openxmlformats.org/officeDocument/2006/customXml" ds:itemID="{2E5ECA37-C458-4BA2-A090-D7A19E07B434}">
+  <ds:schemaRefs>
+    <ds:schemaRef ds:uri="http://schemas.microsoft.com/sharepoint/v3/contenttype/forms"/>
+  </ds:schemaRefs>
+</ds:datastoreItem>
+</file>
+
+<file path=customXml/itemProps3.xml><?xml version="1.0" encoding="utf-8"?>
+<ds:datastoreItem xmlns:ds="http://schemas.openxmlformats.org/officeDocument/2006/customXml" ds:itemID="{84F503EC-3FFF-4193-A86F-39150E2BAC75}">
+  <ds:schemaRefs>
+    <ds:schemaRef ds:uri="http://schemas.microsoft.com/office/2006/metadata/properties"/>
+    <ds:schemaRef ds:uri="http://schemas.microsoft.com/office/infopath/2007/PartnerControls"/>
+    <ds:schemaRef ds:uri="71af3243-3dd4-4a8d-8c0d-dd76da1f02a5"/>
+  </ds:schemaRefs>
+</ds:datastoreItem>
 </file>
--- a/PPT_Kelompok3_PPL4611.pptx
+++ b/PPT_Kelompok3_PPL4611.pptx
@@ -1940,6 +1940,1496 @@
       <dsp:cNvGrpSpPr/>
     </dsp:nvGrpSpPr>
     <dsp:grpSpPr/>
+    <dsp:sp modelId="{CC03F19A-A782-4E5A-9625-093D1EDAA0BB}">
+      <dsp:nvSpPr>
+        <dsp:cNvPr id="0" name=""/>
+        <dsp:cNvSpPr/>
+      </dsp:nvSpPr>
+      <dsp:spPr>
+        <a:xfrm>
+          <a:off x="0" y="2824956"/>
+          <a:ext cx="7338768" cy="0"/>
+        </a:xfrm>
+        <a:prstGeom prst="line">
+          <a:avLst/>
+        </a:prstGeom>
+        <a:solidFill>
+          <a:schemeClr val="lt1">
+            <a:alpha val="90000"/>
+            <a:hueOff val="0"/>
+            <a:satOff val="0"/>
+            <a:lumOff val="0"/>
+            <a:alphaOff val="0"/>
+          </a:schemeClr>
+        </a:solidFill>
+        <a:ln w="19050" cap="flat" cmpd="sng" algn="ctr">
+          <a:solidFill>
+            <a:schemeClr val="accent2">
+              <a:hueOff val="0"/>
+              <a:satOff val="0"/>
+              <a:lumOff val="0"/>
+              <a:alphaOff val="0"/>
+            </a:schemeClr>
+          </a:solidFill>
+          <a:prstDash val="solid"/>
+          <a:tailEnd type="triangle" w="lg" len="lg"/>
+        </a:ln>
+        <a:effectLst/>
+      </dsp:spPr>
+      <dsp:style>
+        <a:lnRef idx="2">
+          <a:scrgbClr r="0" g="0" b="0"/>
+        </a:lnRef>
+        <a:fillRef idx="1">
+          <a:scrgbClr r="0" g="0" b="0"/>
+        </a:fillRef>
+        <a:effectRef idx="0">
+          <a:scrgbClr r="0" g="0" b="0"/>
+        </a:effectRef>
+        <a:fontRef idx="minor"/>
+      </dsp:style>
+    </dsp:sp>
+    <dsp:sp modelId="{6F35A2C6-D52B-4D0D-A568-29C7D5CB9D78}">
+      <dsp:nvSpPr>
+        <dsp:cNvPr id="0" name=""/>
+        <dsp:cNvSpPr/>
+      </dsp:nvSpPr>
+      <dsp:spPr>
+        <a:xfrm rot="8100000">
+          <a:off x="85276" y="664516"/>
+          <a:ext cx="388540" cy="388540"/>
+        </a:xfrm>
+        <a:prstGeom prst="teardrop">
+          <a:avLst>
+            <a:gd name="adj" fmla="val 115000"/>
+          </a:avLst>
+        </a:prstGeom>
+        <a:solidFill>
+          <a:schemeClr val="accent2">
+            <a:hueOff val="0"/>
+            <a:satOff val="0"/>
+            <a:lumOff val="0"/>
+            <a:alphaOff val="0"/>
+          </a:schemeClr>
+        </a:solidFill>
+        <a:ln w="15875" cap="flat" cmpd="sng" algn="ctr">
+          <a:solidFill>
+            <a:schemeClr val="accent2">
+              <a:hueOff val="0"/>
+              <a:satOff val="0"/>
+              <a:lumOff val="0"/>
+              <a:alphaOff val="0"/>
+            </a:schemeClr>
+          </a:solidFill>
+          <a:prstDash val="solid"/>
+        </a:ln>
+        <a:effectLst/>
+      </dsp:spPr>
+      <dsp:style>
+        <a:lnRef idx="2">
+          <a:scrgbClr r="0" g="0" b="0"/>
+        </a:lnRef>
+        <a:fillRef idx="1">
+          <a:scrgbClr r="0" g="0" b="0"/>
+        </a:fillRef>
+        <a:effectRef idx="0">
+          <a:scrgbClr r="0" g="0" b="0"/>
+        </a:effectRef>
+        <a:fontRef idx="minor">
+          <a:schemeClr val="lt1"/>
+        </a:fontRef>
+      </dsp:style>
+    </dsp:sp>
+    <dsp:sp modelId="{EA20BABE-DBEE-4C24-BE16-E45AAEA3EDCA}">
+      <dsp:nvSpPr>
+        <dsp:cNvPr id="0" name=""/>
+        <dsp:cNvSpPr/>
+      </dsp:nvSpPr>
+      <dsp:spPr>
+        <a:xfrm>
+          <a:off x="128439" y="707679"/>
+          <a:ext cx="302213" cy="302213"/>
+        </a:xfrm>
+        <a:prstGeom prst="ellipse">
+          <a:avLst/>
+        </a:prstGeom>
+        <a:solidFill>
+          <a:schemeClr val="lt1">
+            <a:alpha val="90000"/>
+            <a:hueOff val="0"/>
+            <a:satOff val="0"/>
+            <a:lumOff val="0"/>
+            <a:alphaOff val="0"/>
+          </a:schemeClr>
+        </a:solidFill>
+        <a:ln w="15875" cap="flat" cmpd="sng" algn="ctr">
+          <a:noFill/>
+          <a:prstDash val="solid"/>
+        </a:ln>
+        <a:effectLst/>
+      </dsp:spPr>
+      <dsp:style>
+        <a:lnRef idx="2">
+          <a:scrgbClr r="0" g="0" b="0"/>
+        </a:lnRef>
+        <a:fillRef idx="1">
+          <a:scrgbClr r="0" g="0" b="0"/>
+        </a:fillRef>
+        <a:effectRef idx="0">
+          <a:scrgbClr r="0" g="0" b="0"/>
+        </a:effectRef>
+        <a:fontRef idx="minor"/>
+      </dsp:style>
+    </dsp:sp>
+    <dsp:sp modelId="{3ED01646-9ED9-44BF-8F18-EE860C524998}">
+      <dsp:nvSpPr>
+        <dsp:cNvPr id="0" name=""/>
+        <dsp:cNvSpPr/>
+      </dsp:nvSpPr>
+      <dsp:spPr>
+        <a:xfrm>
+          <a:off x="554285" y="1152582"/>
+          <a:ext cx="1905365" cy="1672373"/>
+        </a:xfrm>
+        <a:prstGeom prst="rect">
+          <a:avLst/>
+        </a:prstGeom>
+        <a:noFill/>
+        <a:ln>
+          <a:noFill/>
+        </a:ln>
+        <a:effectLst/>
+      </dsp:spPr>
+      <dsp:style>
+        <a:lnRef idx="0">
+          <a:scrgbClr r="0" g="0" b="0"/>
+        </a:lnRef>
+        <a:fillRef idx="0">
+          <a:scrgbClr r="0" g="0" b="0"/>
+        </a:fillRef>
+        <a:effectRef idx="0">
+          <a:scrgbClr r="0" g="0" b="0"/>
+        </a:effectRef>
+        <a:fontRef idx="minor"/>
+      </dsp:style>
+      <dsp:txBody>
+        <a:bodyPr spcFirstLastPara="0" vert="horz" wrap="square" lIns="0" tIns="95250" rIns="95250" bIns="142875" numCol="1" spcCol="1270" anchor="t" anchorCtr="0">
+          <a:noAutofit/>
+        </a:bodyPr>
+        <a:lstStyle/>
+        <a:p>
+          <a:pPr lvl="0" algn="l" defTabSz="666750">
+            <a:lnSpc>
+              <a:spcPct val="90000"/>
+            </a:lnSpc>
+            <a:spcBef>
+              <a:spcPct val="0"/>
+            </a:spcBef>
+            <a:spcAft>
+              <a:spcPct val="35000"/>
+            </a:spcAft>
+          </a:pPr>
+          <a:r>
+            <a:rPr lang="en-US" sz="1500" kern="1200" dirty="0"/>
+            <a:t> </a:t>
+          </a:r>
+        </a:p>
+      </dsp:txBody>
+      <dsp:txXfrm>
+        <a:off x="554285" y="1152582"/>
+        <a:ext cx="1905365" cy="1672373"/>
+      </dsp:txXfrm>
+    </dsp:sp>
+    <dsp:sp modelId="{9A7C4BC5-8408-4A9F-95F6-2C530BD76C90}">
+      <dsp:nvSpPr>
+        <dsp:cNvPr id="0" name=""/>
+        <dsp:cNvSpPr/>
+      </dsp:nvSpPr>
+      <dsp:spPr>
+        <a:xfrm>
+          <a:off x="554285" y="564991"/>
+          <a:ext cx="1905365" cy="587590"/>
+        </a:xfrm>
+        <a:prstGeom prst="rect">
+          <a:avLst/>
+        </a:prstGeom>
+        <a:noFill/>
+        <a:ln>
+          <a:noFill/>
+        </a:ln>
+        <a:effectLst/>
+      </dsp:spPr>
+      <dsp:style>
+        <a:lnRef idx="0">
+          <a:scrgbClr r="0" g="0" b="0"/>
+        </a:lnRef>
+        <a:fillRef idx="0">
+          <a:scrgbClr r="0" g="0" b="0"/>
+        </a:fillRef>
+        <a:effectRef idx="0">
+          <a:scrgbClr r="0" g="0" b="0"/>
+        </a:effectRef>
+        <a:fontRef idx="minor"/>
+      </dsp:style>
+      <dsp:txBody>
+        <a:bodyPr spcFirstLastPara="0" vert="horz" wrap="square" lIns="0" tIns="0" rIns="127000" bIns="0" numCol="1" spcCol="1270" anchor="ctr" anchorCtr="0">
+          <a:noAutofit/>
+        </a:bodyPr>
+        <a:lstStyle/>
+        <a:p>
+          <a:pPr lvl="0" algn="l" defTabSz="889000">
+            <a:lnSpc>
+              <a:spcPct val="90000"/>
+            </a:lnSpc>
+            <a:spcBef>
+              <a:spcPct val="0"/>
+            </a:spcBef>
+            <a:spcAft>
+              <a:spcPct val="35000"/>
+            </a:spcAft>
+            <a:defRPr b="1"/>
+          </a:pPr>
+          <a:r>
+            <a:rPr lang="id-ID" sz="2000" kern="1200" dirty="0"/>
+            <a:t>Project</a:t>
+          </a:r>
+          <a:r>
+            <a:rPr lang="id-ID" sz="2000" kern="1200" baseline="0" dirty="0"/>
+            <a:t> Charter</a:t>
+          </a:r>
+          <a:endParaRPr lang="en-US" sz="2000" kern="1200" dirty="0"/>
+        </a:p>
+      </dsp:txBody>
+      <dsp:txXfrm>
+        <a:off x="554285" y="564991"/>
+        <a:ext cx="1905365" cy="587590"/>
+      </dsp:txXfrm>
+    </dsp:sp>
+    <dsp:sp modelId="{7489FD9C-209C-450B-A153-25ECC5553CBF}">
+      <dsp:nvSpPr>
+        <dsp:cNvPr id="0" name=""/>
+        <dsp:cNvSpPr/>
+      </dsp:nvSpPr>
+      <dsp:spPr>
+        <a:xfrm>
+          <a:off x="279546" y="1152582"/>
+          <a:ext cx="0" cy="1672373"/>
+        </a:xfrm>
+        <a:prstGeom prst="line">
+          <a:avLst/>
+        </a:prstGeom>
+        <a:noFill/>
+        <a:ln w="12700" cap="flat" cmpd="sng" algn="ctr">
+          <a:solidFill>
+            <a:schemeClr val="accent2">
+              <a:hueOff val="0"/>
+              <a:satOff val="0"/>
+              <a:lumOff val="0"/>
+              <a:alphaOff val="0"/>
+            </a:schemeClr>
+          </a:solidFill>
+          <a:prstDash val="dash"/>
+        </a:ln>
+        <a:effectLst/>
+      </dsp:spPr>
+      <dsp:style>
+        <a:lnRef idx="1">
+          <a:scrgbClr r="0" g="0" b="0"/>
+        </a:lnRef>
+        <a:fillRef idx="0">
+          <a:scrgbClr r="0" g="0" b="0"/>
+        </a:fillRef>
+        <a:effectRef idx="0">
+          <a:scrgbClr r="0" g="0" b="0"/>
+        </a:effectRef>
+        <a:fontRef idx="minor"/>
+      </dsp:style>
+    </dsp:sp>
+    <dsp:sp modelId="{04A6607E-9A4B-4D4B-A6EE-031B85F657E6}">
+      <dsp:nvSpPr>
+        <dsp:cNvPr id="0" name=""/>
+        <dsp:cNvSpPr/>
+      </dsp:nvSpPr>
+      <dsp:spPr>
+        <a:xfrm>
+          <a:off x="249149" y="2772072"/>
+          <a:ext cx="98906" cy="105766"/>
+        </a:xfrm>
+        <a:prstGeom prst="ellipse">
+          <a:avLst/>
+        </a:prstGeom>
+        <a:solidFill>
+          <a:schemeClr val="accent2">
+            <a:hueOff val="0"/>
+            <a:satOff val="0"/>
+            <a:lumOff val="0"/>
+            <a:alphaOff val="0"/>
+          </a:schemeClr>
+        </a:solidFill>
+        <a:ln w="6350" cap="flat" cmpd="sng" algn="ctr">
+          <a:solidFill>
+            <a:schemeClr val="lt1">
+              <a:hueOff val="0"/>
+              <a:satOff val="0"/>
+              <a:lumOff val="0"/>
+              <a:alphaOff val="0"/>
+            </a:schemeClr>
+          </a:solidFill>
+          <a:prstDash val="solid"/>
+        </a:ln>
+        <a:effectLst/>
+      </dsp:spPr>
+      <dsp:style>
+        <a:lnRef idx="2">
+          <a:scrgbClr r="0" g="0" b="0"/>
+        </a:lnRef>
+        <a:fillRef idx="1">
+          <a:scrgbClr r="0" g="0" b="0"/>
+        </a:fillRef>
+        <a:effectRef idx="0">
+          <a:scrgbClr r="0" g="0" b="0"/>
+        </a:effectRef>
+        <a:fontRef idx="minor">
+          <a:schemeClr val="lt1"/>
+        </a:fontRef>
+      </dsp:style>
+    </dsp:sp>
+    <dsp:sp modelId="{028C7F30-E954-4858-8394-A254126D3936}">
+      <dsp:nvSpPr>
+        <dsp:cNvPr id="0" name=""/>
+        <dsp:cNvSpPr/>
+      </dsp:nvSpPr>
+      <dsp:spPr>
+        <a:xfrm rot="18900000">
+          <a:off x="80469" y="4570478"/>
+          <a:ext cx="388540" cy="388540"/>
+        </a:xfrm>
+        <a:prstGeom prst="teardrop">
+          <a:avLst>
+            <a:gd name="adj" fmla="val 115000"/>
+          </a:avLst>
+        </a:prstGeom>
+        <a:solidFill>
+          <a:schemeClr val="accent2">
+            <a:hueOff val="8838"/>
+            <a:satOff val="-8622"/>
+            <a:lumOff val="-442"/>
+            <a:alphaOff val="0"/>
+          </a:schemeClr>
+        </a:solidFill>
+        <a:ln w="15875" cap="flat" cmpd="sng" algn="ctr">
+          <a:solidFill>
+            <a:schemeClr val="accent2">
+              <a:hueOff val="8838"/>
+              <a:satOff val="-8622"/>
+              <a:lumOff val="-442"/>
+              <a:alphaOff val="0"/>
+            </a:schemeClr>
+          </a:solidFill>
+          <a:prstDash val="solid"/>
+        </a:ln>
+        <a:effectLst/>
+      </dsp:spPr>
+      <dsp:style>
+        <a:lnRef idx="2">
+          <a:scrgbClr r="0" g="0" b="0"/>
+        </a:lnRef>
+        <a:fillRef idx="1">
+          <a:scrgbClr r="0" g="0" b="0"/>
+        </a:fillRef>
+        <a:effectRef idx="0">
+          <a:scrgbClr r="0" g="0" b="0"/>
+        </a:effectRef>
+        <a:fontRef idx="minor">
+          <a:schemeClr val="lt1"/>
+        </a:fontRef>
+      </dsp:style>
+    </dsp:sp>
+    <dsp:sp modelId="{2711D058-BAA7-47D4-A383-AC85BDB9C49A}">
+      <dsp:nvSpPr>
+        <dsp:cNvPr id="0" name=""/>
+        <dsp:cNvSpPr/>
+      </dsp:nvSpPr>
+      <dsp:spPr>
+        <a:xfrm>
+          <a:off x="123632" y="4613641"/>
+          <a:ext cx="302213" cy="302213"/>
+        </a:xfrm>
+        <a:prstGeom prst="ellipse">
+          <a:avLst/>
+        </a:prstGeom>
+        <a:solidFill>
+          <a:schemeClr val="lt1">
+            <a:alpha val="90000"/>
+            <a:hueOff val="0"/>
+            <a:satOff val="0"/>
+            <a:lumOff val="0"/>
+            <a:alphaOff val="0"/>
+          </a:schemeClr>
+        </a:solidFill>
+        <a:ln w="15875" cap="flat" cmpd="sng" algn="ctr">
+          <a:noFill/>
+          <a:prstDash val="solid"/>
+        </a:ln>
+        <a:effectLst/>
+      </dsp:spPr>
+      <dsp:style>
+        <a:lnRef idx="2">
+          <a:scrgbClr r="0" g="0" b="0"/>
+        </a:lnRef>
+        <a:fillRef idx="1">
+          <a:scrgbClr r="0" g="0" b="0"/>
+        </a:fillRef>
+        <a:effectRef idx="0">
+          <a:scrgbClr r="0" g="0" b="0"/>
+        </a:effectRef>
+        <a:fontRef idx="minor"/>
+      </dsp:style>
+    </dsp:sp>
+    <dsp:sp modelId="{3A41E69A-F56A-4583-B89C-B41BD4D77851}">
+      <dsp:nvSpPr>
+        <dsp:cNvPr id="0" name=""/>
+        <dsp:cNvSpPr/>
+      </dsp:nvSpPr>
+      <dsp:spPr>
+        <a:xfrm>
+          <a:off x="688386" y="2837401"/>
+          <a:ext cx="1905365" cy="1672373"/>
+        </a:xfrm>
+        <a:prstGeom prst="rect">
+          <a:avLst/>
+        </a:prstGeom>
+        <a:noFill/>
+        <a:ln>
+          <a:noFill/>
+        </a:ln>
+        <a:effectLst/>
+      </dsp:spPr>
+      <dsp:style>
+        <a:lnRef idx="0">
+          <a:scrgbClr r="0" g="0" b="0"/>
+        </a:lnRef>
+        <a:fillRef idx="0">
+          <a:scrgbClr r="0" g="0" b="0"/>
+        </a:fillRef>
+        <a:effectRef idx="0">
+          <a:scrgbClr r="0" g="0" b="0"/>
+        </a:effectRef>
+        <a:fontRef idx="minor"/>
+      </dsp:style>
+      <dsp:txBody>
+        <a:bodyPr spcFirstLastPara="0" vert="horz" wrap="square" lIns="0" tIns="142875" rIns="0" bIns="95250" numCol="1" spcCol="1270" anchor="b" anchorCtr="0">
+          <a:noAutofit/>
+        </a:bodyPr>
+        <a:lstStyle/>
+        <a:p>
+          <a:pPr lvl="0" algn="l" defTabSz="666750">
+            <a:lnSpc>
+              <a:spcPct val="90000"/>
+            </a:lnSpc>
+            <a:spcBef>
+              <a:spcPct val="0"/>
+            </a:spcBef>
+            <a:spcAft>
+              <a:spcPct val="35000"/>
+            </a:spcAft>
+          </a:pPr>
+          <a:endParaRPr lang="en-US" sz="1500" kern="1200" dirty="0"/>
+        </a:p>
+      </dsp:txBody>
+      <dsp:txXfrm>
+        <a:off x="688386" y="2837401"/>
+        <a:ext cx="1905365" cy="1672373"/>
+      </dsp:txXfrm>
+    </dsp:sp>
+    <dsp:sp modelId="{D47FC92B-725F-4F7A-A74D-33B323102A1B}">
+      <dsp:nvSpPr>
+        <dsp:cNvPr id="0" name=""/>
+        <dsp:cNvSpPr/>
+      </dsp:nvSpPr>
+      <dsp:spPr>
+        <a:xfrm>
+          <a:off x="688386" y="4509775"/>
+          <a:ext cx="1905365" cy="587590"/>
+        </a:xfrm>
+        <a:prstGeom prst="rect">
+          <a:avLst/>
+        </a:prstGeom>
+        <a:noFill/>
+        <a:ln>
+          <a:noFill/>
+        </a:ln>
+        <a:effectLst/>
+      </dsp:spPr>
+      <dsp:style>
+        <a:lnRef idx="0">
+          <a:scrgbClr r="0" g="0" b="0"/>
+        </a:lnRef>
+        <a:fillRef idx="0">
+          <a:scrgbClr r="0" g="0" b="0"/>
+        </a:fillRef>
+        <a:effectRef idx="0">
+          <a:scrgbClr r="0" g="0" b="0"/>
+        </a:effectRef>
+        <a:fontRef idx="minor"/>
+      </dsp:style>
+      <dsp:txBody>
+        <a:bodyPr spcFirstLastPara="0" vert="horz" wrap="square" lIns="0" tIns="0" rIns="127000" bIns="0" numCol="1" spcCol="1270" anchor="ctr" anchorCtr="0">
+          <a:noAutofit/>
+        </a:bodyPr>
+        <a:lstStyle/>
+        <a:p>
+          <a:pPr lvl="0" algn="l" defTabSz="889000">
+            <a:lnSpc>
+              <a:spcPct val="90000"/>
+            </a:lnSpc>
+            <a:spcBef>
+              <a:spcPct val="0"/>
+            </a:spcBef>
+            <a:spcAft>
+              <a:spcPct val="35000"/>
+            </a:spcAft>
+            <a:defRPr b="1"/>
+          </a:pPr>
+          <a:r>
+            <a:rPr lang="id-ID" sz="2000" kern="1200" dirty="0"/>
+            <a:t>Project Scope Statement</a:t>
+          </a:r>
+          <a:endParaRPr lang="en-US" sz="2000" kern="1200" dirty="0"/>
+        </a:p>
+      </dsp:txBody>
+      <dsp:txXfrm>
+        <a:off x="688386" y="4509775"/>
+        <a:ext cx="1905365" cy="587590"/>
+      </dsp:txXfrm>
+    </dsp:sp>
+    <dsp:sp modelId="{1E2ADF36-0ED9-4D0B-9DA8-76AB8AD57A13}">
+      <dsp:nvSpPr>
+        <dsp:cNvPr id="0" name=""/>
+        <dsp:cNvSpPr/>
+      </dsp:nvSpPr>
+      <dsp:spPr>
+        <a:xfrm>
+          <a:off x="182453" y="2842114"/>
+          <a:ext cx="0" cy="1672373"/>
+        </a:xfrm>
+        <a:prstGeom prst="line">
+          <a:avLst/>
+        </a:prstGeom>
+        <a:noFill/>
+        <a:ln w="12700" cap="flat" cmpd="sng" algn="ctr">
+          <a:solidFill>
+            <a:schemeClr val="accent2">
+              <a:hueOff val="8838"/>
+              <a:satOff val="-8622"/>
+              <a:lumOff val="-442"/>
+              <a:alphaOff val="0"/>
+            </a:schemeClr>
+          </a:solidFill>
+          <a:prstDash val="dash"/>
+        </a:ln>
+        <a:effectLst/>
+      </dsp:spPr>
+      <dsp:style>
+        <a:lnRef idx="1">
+          <a:scrgbClr r="0" g="0" b="0"/>
+        </a:lnRef>
+        <a:fillRef idx="0">
+          <a:scrgbClr r="0" g="0" b="0"/>
+        </a:fillRef>
+        <a:effectRef idx="0">
+          <a:scrgbClr r="0" g="0" b="0"/>
+        </a:effectRef>
+        <a:fontRef idx="minor"/>
+      </dsp:style>
+    </dsp:sp>
+    <dsp:sp modelId="{9E1F0F25-A574-46F8-B923-19F0E1C4BCD8}">
+      <dsp:nvSpPr>
+        <dsp:cNvPr id="0" name=""/>
+        <dsp:cNvSpPr/>
+      </dsp:nvSpPr>
+      <dsp:spPr>
+        <a:xfrm>
+          <a:off x="152055" y="2789231"/>
+          <a:ext cx="98906" cy="105766"/>
+        </a:xfrm>
+        <a:prstGeom prst="ellipse">
+          <a:avLst/>
+        </a:prstGeom>
+        <a:solidFill>
+          <a:schemeClr val="accent2">
+            <a:hueOff val="8838"/>
+            <a:satOff val="-8622"/>
+            <a:lumOff val="-442"/>
+            <a:alphaOff val="0"/>
+          </a:schemeClr>
+        </a:solidFill>
+        <a:ln w="6350" cap="flat" cmpd="sng" algn="ctr">
+          <a:solidFill>
+            <a:schemeClr val="lt1">
+              <a:hueOff val="0"/>
+              <a:satOff val="0"/>
+              <a:lumOff val="0"/>
+              <a:alphaOff val="0"/>
+            </a:schemeClr>
+          </a:solidFill>
+          <a:prstDash val="solid"/>
+        </a:ln>
+        <a:effectLst/>
+      </dsp:spPr>
+      <dsp:style>
+        <a:lnRef idx="2">
+          <a:scrgbClr r="0" g="0" b="0"/>
+        </a:lnRef>
+        <a:fillRef idx="1">
+          <a:scrgbClr r="0" g="0" b="0"/>
+        </a:fillRef>
+        <a:effectRef idx="0">
+          <a:scrgbClr r="0" g="0" b="0"/>
+        </a:effectRef>
+        <a:fontRef idx="minor">
+          <a:schemeClr val="lt1"/>
+        </a:fontRef>
+      </dsp:style>
+    </dsp:sp>
+    <dsp:sp modelId="{36FB9A81-4B76-4345-B78F-BFC8502F0C48}">
+      <dsp:nvSpPr>
+        <dsp:cNvPr id="0" name=""/>
+        <dsp:cNvSpPr/>
+      </dsp:nvSpPr>
+      <dsp:spPr>
+        <a:xfrm rot="8100000">
+          <a:off x="2208387" y="621745"/>
+          <a:ext cx="388540" cy="388540"/>
+        </a:xfrm>
+        <a:prstGeom prst="teardrop">
+          <a:avLst>
+            <a:gd name="adj" fmla="val 115000"/>
+          </a:avLst>
+        </a:prstGeom>
+        <a:solidFill>
+          <a:schemeClr val="accent2">
+            <a:hueOff val="17677"/>
+            <a:satOff val="-17244"/>
+            <a:lumOff val="-883"/>
+            <a:alphaOff val="0"/>
+          </a:schemeClr>
+        </a:solidFill>
+        <a:ln w="15875" cap="flat" cmpd="sng" algn="ctr">
+          <a:solidFill>
+            <a:schemeClr val="accent2">
+              <a:hueOff val="17677"/>
+              <a:satOff val="-17244"/>
+              <a:lumOff val="-883"/>
+              <a:alphaOff val="0"/>
+            </a:schemeClr>
+          </a:solidFill>
+          <a:prstDash val="solid"/>
+        </a:ln>
+        <a:effectLst/>
+      </dsp:spPr>
+      <dsp:style>
+        <a:lnRef idx="2">
+          <a:scrgbClr r="0" g="0" b="0"/>
+        </a:lnRef>
+        <a:fillRef idx="1">
+          <a:scrgbClr r="0" g="0" b="0"/>
+        </a:fillRef>
+        <a:effectRef idx="0">
+          <a:scrgbClr r="0" g="0" b="0"/>
+        </a:effectRef>
+        <a:fontRef idx="minor">
+          <a:schemeClr val="lt1"/>
+        </a:fontRef>
+      </dsp:style>
+    </dsp:sp>
+    <dsp:sp modelId="{54E9787F-D270-4F42-9D4D-33FB0CF6F31C}">
+      <dsp:nvSpPr>
+        <dsp:cNvPr id="0" name=""/>
+        <dsp:cNvSpPr/>
+      </dsp:nvSpPr>
+      <dsp:spPr>
+        <a:xfrm>
+          <a:off x="2251550" y="664909"/>
+          <a:ext cx="302213" cy="302213"/>
+        </a:xfrm>
+        <a:prstGeom prst="ellipse">
+          <a:avLst/>
+        </a:prstGeom>
+        <a:solidFill>
+          <a:schemeClr val="lt1">
+            <a:alpha val="90000"/>
+            <a:hueOff val="0"/>
+            <a:satOff val="0"/>
+            <a:lumOff val="0"/>
+            <a:alphaOff val="0"/>
+          </a:schemeClr>
+        </a:solidFill>
+        <a:ln w="15875" cap="flat" cmpd="sng" algn="ctr">
+          <a:noFill/>
+          <a:prstDash val="solid"/>
+        </a:ln>
+        <a:effectLst/>
+      </dsp:spPr>
+      <dsp:style>
+        <a:lnRef idx="2">
+          <a:scrgbClr r="0" g="0" b="0"/>
+        </a:lnRef>
+        <a:fillRef idx="1">
+          <a:scrgbClr r="0" g="0" b="0"/>
+        </a:fillRef>
+        <a:effectRef idx="0">
+          <a:scrgbClr r="0" g="0" b="0"/>
+        </a:effectRef>
+        <a:fontRef idx="minor"/>
+      </dsp:style>
+    </dsp:sp>
+    <dsp:sp modelId="{82BCA083-80C3-4058-9BD8-C46261DA9F8C}">
+      <dsp:nvSpPr>
+        <dsp:cNvPr id="0" name=""/>
+        <dsp:cNvSpPr/>
+      </dsp:nvSpPr>
+      <dsp:spPr>
+        <a:xfrm>
+          <a:off x="2652876" y="1136282"/>
+          <a:ext cx="1905365" cy="1672373"/>
+        </a:xfrm>
+        <a:prstGeom prst="rect">
+          <a:avLst/>
+        </a:prstGeom>
+        <a:noFill/>
+        <a:ln>
+          <a:noFill/>
+        </a:ln>
+        <a:effectLst/>
+      </dsp:spPr>
+      <dsp:style>
+        <a:lnRef idx="0">
+          <a:scrgbClr r="0" g="0" b="0"/>
+        </a:lnRef>
+        <a:fillRef idx="0">
+          <a:scrgbClr r="0" g="0" b="0"/>
+        </a:fillRef>
+        <a:effectRef idx="0">
+          <a:scrgbClr r="0" g="0" b="0"/>
+        </a:effectRef>
+        <a:fontRef idx="minor"/>
+      </dsp:style>
+      <dsp:txBody>
+        <a:bodyPr spcFirstLastPara="0" vert="horz" wrap="square" lIns="0" tIns="95250" rIns="95250" bIns="142875" numCol="1" spcCol="1270" anchor="t" anchorCtr="0">
+          <a:noAutofit/>
+        </a:bodyPr>
+        <a:lstStyle/>
+        <a:p>
+          <a:pPr lvl="0" algn="l" defTabSz="666750">
+            <a:lnSpc>
+              <a:spcPct val="90000"/>
+            </a:lnSpc>
+            <a:spcBef>
+              <a:spcPct val="0"/>
+            </a:spcBef>
+            <a:spcAft>
+              <a:spcPct val="35000"/>
+            </a:spcAft>
+          </a:pPr>
+          <a:endParaRPr lang="en-US" sz="1500" kern="1200" dirty="0"/>
+        </a:p>
+      </dsp:txBody>
+      <dsp:txXfrm>
+        <a:off x="2652876" y="1136282"/>
+        <a:ext cx="1905365" cy="1672373"/>
+      </dsp:txXfrm>
+    </dsp:sp>
+    <dsp:sp modelId="{C964CC5F-AD31-46FE-B950-6FB1958FE6E6}">
+      <dsp:nvSpPr>
+        <dsp:cNvPr id="0" name=""/>
+        <dsp:cNvSpPr/>
+      </dsp:nvSpPr>
+      <dsp:spPr>
+        <a:xfrm>
+          <a:off x="2652876" y="548691"/>
+          <a:ext cx="1905365" cy="587590"/>
+        </a:xfrm>
+        <a:prstGeom prst="rect">
+          <a:avLst/>
+        </a:prstGeom>
+        <a:noFill/>
+        <a:ln>
+          <a:noFill/>
+        </a:ln>
+        <a:effectLst/>
+      </dsp:spPr>
+      <dsp:style>
+        <a:lnRef idx="0">
+          <a:scrgbClr r="0" g="0" b="0"/>
+        </a:lnRef>
+        <a:fillRef idx="0">
+          <a:scrgbClr r="0" g="0" b="0"/>
+        </a:fillRef>
+        <a:effectRef idx="0">
+          <a:scrgbClr r="0" g="0" b="0"/>
+        </a:effectRef>
+        <a:fontRef idx="minor"/>
+      </dsp:style>
+      <dsp:txBody>
+        <a:bodyPr spcFirstLastPara="0" vert="horz" wrap="square" lIns="0" tIns="0" rIns="127000" bIns="0" numCol="1" spcCol="1270" anchor="ctr" anchorCtr="0">
+          <a:noAutofit/>
+        </a:bodyPr>
+        <a:lstStyle/>
+        <a:p>
+          <a:pPr lvl="0" algn="l" defTabSz="889000">
+            <a:lnSpc>
+              <a:spcPct val="90000"/>
+            </a:lnSpc>
+            <a:spcBef>
+              <a:spcPct val="0"/>
+            </a:spcBef>
+            <a:spcAft>
+              <a:spcPct val="35000"/>
+            </a:spcAft>
+            <a:defRPr b="1"/>
+          </a:pPr>
+          <a:r>
+            <a:rPr lang="id-ID" sz="2000" kern="1200" dirty="0"/>
+            <a:t>WBS</a:t>
+          </a:r>
+          <a:endParaRPr lang="en-US" sz="2000" kern="1200" dirty="0"/>
+        </a:p>
+      </dsp:txBody>
+      <dsp:txXfrm>
+        <a:off x="2652876" y="548691"/>
+        <a:ext cx="1905365" cy="587590"/>
+      </dsp:txXfrm>
+    </dsp:sp>
+    <dsp:sp modelId="{190034F2-01B6-4E29-94D7-2881B6E05652}">
+      <dsp:nvSpPr>
+        <dsp:cNvPr id="0" name=""/>
+        <dsp:cNvSpPr/>
+      </dsp:nvSpPr>
+      <dsp:spPr>
+        <a:xfrm>
+          <a:off x="2405262" y="1169740"/>
+          <a:ext cx="0" cy="1672373"/>
+        </a:xfrm>
+        <a:prstGeom prst="line">
+          <a:avLst/>
+        </a:prstGeom>
+        <a:noFill/>
+        <a:ln w="12700" cap="flat" cmpd="sng" algn="ctr">
+          <a:solidFill>
+            <a:schemeClr val="accent2">
+              <a:hueOff val="17677"/>
+              <a:satOff val="-17244"/>
+              <a:lumOff val="-883"/>
+              <a:alphaOff val="0"/>
+            </a:schemeClr>
+          </a:solidFill>
+          <a:prstDash val="dash"/>
+        </a:ln>
+        <a:effectLst/>
+      </dsp:spPr>
+      <dsp:style>
+        <a:lnRef idx="1">
+          <a:scrgbClr r="0" g="0" b="0"/>
+        </a:lnRef>
+        <a:fillRef idx="0">
+          <a:scrgbClr r="0" g="0" b="0"/>
+        </a:fillRef>
+        <a:effectRef idx="0">
+          <a:scrgbClr r="0" g="0" b="0"/>
+        </a:effectRef>
+        <a:fontRef idx="minor"/>
+      </dsp:style>
+    </dsp:sp>
+    <dsp:sp modelId="{5351E25D-2D36-4E5D-928D-E3CB91C6F58C}">
+      <dsp:nvSpPr>
+        <dsp:cNvPr id="0" name=""/>
+        <dsp:cNvSpPr/>
+      </dsp:nvSpPr>
+      <dsp:spPr>
+        <a:xfrm>
+          <a:off x="2374865" y="2789231"/>
+          <a:ext cx="98906" cy="105766"/>
+        </a:xfrm>
+        <a:prstGeom prst="ellipse">
+          <a:avLst/>
+        </a:prstGeom>
+        <a:solidFill>
+          <a:schemeClr val="accent2">
+            <a:hueOff val="17677"/>
+            <a:satOff val="-17244"/>
+            <a:lumOff val="-883"/>
+            <a:alphaOff val="0"/>
+          </a:schemeClr>
+        </a:solidFill>
+        <a:ln w="6350" cap="flat" cmpd="sng" algn="ctr">
+          <a:solidFill>
+            <a:schemeClr val="lt1">
+              <a:hueOff val="0"/>
+              <a:satOff val="0"/>
+              <a:lumOff val="0"/>
+              <a:alphaOff val="0"/>
+            </a:schemeClr>
+          </a:solidFill>
+          <a:prstDash val="solid"/>
+        </a:ln>
+        <a:effectLst/>
+      </dsp:spPr>
+      <dsp:style>
+        <a:lnRef idx="2">
+          <a:scrgbClr r="0" g="0" b="0"/>
+        </a:lnRef>
+        <a:fillRef idx="1">
+          <a:scrgbClr r="0" g="0" b="0"/>
+        </a:fillRef>
+        <a:effectRef idx="0">
+          <a:scrgbClr r="0" g="0" b="0"/>
+        </a:effectRef>
+        <a:fontRef idx="minor">
+          <a:schemeClr val="lt1"/>
+        </a:fontRef>
+      </dsp:style>
+    </dsp:sp>
+    <dsp:sp modelId="{70E4C7F8-6B9A-4BEA-8345-8BEAE3F6737C}">
+      <dsp:nvSpPr>
+        <dsp:cNvPr id="0" name=""/>
+        <dsp:cNvSpPr/>
+      </dsp:nvSpPr>
+      <dsp:spPr>
+        <a:xfrm rot="18900000">
+          <a:off x="3081073" y="4660702"/>
+          <a:ext cx="388540" cy="388540"/>
+        </a:xfrm>
+        <a:prstGeom prst="teardrop">
+          <a:avLst>
+            <a:gd name="adj" fmla="val 115000"/>
+          </a:avLst>
+        </a:prstGeom>
+        <a:solidFill>
+          <a:schemeClr val="accent2">
+            <a:hueOff val="26515"/>
+            <a:satOff val="-25865"/>
+            <a:lumOff val="-1325"/>
+            <a:alphaOff val="0"/>
+          </a:schemeClr>
+        </a:solidFill>
+        <a:ln w="15875" cap="flat" cmpd="sng" algn="ctr">
+          <a:solidFill>
+            <a:schemeClr val="accent2">
+              <a:hueOff val="26515"/>
+              <a:satOff val="-25865"/>
+              <a:lumOff val="-1325"/>
+              <a:alphaOff val="0"/>
+            </a:schemeClr>
+          </a:solidFill>
+          <a:prstDash val="solid"/>
+        </a:ln>
+        <a:effectLst/>
+      </dsp:spPr>
+      <dsp:style>
+        <a:lnRef idx="2">
+          <a:scrgbClr r="0" g="0" b="0"/>
+        </a:lnRef>
+        <a:fillRef idx="1">
+          <a:scrgbClr r="0" g="0" b="0"/>
+        </a:fillRef>
+        <a:effectRef idx="0">
+          <a:scrgbClr r="0" g="0" b="0"/>
+        </a:effectRef>
+        <a:fontRef idx="minor">
+          <a:schemeClr val="lt1"/>
+        </a:fontRef>
+      </dsp:style>
+    </dsp:sp>
+    <dsp:sp modelId="{61CDFDDC-D14D-4E35-8836-4DAF6E2576CD}">
+      <dsp:nvSpPr>
+        <dsp:cNvPr id="0" name=""/>
+        <dsp:cNvSpPr/>
+      </dsp:nvSpPr>
+      <dsp:spPr>
+        <a:xfrm>
+          <a:off x="3124236" y="4703866"/>
+          <a:ext cx="302213" cy="302213"/>
+        </a:xfrm>
+        <a:prstGeom prst="ellipse">
+          <a:avLst/>
+        </a:prstGeom>
+        <a:solidFill>
+          <a:schemeClr val="lt1">
+            <a:alpha val="90000"/>
+            <a:hueOff val="0"/>
+            <a:satOff val="0"/>
+            <a:lumOff val="0"/>
+            <a:alphaOff val="0"/>
+          </a:schemeClr>
+        </a:solidFill>
+        <a:ln w="15875" cap="flat" cmpd="sng" algn="ctr">
+          <a:noFill/>
+          <a:prstDash val="solid"/>
+        </a:ln>
+        <a:effectLst/>
+      </dsp:spPr>
+      <dsp:style>
+        <a:lnRef idx="2">
+          <a:scrgbClr r="0" g="0" b="0"/>
+        </a:lnRef>
+        <a:fillRef idx="1">
+          <a:scrgbClr r="0" g="0" b="0"/>
+        </a:fillRef>
+        <a:effectRef idx="0">
+          <a:scrgbClr r="0" g="0" b="0"/>
+        </a:effectRef>
+        <a:fontRef idx="minor"/>
+      </dsp:style>
+    </dsp:sp>
+    <dsp:sp modelId="{428429E0-D675-478A-B3DF-968D0163441F}">
+      <dsp:nvSpPr>
+        <dsp:cNvPr id="0" name=""/>
+        <dsp:cNvSpPr/>
+      </dsp:nvSpPr>
+      <dsp:spPr>
+        <a:xfrm>
+          <a:off x="4210018" y="2824956"/>
+          <a:ext cx="1905365" cy="1672373"/>
+        </a:xfrm>
+        <a:prstGeom prst="rect">
+          <a:avLst/>
+        </a:prstGeom>
+        <a:noFill/>
+        <a:ln>
+          <a:noFill/>
+        </a:ln>
+        <a:effectLst/>
+      </dsp:spPr>
+      <dsp:style>
+        <a:lnRef idx="0">
+          <a:scrgbClr r="0" g="0" b="0"/>
+        </a:lnRef>
+        <a:fillRef idx="0">
+          <a:scrgbClr r="0" g="0" b="0"/>
+        </a:fillRef>
+        <a:effectRef idx="0">
+          <a:scrgbClr r="0" g="0" b="0"/>
+        </a:effectRef>
+        <a:fontRef idx="minor"/>
+      </dsp:style>
+    </dsp:sp>
+    <dsp:sp modelId="{EFEE2494-B2C0-4CEC-8FE9-45DD92D284D5}">
+      <dsp:nvSpPr>
+        <dsp:cNvPr id="0" name=""/>
+        <dsp:cNvSpPr/>
+      </dsp:nvSpPr>
+      <dsp:spPr>
+        <a:xfrm>
+          <a:off x="4210018" y="4497329"/>
+          <a:ext cx="1905365" cy="587590"/>
+        </a:xfrm>
+        <a:prstGeom prst="rect">
+          <a:avLst/>
+        </a:prstGeom>
+        <a:noFill/>
+        <a:ln>
+          <a:noFill/>
+        </a:ln>
+        <a:effectLst/>
+      </dsp:spPr>
+      <dsp:style>
+        <a:lnRef idx="0">
+          <a:scrgbClr r="0" g="0" b="0"/>
+        </a:lnRef>
+        <a:fillRef idx="0">
+          <a:scrgbClr r="0" g="0" b="0"/>
+        </a:fillRef>
+        <a:effectRef idx="0">
+          <a:scrgbClr r="0" g="0" b="0"/>
+        </a:effectRef>
+        <a:fontRef idx="minor"/>
+      </dsp:style>
+      <dsp:txBody>
+        <a:bodyPr spcFirstLastPara="0" vert="horz" wrap="square" lIns="0" tIns="0" rIns="127000" bIns="0" numCol="1" spcCol="1270" anchor="ctr" anchorCtr="0">
+          <a:noAutofit/>
+        </a:bodyPr>
+        <a:lstStyle/>
+        <a:p>
+          <a:pPr lvl="0" algn="l" defTabSz="889000">
+            <a:lnSpc>
+              <a:spcPct val="90000"/>
+            </a:lnSpc>
+            <a:spcBef>
+              <a:spcPct val="0"/>
+            </a:spcBef>
+            <a:spcAft>
+              <a:spcPct val="35000"/>
+            </a:spcAft>
+            <a:defRPr b="1"/>
+          </a:pPr>
+          <a:endParaRPr lang="en-ID" sz="2000" kern="1200"/>
+        </a:p>
+      </dsp:txBody>
+      <dsp:txXfrm>
+        <a:off x="4210018" y="4497329"/>
+        <a:ext cx="1905365" cy="587590"/>
+      </dsp:txXfrm>
+    </dsp:sp>
+    <dsp:sp modelId="{5326CD45-77F5-4EED-BEF4-52CB0CCDE3B0}">
+      <dsp:nvSpPr>
+        <dsp:cNvPr id="0" name=""/>
+        <dsp:cNvSpPr/>
+      </dsp:nvSpPr>
+      <dsp:spPr>
+        <a:xfrm>
+          <a:off x="3254019" y="2842114"/>
+          <a:ext cx="0" cy="1672373"/>
+        </a:xfrm>
+        <a:prstGeom prst="line">
+          <a:avLst/>
+        </a:prstGeom>
+        <a:noFill/>
+        <a:ln w="12700" cap="flat" cmpd="sng" algn="ctr">
+          <a:solidFill>
+            <a:schemeClr val="accent2">
+              <a:hueOff val="26515"/>
+              <a:satOff val="-25865"/>
+              <a:lumOff val="-1325"/>
+              <a:alphaOff val="0"/>
+            </a:schemeClr>
+          </a:solidFill>
+          <a:prstDash val="dash"/>
+        </a:ln>
+        <a:effectLst/>
+      </dsp:spPr>
+      <dsp:style>
+        <a:lnRef idx="1">
+          <a:scrgbClr r="0" g="0" b="0"/>
+        </a:lnRef>
+        <a:fillRef idx="0">
+          <a:scrgbClr r="0" g="0" b="0"/>
+        </a:fillRef>
+        <a:effectRef idx="0">
+          <a:scrgbClr r="0" g="0" b="0"/>
+        </a:effectRef>
+        <a:fontRef idx="minor"/>
+      </dsp:style>
+    </dsp:sp>
+    <dsp:sp modelId="{F8777B2D-8B41-4C37-90DE-ACEC1712F931}">
+      <dsp:nvSpPr>
+        <dsp:cNvPr id="0" name=""/>
+        <dsp:cNvSpPr/>
+      </dsp:nvSpPr>
+      <dsp:spPr>
+        <a:xfrm>
+          <a:off x="3223622" y="2789231"/>
+          <a:ext cx="98906" cy="105766"/>
+        </a:xfrm>
+        <a:prstGeom prst="ellipse">
+          <a:avLst/>
+        </a:prstGeom>
+        <a:solidFill>
+          <a:schemeClr val="accent2">
+            <a:hueOff val="26515"/>
+            <a:satOff val="-25865"/>
+            <a:lumOff val="-1325"/>
+            <a:alphaOff val="0"/>
+          </a:schemeClr>
+        </a:solidFill>
+        <a:ln w="6350" cap="flat" cmpd="sng" algn="ctr">
+          <a:solidFill>
+            <a:schemeClr val="lt1">
+              <a:hueOff val="0"/>
+              <a:satOff val="0"/>
+              <a:lumOff val="0"/>
+              <a:alphaOff val="0"/>
+            </a:schemeClr>
+          </a:solidFill>
+          <a:prstDash val="solid"/>
+        </a:ln>
+        <a:effectLst/>
+      </dsp:spPr>
+      <dsp:style>
+        <a:lnRef idx="2">
+          <a:scrgbClr r="0" g="0" b="0"/>
+        </a:lnRef>
+        <a:fillRef idx="1">
+          <a:scrgbClr r="0" g="0" b="0"/>
+        </a:fillRef>
+        <a:effectRef idx="0">
+          <a:scrgbClr r="0" g="0" b="0"/>
+        </a:effectRef>
+        <a:fontRef idx="minor">
+          <a:schemeClr val="lt1"/>
+        </a:fontRef>
+      </dsp:style>
+    </dsp:sp>
+    <dsp:sp modelId="{1CD1C1A0-89DA-4C77-A86B-1A39DE4FD527}">
+      <dsp:nvSpPr>
+        <dsp:cNvPr id="0" name=""/>
+        <dsp:cNvSpPr/>
+      </dsp:nvSpPr>
+      <dsp:spPr>
+        <a:xfrm rot="8100000">
+          <a:off x="4546135" y="589445"/>
+          <a:ext cx="388540" cy="388540"/>
+        </a:xfrm>
+        <a:prstGeom prst="teardrop">
+          <a:avLst>
+            <a:gd name="adj" fmla="val 115000"/>
+          </a:avLst>
+        </a:prstGeom>
+        <a:solidFill>
+          <a:schemeClr val="accent2">
+            <a:hueOff val="35353"/>
+            <a:satOff val="-34487"/>
+            <a:lumOff val="-1766"/>
+            <a:alphaOff val="0"/>
+          </a:schemeClr>
+        </a:solidFill>
+        <a:ln w="15875" cap="flat" cmpd="sng" algn="ctr">
+          <a:solidFill>
+            <a:schemeClr val="accent2">
+              <a:hueOff val="35353"/>
+              <a:satOff val="-34487"/>
+              <a:lumOff val="-1766"/>
+              <a:alphaOff val="0"/>
+            </a:schemeClr>
+          </a:solidFill>
+          <a:prstDash val="solid"/>
+        </a:ln>
+        <a:effectLst/>
+      </dsp:spPr>
+      <dsp:style>
+        <a:lnRef idx="2">
+          <a:scrgbClr r="0" g="0" b="0"/>
+        </a:lnRef>
+        <a:fillRef idx="1">
+          <a:scrgbClr r="0" g="0" b="0"/>
+        </a:fillRef>
+        <a:effectRef idx="0">
+          <a:scrgbClr r="0" g="0" b="0"/>
+        </a:effectRef>
+        <a:fontRef idx="minor">
+          <a:schemeClr val="lt1"/>
+        </a:fontRef>
+      </dsp:style>
+    </dsp:sp>
+    <dsp:sp modelId="{4FC13DC8-B6BF-4668-B336-D316D378A035}">
+      <dsp:nvSpPr>
+        <dsp:cNvPr id="0" name=""/>
+        <dsp:cNvSpPr/>
+      </dsp:nvSpPr>
+      <dsp:spPr>
+        <a:xfrm>
+          <a:off x="4589299" y="632609"/>
+          <a:ext cx="302213" cy="302213"/>
+        </a:xfrm>
+        <a:prstGeom prst="ellipse">
+          <a:avLst/>
+        </a:prstGeom>
+        <a:solidFill>
+          <a:schemeClr val="lt1">
+            <a:alpha val="90000"/>
+            <a:hueOff val="0"/>
+            <a:satOff val="0"/>
+            <a:lumOff val="0"/>
+            <a:alphaOff val="0"/>
+          </a:schemeClr>
+        </a:solidFill>
+        <a:ln w="15875" cap="flat" cmpd="sng" algn="ctr">
+          <a:noFill/>
+          <a:prstDash val="solid"/>
+        </a:ln>
+        <a:effectLst/>
+      </dsp:spPr>
+      <dsp:style>
+        <a:lnRef idx="2">
+          <a:scrgbClr r="0" g="0" b="0"/>
+        </a:lnRef>
+        <a:fillRef idx="1">
+          <a:scrgbClr r="0" g="0" b="0"/>
+        </a:fillRef>
+        <a:effectRef idx="0">
+          <a:scrgbClr r="0" g="0" b="0"/>
+        </a:effectRef>
+        <a:fontRef idx="minor"/>
+      </dsp:style>
+    </dsp:sp>
+    <dsp:sp modelId="{290DF186-3C02-48F3-AD53-E173142B1633}">
+      <dsp:nvSpPr>
+        <dsp:cNvPr id="0" name=""/>
+        <dsp:cNvSpPr/>
+      </dsp:nvSpPr>
+      <dsp:spPr>
+        <a:xfrm>
+          <a:off x="5427852" y="1168664"/>
+          <a:ext cx="1905365" cy="1672373"/>
+        </a:xfrm>
+        <a:prstGeom prst="rect">
+          <a:avLst/>
+        </a:prstGeom>
+        <a:noFill/>
+        <a:ln>
+          <a:noFill/>
+        </a:ln>
+        <a:effectLst/>
+      </dsp:spPr>
+      <dsp:style>
+        <a:lnRef idx="0">
+          <a:scrgbClr r="0" g="0" b="0"/>
+        </a:lnRef>
+        <a:fillRef idx="0">
+          <a:scrgbClr r="0" g="0" b="0"/>
+        </a:fillRef>
+        <a:effectRef idx="0">
+          <a:scrgbClr r="0" g="0" b="0"/>
+        </a:effectRef>
+        <a:fontRef idx="minor"/>
+      </dsp:style>
+    </dsp:sp>
+    <dsp:sp modelId="{2DEEC8F3-A8E7-42B7-8B13-D304AB036873}">
+      <dsp:nvSpPr>
+        <dsp:cNvPr id="0" name=""/>
+        <dsp:cNvSpPr/>
+      </dsp:nvSpPr>
+      <dsp:spPr>
+        <a:xfrm>
+          <a:off x="5427852" y="581073"/>
+          <a:ext cx="1905365" cy="587590"/>
+        </a:xfrm>
+        <a:prstGeom prst="rect">
+          <a:avLst/>
+        </a:prstGeom>
+        <a:noFill/>
+        <a:ln>
+          <a:noFill/>
+        </a:ln>
+        <a:effectLst/>
+      </dsp:spPr>
+      <dsp:style>
+        <a:lnRef idx="0">
+          <a:scrgbClr r="0" g="0" b="0"/>
+        </a:lnRef>
+        <a:fillRef idx="0">
+          <a:scrgbClr r="0" g="0" b="0"/>
+        </a:fillRef>
+        <a:effectRef idx="0">
+          <a:scrgbClr r="0" g="0" b="0"/>
+        </a:effectRef>
+        <a:fontRef idx="minor"/>
+      </dsp:style>
+      <dsp:txBody>
+        <a:bodyPr spcFirstLastPara="0" vert="horz" wrap="square" lIns="0" tIns="0" rIns="127000" bIns="0" numCol="1" spcCol="1270" anchor="ctr" anchorCtr="0">
+          <a:noAutofit/>
+        </a:bodyPr>
+        <a:lstStyle/>
+        <a:p>
+          <a:pPr lvl="0" algn="l" defTabSz="889000">
+            <a:lnSpc>
+              <a:spcPct val="90000"/>
+            </a:lnSpc>
+            <a:spcBef>
+              <a:spcPct val="0"/>
+            </a:spcBef>
+            <a:spcAft>
+              <a:spcPct val="35000"/>
+            </a:spcAft>
+            <a:defRPr b="1"/>
+          </a:pPr>
+          <a:endParaRPr lang="en-ID" sz="2000" kern="1200"/>
+        </a:p>
+      </dsp:txBody>
+      <dsp:txXfrm>
+        <a:off x="5427852" y="581073"/>
+        <a:ext cx="1905365" cy="587590"/>
+      </dsp:txXfrm>
+    </dsp:sp>
+    <dsp:sp modelId="{F8AF6CFA-80DE-47AC-9664-5ACA1466EF63}">
+      <dsp:nvSpPr>
+        <dsp:cNvPr id="0" name=""/>
+        <dsp:cNvSpPr/>
+      </dsp:nvSpPr>
+      <dsp:spPr>
+        <a:xfrm>
+          <a:off x="4723033" y="1161161"/>
+          <a:ext cx="0" cy="1672373"/>
+        </a:xfrm>
+        <a:prstGeom prst="line">
+          <a:avLst/>
+        </a:prstGeom>
+        <a:noFill/>
+        <a:ln w="12700" cap="flat" cmpd="sng" algn="ctr">
+          <a:solidFill>
+            <a:schemeClr val="accent2">
+              <a:hueOff val="35353"/>
+              <a:satOff val="-34487"/>
+              <a:lumOff val="-1766"/>
+              <a:alphaOff val="0"/>
+            </a:schemeClr>
+          </a:solidFill>
+          <a:prstDash val="dash"/>
+        </a:ln>
+        <a:effectLst/>
+      </dsp:spPr>
+      <dsp:style>
+        <a:lnRef idx="1">
+          <a:scrgbClr r="0" g="0" b="0"/>
+        </a:lnRef>
+        <a:fillRef idx="0">
+          <a:scrgbClr r="0" g="0" b="0"/>
+        </a:fillRef>
+        <a:effectRef idx="0">
+          <a:scrgbClr r="0" g="0" b="0"/>
+        </a:effectRef>
+        <a:fontRef idx="minor"/>
+      </dsp:style>
+    </dsp:sp>
+    <dsp:sp modelId="{D49AA8AF-4007-435A-AEB3-89E12CF589B3}">
+      <dsp:nvSpPr>
+        <dsp:cNvPr id="0" name=""/>
+        <dsp:cNvSpPr/>
+      </dsp:nvSpPr>
+      <dsp:spPr>
+        <a:xfrm>
+          <a:off x="4692635" y="2780652"/>
+          <a:ext cx="98906" cy="105766"/>
+        </a:xfrm>
+        <a:prstGeom prst="ellipse">
+          <a:avLst/>
+        </a:prstGeom>
+        <a:solidFill>
+          <a:schemeClr val="accent2">
+            <a:hueOff val="35353"/>
+            <a:satOff val="-34487"/>
+            <a:lumOff val="-1766"/>
+            <a:alphaOff val="0"/>
+          </a:schemeClr>
+        </a:solidFill>
+        <a:ln w="6350" cap="flat" cmpd="sng" algn="ctr">
+          <a:solidFill>
+            <a:schemeClr val="lt1">
+              <a:hueOff val="0"/>
+              <a:satOff val="0"/>
+              <a:lumOff val="0"/>
+              <a:alphaOff val="0"/>
+            </a:schemeClr>
+          </a:solidFill>
+          <a:prstDash val="solid"/>
+        </a:ln>
+        <a:effectLst/>
+      </dsp:spPr>
+      <dsp:style>
+        <a:lnRef idx="2">
+          <a:scrgbClr r="0" g="0" b="0"/>
+        </a:lnRef>
+        <a:fillRef idx="1">
+          <a:scrgbClr r="0" g="0" b="0"/>
+        </a:fillRef>
+        <a:effectRef idx="0">
+          <a:scrgbClr r="0" g="0" b="0"/>
+        </a:effectRef>
+        <a:fontRef idx="minor">
+          <a:schemeClr val="lt1"/>
+        </a:fontRef>
+      </dsp:style>
+    </dsp:sp>
   </dsp:spTree>
 </dsp:drawing>
 </file>
@@ -2060,7 +3550,7 @@
             <dgm:adjLst/>
             <dgm:extLst>
               <a:ext uri="{B698B0E9-8C71-41B9-8309-B3DCBF30829C}">
-                <dgm1612:spPr xmlns:dgm1612="http://schemas.microsoft.com/office/drawing/2016/12/diagram" xmlns="">
+                <dgm1612:spPr xmlns="" xmlns:dgm1612="http://schemas.microsoft.com/office/drawing/2016/12/diagram">
                   <a:ln w="19050">
                     <a:solidFill>
                       <a:srgbClr val="000000"/>
@@ -2077,7 +3567,7 @@
             <dgm:adjLst/>
             <dgm:extLst>
               <a:ext uri="{B698B0E9-8C71-41B9-8309-B3DCBF30829C}">
-                <dgm1612:spPr xmlns:dgm1612="http://schemas.microsoft.com/office/drawing/2016/12/diagram" xmlns="">
+                <dgm1612:spPr xmlns="" xmlns:dgm1612="http://schemas.microsoft.com/office/drawing/2016/12/diagram">
                   <a:ln>
                     <a:solidFill>
                       <a:srgbClr val="000000"/>
@@ -2308,7 +3798,7 @@
                     <dgm:adjLst/>
                     <dgm:extLst>
                       <a:ext uri="{B698B0E9-8C71-41B9-8309-B3DCBF30829C}">
-                        <dgm1612:spPr xmlns:dgm1612="http://schemas.microsoft.com/office/drawing/2016/12/diagram" xmlns="">
+                        <dgm1612:spPr xmlns="" xmlns:dgm1612="http://schemas.microsoft.com/office/drawing/2016/12/diagram">
                           <a:ln>
                             <a:noFill/>
                           </a:ln>
@@ -2397,7 +3887,7 @@
                   <dgm:adjLst/>
                   <dgm:extLst>
                     <a:ext uri="{B698B0E9-8C71-41B9-8309-B3DCBF30829C}">
-                      <dgm1612:spPr xmlns:dgm1612="http://schemas.microsoft.com/office/drawing/2016/12/diagram" xmlns="">
+                      <dgm1612:spPr xmlns="" xmlns:dgm1612="http://schemas.microsoft.com/office/drawing/2016/12/diagram">
                         <a:ln w="12700">
                           <a:prstDash val="dash"/>
                         </a:ln>
@@ -2561,7 +4051,7 @@
                   <dgm:adjLst/>
                   <dgm:extLst>
                     <a:ext uri="{B698B0E9-8C71-41B9-8309-B3DCBF30829C}">
-                      <dgm1612:spPr xmlns:dgm1612="http://schemas.microsoft.com/office/drawing/2016/12/diagram" xmlns="">
+                      <dgm1612:spPr xmlns="" xmlns:dgm1612="http://schemas.microsoft.com/office/drawing/2016/12/diagram">
                         <a:ln w="6350"/>
                       </dgm1612:spPr>
                     </a:ext>
@@ -2614,7 +4104,7 @@
                     <dgm:adjLst/>
                     <dgm:extLst>
                       <a:ext uri="{B698B0E9-8C71-41B9-8309-B3DCBF30829C}">
-                        <dgm1612:spPr xmlns:dgm1612="http://schemas.microsoft.com/office/drawing/2016/12/diagram" xmlns="">
+                        <dgm1612:spPr xmlns="" xmlns:dgm1612="http://schemas.microsoft.com/office/drawing/2016/12/diagram">
                           <a:ln>
                             <a:noFill/>
                           </a:ln>
@@ -2703,7 +4193,7 @@
                   <dgm:adjLst/>
                   <dgm:extLst>
                     <a:ext uri="{B698B0E9-8C71-41B9-8309-B3DCBF30829C}">
-                      <dgm1612:spPr xmlns:dgm1612="http://schemas.microsoft.com/office/drawing/2016/12/diagram" xmlns="">
+                      <dgm1612:spPr xmlns="" xmlns:dgm1612="http://schemas.microsoft.com/office/drawing/2016/12/diagram">
                         <a:ln w="12700">
                           <a:prstDash val="dash"/>
                         </a:ln>
@@ -2741,7 +4231,7 @@
   </dgm:layoutNode>
   <dgm:extLst>
     <a:ext uri="{68A01E43-0DF5-4B5B-8FA6-DAF915123BFB}">
-      <dgm1612:lstStyle xmlns:dgm1612="http://schemas.microsoft.com/office/drawing/2016/12/diagram" xmlns="">
+      <dgm1612:lstStyle xmlns="" xmlns:dgm1612="http://schemas.microsoft.com/office/drawing/2016/12/diagram">
         <a:lvl1pPr>
           <a:defRPr b="1"/>
         </a:lvl1pPr>
@@ -3807,7 +5297,7 @@
           <p:cNvPr id="10" name="Rectangle 9">
             <a:extLst>
               <a:ext uri="{FF2B5EF4-FFF2-40B4-BE49-F238E27FC236}">
-                <a16:creationId xmlns:a16="http://schemas.microsoft.com/office/drawing/2014/main" xmlns="" id="{39E3965E-AC41-4711-9D10-E25ABB132D86}"/>
+                <a16:creationId xmlns="" xmlns:a16="http://schemas.microsoft.com/office/drawing/2014/main" id="{39E3965E-AC41-4711-9D10-E25ABB132D86}"/>
               </a:ext>
             </a:extLst>
           </p:cNvPr>
@@ -3967,7 +5457,7 @@
           <p:cNvPr id="9" name="Straight Connector 8">
             <a:extLst>
               <a:ext uri="{FF2B5EF4-FFF2-40B4-BE49-F238E27FC236}">
-                <a16:creationId xmlns:a16="http://schemas.microsoft.com/office/drawing/2014/main" xmlns="" id="{1F5DC8C3-BA5F-4EED-BB9A-A14272BD82A1}"/>
+                <a16:creationId xmlns="" xmlns:a16="http://schemas.microsoft.com/office/drawing/2014/main" id="{1F5DC8C3-BA5F-4EED-BB9A-A14272BD82A1}"/>
               </a:ext>
             </a:extLst>
           </p:cNvPr>
@@ -4011,7 +5501,7 @@
           <p:cNvPr id="4" name="Date Placeholder 3">
             <a:extLst>
               <a:ext uri="{FF2B5EF4-FFF2-40B4-BE49-F238E27FC236}">
-                <a16:creationId xmlns:a16="http://schemas.microsoft.com/office/drawing/2014/main" xmlns="" id="{9925CCF1-92C0-4AF3-BFAF-4921631915AB}"/>
+                <a16:creationId xmlns="" xmlns:a16="http://schemas.microsoft.com/office/drawing/2014/main" id="{9925CCF1-92C0-4AF3-BFAF-4921631915AB}"/>
               </a:ext>
             </a:extLst>
           </p:cNvPr>
@@ -4040,7 +5530,7 @@
           <p:cNvPr id="5" name="Footer Placeholder 4">
             <a:extLst>
               <a:ext uri="{FF2B5EF4-FFF2-40B4-BE49-F238E27FC236}">
-                <a16:creationId xmlns:a16="http://schemas.microsoft.com/office/drawing/2014/main" xmlns="" id="{051A78A9-3DFF-4937-A9F2-5D8CF495F367}"/>
+                <a16:creationId xmlns="" xmlns:a16="http://schemas.microsoft.com/office/drawing/2014/main" id="{051A78A9-3DFF-4937-A9F2-5D8CF495F367}"/>
               </a:ext>
             </a:extLst>
           </p:cNvPr>
@@ -4065,7 +5555,7 @@
           <p:cNvPr id="6" name="Slide Number Placeholder 5">
             <a:extLst>
               <a:ext uri="{FF2B5EF4-FFF2-40B4-BE49-F238E27FC236}">
-                <a16:creationId xmlns:a16="http://schemas.microsoft.com/office/drawing/2014/main" xmlns="" id="{5FAEB271-5CC0-4759-BC6E-8BE53AB227C0}"/>
+                <a16:creationId xmlns="" xmlns:a16="http://schemas.microsoft.com/office/drawing/2014/main" id="{5FAEB271-5CC0-4759-BC6E-8BE53AB227C0}"/>
               </a:ext>
             </a:extLst>
           </p:cNvPr>
@@ -4199,7 +5689,7 @@
           <p:cNvPr id="7" name="Date Placeholder 6">
             <a:extLst>
               <a:ext uri="{FF2B5EF4-FFF2-40B4-BE49-F238E27FC236}">
-                <a16:creationId xmlns:a16="http://schemas.microsoft.com/office/drawing/2014/main" xmlns="" id="{354D8B55-9EA8-4B81-8E84-9B93B0A27559}"/>
+                <a16:creationId xmlns="" xmlns:a16="http://schemas.microsoft.com/office/drawing/2014/main" id="{354D8B55-9EA8-4B81-8E84-9B93B0A27559}"/>
               </a:ext>
             </a:extLst>
           </p:cNvPr>
@@ -4228,7 +5718,7 @@
           <p:cNvPr id="8" name="Footer Placeholder 7">
             <a:extLst>
               <a:ext uri="{FF2B5EF4-FFF2-40B4-BE49-F238E27FC236}">
-                <a16:creationId xmlns:a16="http://schemas.microsoft.com/office/drawing/2014/main" xmlns="" id="{062CA021-2578-47CB-822C-BDDFF7223B28}"/>
+                <a16:creationId xmlns="" xmlns:a16="http://schemas.microsoft.com/office/drawing/2014/main" id="{062CA021-2578-47CB-822C-BDDFF7223B28}"/>
               </a:ext>
             </a:extLst>
           </p:cNvPr>
@@ -4253,7 +5743,7 @@
           <p:cNvPr id="9" name="Slide Number Placeholder 8">
             <a:extLst>
               <a:ext uri="{FF2B5EF4-FFF2-40B4-BE49-F238E27FC236}">
-                <a16:creationId xmlns:a16="http://schemas.microsoft.com/office/drawing/2014/main" xmlns="" id="{C4AAB51D-4141-4682-9375-DAFD5FB9DD10}"/>
+                <a16:creationId xmlns="" xmlns:a16="http://schemas.microsoft.com/office/drawing/2014/main" id="{C4AAB51D-4141-4682-9375-DAFD5FB9DD10}"/>
               </a:ext>
             </a:extLst>
           </p:cNvPr>
@@ -4320,7 +5810,7 @@
           <p:cNvPr id="10" name="Rectangle 9">
             <a:extLst>
               <a:ext uri="{FF2B5EF4-FFF2-40B4-BE49-F238E27FC236}">
-                <a16:creationId xmlns:a16="http://schemas.microsoft.com/office/drawing/2014/main" xmlns="" id="{A585C21A-8B93-4657-B5DF-7EAEAD3BE127}"/>
+                <a16:creationId xmlns="" xmlns:a16="http://schemas.microsoft.com/office/drawing/2014/main" id="{A585C21A-8B93-4657-B5DF-7EAEAD3BE127}"/>
               </a:ext>
             </a:extLst>
           </p:cNvPr>
@@ -4528,7 +6018,7 @@
           <p:cNvPr id="9" name="Straight Connector 8">
             <a:extLst>
               <a:ext uri="{FF2B5EF4-FFF2-40B4-BE49-F238E27FC236}">
-                <a16:creationId xmlns:a16="http://schemas.microsoft.com/office/drawing/2014/main" xmlns="" id="{459DE2C1-4C52-40A3-8959-27B2C1BEBFF6}"/>
+                <a16:creationId xmlns="" xmlns:a16="http://schemas.microsoft.com/office/drawing/2014/main" id="{459DE2C1-4C52-40A3-8959-27B2C1BEBFF6}"/>
               </a:ext>
             </a:extLst>
           </p:cNvPr>
@@ -4572,7 +6062,7 @@
           <p:cNvPr id="7" name="Date Placeholder 6">
             <a:extLst>
               <a:ext uri="{FF2B5EF4-FFF2-40B4-BE49-F238E27FC236}">
-                <a16:creationId xmlns:a16="http://schemas.microsoft.com/office/drawing/2014/main" xmlns="" id="{AAF2E137-EC28-48F8-9198-1F02539029B6}"/>
+                <a16:creationId xmlns="" xmlns:a16="http://schemas.microsoft.com/office/drawing/2014/main" id="{AAF2E137-EC28-48F8-9198-1F02539029B6}"/>
               </a:ext>
             </a:extLst>
           </p:cNvPr>
@@ -4601,7 +6091,7 @@
           <p:cNvPr id="8" name="Footer Placeholder 7">
             <a:extLst>
               <a:ext uri="{FF2B5EF4-FFF2-40B4-BE49-F238E27FC236}">
-                <a16:creationId xmlns:a16="http://schemas.microsoft.com/office/drawing/2014/main" xmlns="" id="{189422CD-6F62-4DD6-89EF-07A60B42D219}"/>
+                <a16:creationId xmlns="" xmlns:a16="http://schemas.microsoft.com/office/drawing/2014/main" id="{189422CD-6F62-4DD6-89EF-07A60B42D219}"/>
               </a:ext>
             </a:extLst>
           </p:cNvPr>
@@ -4626,7 +6116,7 @@
           <p:cNvPr id="11" name="Slide Number Placeholder 10">
             <a:extLst>
               <a:ext uri="{FF2B5EF4-FFF2-40B4-BE49-F238E27FC236}">
-                <a16:creationId xmlns:a16="http://schemas.microsoft.com/office/drawing/2014/main" xmlns="" id="{69C6AFF8-42B4-4D05-969B-9F5FB3355555}"/>
+                <a16:creationId xmlns="" xmlns:a16="http://schemas.microsoft.com/office/drawing/2014/main" id="{69C6AFF8-42B4-4D05-969B-9F5FB3355555}"/>
               </a:ext>
             </a:extLst>
           </p:cNvPr>
@@ -4827,7 +6317,7 @@
           <p:cNvPr id="2" name="Date Placeholder 1">
             <a:extLst>
               <a:ext uri="{FF2B5EF4-FFF2-40B4-BE49-F238E27FC236}">
-                <a16:creationId xmlns:a16="http://schemas.microsoft.com/office/drawing/2014/main" xmlns="" id="{5782D47D-B0DC-4C40-BCC6-BBBA32584A38}"/>
+                <a16:creationId xmlns="" xmlns:a16="http://schemas.microsoft.com/office/drawing/2014/main" id="{5782D47D-B0DC-4C40-BCC6-BBBA32584A38}"/>
               </a:ext>
             </a:extLst>
           </p:cNvPr>
@@ -4856,7 +6346,7 @@
           <p:cNvPr id="9" name="Footer Placeholder 8">
             <a:extLst>
               <a:ext uri="{FF2B5EF4-FFF2-40B4-BE49-F238E27FC236}">
-                <a16:creationId xmlns:a16="http://schemas.microsoft.com/office/drawing/2014/main" xmlns="" id="{4690D34E-7EBD-44B2-83CA-4C126A18D7EF}"/>
+                <a16:creationId xmlns="" xmlns:a16="http://schemas.microsoft.com/office/drawing/2014/main" id="{4690D34E-7EBD-44B2-83CA-4C126A18D7EF}"/>
               </a:ext>
             </a:extLst>
           </p:cNvPr>
@@ -4881,7 +6371,7 @@
           <p:cNvPr id="10" name="Slide Number Placeholder 9">
             <a:extLst>
               <a:ext uri="{FF2B5EF4-FFF2-40B4-BE49-F238E27FC236}">
-                <a16:creationId xmlns:a16="http://schemas.microsoft.com/office/drawing/2014/main" xmlns="" id="{2AC511A1-9BBD-42DE-92FB-2AF44F8E97A9}"/>
+                <a16:creationId xmlns="" xmlns:a16="http://schemas.microsoft.com/office/drawing/2014/main" id="{2AC511A1-9BBD-42DE-92FB-2AF44F8E97A9}"/>
               </a:ext>
             </a:extLst>
           </p:cNvPr>
@@ -5224,7 +6714,7 @@
           <p:cNvPr id="2" name="Date Placeholder 1">
             <a:extLst>
               <a:ext uri="{FF2B5EF4-FFF2-40B4-BE49-F238E27FC236}">
-                <a16:creationId xmlns:a16="http://schemas.microsoft.com/office/drawing/2014/main" xmlns="" id="{8AF8A515-AA94-45D1-9223-5C2272618D85}"/>
+                <a16:creationId xmlns="" xmlns:a16="http://schemas.microsoft.com/office/drawing/2014/main" id="{8AF8A515-AA94-45D1-9223-5C2272618D85}"/>
               </a:ext>
             </a:extLst>
           </p:cNvPr>
@@ -5253,7 +6743,7 @@
           <p:cNvPr id="11" name="Footer Placeholder 10">
             <a:extLst>
               <a:ext uri="{FF2B5EF4-FFF2-40B4-BE49-F238E27FC236}">
-                <a16:creationId xmlns:a16="http://schemas.microsoft.com/office/drawing/2014/main" xmlns="" id="{D052F5BC-98E0-4D60-AD67-9547738B7DD4}"/>
+                <a16:creationId xmlns="" xmlns:a16="http://schemas.microsoft.com/office/drawing/2014/main" id="{D052F5BC-98E0-4D60-AD67-9547738B7DD4}"/>
               </a:ext>
             </a:extLst>
           </p:cNvPr>
@@ -5278,7 +6768,7 @@
           <p:cNvPr id="12" name="Slide Number Placeholder 11">
             <a:extLst>
               <a:ext uri="{FF2B5EF4-FFF2-40B4-BE49-F238E27FC236}">
-                <a16:creationId xmlns:a16="http://schemas.microsoft.com/office/drawing/2014/main" xmlns="" id="{A38552DC-952E-41EA-AAAF-C2187523C0B0}"/>
+                <a16:creationId xmlns="" xmlns:a16="http://schemas.microsoft.com/office/drawing/2014/main" id="{A38552DC-952E-41EA-AAAF-C2187523C0B0}"/>
               </a:ext>
             </a:extLst>
           </p:cNvPr>
@@ -5360,7 +6850,7 @@
           <p:cNvPr id="6" name="Date Placeholder 5">
             <a:extLst>
               <a:ext uri="{FF2B5EF4-FFF2-40B4-BE49-F238E27FC236}">
-                <a16:creationId xmlns:a16="http://schemas.microsoft.com/office/drawing/2014/main" xmlns="" id="{7392073F-158F-44A3-8913-917AFFC1BC20}"/>
+                <a16:creationId xmlns="" xmlns:a16="http://schemas.microsoft.com/office/drawing/2014/main" id="{7392073F-158F-44A3-8913-917AFFC1BC20}"/>
               </a:ext>
             </a:extLst>
           </p:cNvPr>
@@ -5389,7 +6879,7 @@
           <p:cNvPr id="7" name="Footer Placeholder 6">
             <a:extLst>
               <a:ext uri="{FF2B5EF4-FFF2-40B4-BE49-F238E27FC236}">
-                <a16:creationId xmlns:a16="http://schemas.microsoft.com/office/drawing/2014/main" xmlns="" id="{EED72207-24CA-42B7-A975-2F8E41CBA904}"/>
+                <a16:creationId xmlns="" xmlns:a16="http://schemas.microsoft.com/office/drawing/2014/main" id="{EED72207-24CA-42B7-A975-2F8E41CBA904}"/>
               </a:ext>
             </a:extLst>
           </p:cNvPr>
@@ -5414,7 +6904,7 @@
           <p:cNvPr id="8" name="Slide Number Placeholder 7">
             <a:extLst>
               <a:ext uri="{FF2B5EF4-FFF2-40B4-BE49-F238E27FC236}">
-                <a16:creationId xmlns:a16="http://schemas.microsoft.com/office/drawing/2014/main" xmlns="" id="{D01080F2-251A-4B88-9A62-16F46D724F83}"/>
+                <a16:creationId xmlns="" xmlns:a16="http://schemas.microsoft.com/office/drawing/2014/main" id="{D01080F2-251A-4B88-9A62-16F46D724F83}"/>
               </a:ext>
             </a:extLst>
           </p:cNvPr>
@@ -5473,7 +6963,7 @@
           <p:cNvPr id="10" name="Rectangle 9">
             <a:extLst>
               <a:ext uri="{FF2B5EF4-FFF2-40B4-BE49-F238E27FC236}">
-                <a16:creationId xmlns:a16="http://schemas.microsoft.com/office/drawing/2014/main" xmlns="" id="{A8E9C91B-7EAD-4562-AB0E-DFB9663AECE3}"/>
+                <a16:creationId xmlns="" xmlns:a16="http://schemas.microsoft.com/office/drawing/2014/main" id="{A8E9C91B-7EAD-4562-AB0E-DFB9663AECE3}"/>
               </a:ext>
             </a:extLst>
           </p:cNvPr>
@@ -5517,7 +7007,7 @@
           <p:cNvPr id="2" name="Date Placeholder 1">
             <a:extLst>
               <a:ext uri="{FF2B5EF4-FFF2-40B4-BE49-F238E27FC236}">
-                <a16:creationId xmlns:a16="http://schemas.microsoft.com/office/drawing/2014/main" xmlns="" id="{94E9223F-721F-47BF-9FD5-0F8D12FF0DE1}"/>
+                <a16:creationId xmlns="" xmlns:a16="http://schemas.microsoft.com/office/drawing/2014/main" id="{94E9223F-721F-47BF-9FD5-0F8D12FF0DE1}"/>
               </a:ext>
             </a:extLst>
           </p:cNvPr>
@@ -5546,7 +7036,7 @@
           <p:cNvPr id="3" name="Footer Placeholder 2">
             <a:extLst>
               <a:ext uri="{FF2B5EF4-FFF2-40B4-BE49-F238E27FC236}">
-                <a16:creationId xmlns:a16="http://schemas.microsoft.com/office/drawing/2014/main" xmlns="" id="{05915714-6BBA-4593-8591-4E26F7D58D9F}"/>
+                <a16:creationId xmlns="" xmlns:a16="http://schemas.microsoft.com/office/drawing/2014/main" id="{05915714-6BBA-4593-8591-4E26F7D58D9F}"/>
               </a:ext>
             </a:extLst>
           </p:cNvPr>
@@ -5571,7 +7061,7 @@
           <p:cNvPr id="4" name="Slide Number Placeholder 3">
             <a:extLst>
               <a:ext uri="{FF2B5EF4-FFF2-40B4-BE49-F238E27FC236}">
-                <a16:creationId xmlns:a16="http://schemas.microsoft.com/office/drawing/2014/main" xmlns="" id="{BE06F857-D2E1-44DD-ABDD-EBB739645B67}"/>
+                <a16:creationId xmlns="" xmlns:a16="http://schemas.microsoft.com/office/drawing/2014/main" id="{BE06F857-D2E1-44DD-ABDD-EBB739645B67}"/>
               </a:ext>
             </a:extLst>
           </p:cNvPr>
@@ -5630,7 +7120,7 @@
           <p:cNvPr id="8" name="Rectangle 7">
             <a:extLst>
               <a:ext uri="{FF2B5EF4-FFF2-40B4-BE49-F238E27FC236}">
-                <a16:creationId xmlns:a16="http://schemas.microsoft.com/office/drawing/2014/main" xmlns="" id="{16D90D66-BCB9-4229-A829-628874352AC0}"/>
+                <a16:creationId xmlns="" xmlns:a16="http://schemas.microsoft.com/office/drawing/2014/main" id="{16D90D66-BCB9-4229-A829-628874352AC0}"/>
               </a:ext>
             </a:extLst>
           </p:cNvPr>
@@ -5969,7 +7459,7 @@
           <p:cNvPr id="8" name="Rectangle 7">
             <a:extLst>
               <a:ext uri="{FF2B5EF4-FFF2-40B4-BE49-F238E27FC236}">
-                <a16:creationId xmlns:a16="http://schemas.microsoft.com/office/drawing/2014/main" xmlns="" id="{DA134939-39C0-4522-A125-A13DFDA66490}"/>
+                <a16:creationId xmlns="" xmlns:a16="http://schemas.microsoft.com/office/drawing/2014/main" id="{DA134939-39C0-4522-A125-A13DFDA66490}"/>
               </a:ext>
             </a:extLst>
           </p:cNvPr>
@@ -6308,7 +7798,7 @@
           <p:cNvPr id="7" name="Rectangle 6">
             <a:extLst>
               <a:ext uri="{FF2B5EF4-FFF2-40B4-BE49-F238E27FC236}">
-                <a16:creationId xmlns:a16="http://schemas.microsoft.com/office/drawing/2014/main" xmlns="" id="{416A0E3C-60E6-4F39-BC55-5F7C224E1F7C}"/>
+                <a16:creationId xmlns="" xmlns:a16="http://schemas.microsoft.com/office/drawing/2014/main" id="{416A0E3C-60E6-4F39-BC55-5F7C224E1F7C}"/>
               </a:ext>
             </a:extLst>
           </p:cNvPr>
@@ -6560,7 +8050,7 @@
           <p:cNvPr id="10" name="Straight Connector 9">
             <a:extLst>
               <a:ext uri="{FF2B5EF4-FFF2-40B4-BE49-F238E27FC236}">
-                <a16:creationId xmlns:a16="http://schemas.microsoft.com/office/drawing/2014/main" xmlns="" id="{C5025DAC-8B93-4160-B017-3A274A5828C0}"/>
+                <a16:creationId xmlns="" xmlns:a16="http://schemas.microsoft.com/office/drawing/2014/main" id="{C5025DAC-8B93-4160-B017-3A274A5828C0}"/>
               </a:ext>
             </a:extLst>
           </p:cNvPr>
@@ -7009,10 +8499,10 @@
           <p:cNvPr id="28" name="Rectangle 27">
             <a:extLst>
               <a:ext uri="{FF2B5EF4-FFF2-40B4-BE49-F238E27FC236}">
-                <a16:creationId xmlns:a16="http://schemas.microsoft.com/office/drawing/2014/main" xmlns="" id="{2FDF0794-1B86-42B2-B8C7-F60123E638ED}"/>
+                <a16:creationId xmlns="" xmlns:a16="http://schemas.microsoft.com/office/drawing/2014/main" id="{2FDF0794-1B86-42B2-B8C7-F60123E638ED}"/>
               </a:ext>
               <a:ext uri="{C183D7F6-B498-43B3-948B-1728B52AA6E4}">
-                <adec:decorative xmlns:adec="http://schemas.microsoft.com/office/drawing/2017/decorative" xmlns="" val="1"/>
+                <adec:decorative xmlns="" xmlns:adec="http://schemas.microsoft.com/office/drawing/2017/decorative" val="1"/>
               </a:ext>
             </a:extLst>
           </p:cNvPr>
@@ -7022,7 +8512,7 @@
           <p:nvPr>
             <p:extLst>
               <p:ext uri="{386F3935-93C4-4BCD-93E2-E3B085C9AB24}">
-                <p16:designElem xmlns:p16="http://schemas.microsoft.com/office/powerpoint/2015/main" xmlns="" val="1"/>
+                <p16:designElem xmlns="" xmlns:p16="http://schemas.microsoft.com/office/powerpoint/2015/main" val="1"/>
               </p:ext>
             </p:extLst>
           </p:nvPr>
@@ -7101,10 +8591,10 @@
           <p:cNvPr id="5" name="Picture 4">
             <a:extLst>
               <a:ext uri="{FF2B5EF4-FFF2-40B4-BE49-F238E27FC236}">
-                <a16:creationId xmlns:a16="http://schemas.microsoft.com/office/drawing/2014/main" xmlns="" id="{1FD526C9-A8C7-41E6-85BB-39F06C858A2B}"/>
+                <a16:creationId xmlns="" xmlns:a16="http://schemas.microsoft.com/office/drawing/2014/main" id="{1FD526C9-A8C7-41E6-85BB-39F06C858A2B}"/>
               </a:ext>
               <a:ext uri="{C183D7F6-B498-43B3-948B-1728B52AA6E4}">
-                <adec:decorative xmlns:adec="http://schemas.microsoft.com/office/drawing/2017/decorative" xmlns="" val="1"/>
+                <adec:decorative xmlns="" xmlns:adec="http://schemas.microsoft.com/office/drawing/2017/decorative" val="1"/>
               </a:ext>
             </a:extLst>
           </p:cNvPr>
@@ -7139,10 +8629,10 @@
           <p:cNvPr id="30" name="Rectangle 29">
             <a:extLst>
               <a:ext uri="{FF2B5EF4-FFF2-40B4-BE49-F238E27FC236}">
-                <a16:creationId xmlns:a16="http://schemas.microsoft.com/office/drawing/2014/main" xmlns="" id="{C5373426-E26E-431D-959C-5DB96C0B6208}"/>
+                <a16:creationId xmlns="" xmlns:a16="http://schemas.microsoft.com/office/drawing/2014/main" id="{C5373426-E26E-431D-959C-5DB96C0B6208}"/>
               </a:ext>
               <a:ext uri="{C183D7F6-B498-43B3-948B-1728B52AA6E4}">
-                <adec:decorative xmlns:adec="http://schemas.microsoft.com/office/drawing/2017/decorative" xmlns="" val="1"/>
+                <adec:decorative xmlns="" xmlns:adec="http://schemas.microsoft.com/office/drawing/2017/decorative" val="1"/>
               </a:ext>
             </a:extLst>
           </p:cNvPr>
@@ -7152,7 +8642,7 @@
           <p:nvPr>
             <p:extLst>
               <p:ext uri="{386F3935-93C4-4BCD-93E2-E3B085C9AB24}">
-                <p16:designElem xmlns:p16="http://schemas.microsoft.com/office/powerpoint/2015/main" xmlns="" val="1"/>
+                <p16:designElem xmlns="" xmlns:p16="http://schemas.microsoft.com/office/powerpoint/2015/main" val="1"/>
               </p:ext>
             </p:extLst>
           </p:nvPr>
@@ -7233,7 +8723,7 @@
           <p:cNvPr id="2" name="Title 1">
             <a:extLst>
               <a:ext uri="{FF2B5EF4-FFF2-40B4-BE49-F238E27FC236}">
-                <a16:creationId xmlns:a16="http://schemas.microsoft.com/office/drawing/2014/main" xmlns="" id="{9AB2EA78-AEB3-469B-9025-3B17201A457B}"/>
+                <a16:creationId xmlns="" xmlns:a16="http://schemas.microsoft.com/office/drawing/2014/main" id="{9AB2EA78-AEB3-469B-9025-3B17201A457B}"/>
               </a:ext>
             </a:extLst>
           </p:cNvPr>
@@ -7322,7 +8812,7 @@
           <p:cNvPr id="3" name="Subtitle 2">
             <a:extLst>
               <a:ext uri="{FF2B5EF4-FFF2-40B4-BE49-F238E27FC236}">
-                <a16:creationId xmlns:a16="http://schemas.microsoft.com/office/drawing/2014/main" xmlns="" id="{255E1F2F-E259-4EA8-9FFD-3A10AF541859}"/>
+                <a16:creationId xmlns="" xmlns:a16="http://schemas.microsoft.com/office/drawing/2014/main" id="{255E1F2F-E259-4EA8-9FFD-3A10AF541859}"/>
               </a:ext>
             </a:extLst>
           </p:cNvPr>
@@ -7479,10 +8969,10 @@
           <p:cNvPr id="32" name="Straight Connector 31">
             <a:extLst>
               <a:ext uri="{FF2B5EF4-FFF2-40B4-BE49-F238E27FC236}">
-                <a16:creationId xmlns:a16="http://schemas.microsoft.com/office/drawing/2014/main" xmlns="" id="{96D07482-83A3-4451-943C-B46961082957}"/>
+                <a16:creationId xmlns="" xmlns:a16="http://schemas.microsoft.com/office/drawing/2014/main" id="{96D07482-83A3-4451-943C-B46961082957}"/>
               </a:ext>
               <a:ext uri="{C183D7F6-B498-43B3-948B-1728B52AA6E4}">
-                <adec:decorative xmlns:adec="http://schemas.microsoft.com/office/drawing/2017/decorative" xmlns="" val="1"/>
+                <adec:decorative xmlns="" xmlns:adec="http://schemas.microsoft.com/office/drawing/2017/decorative" val="1"/>
               </a:ext>
             </a:extLst>
           </p:cNvPr>
@@ -7492,7 +8982,7 @@
           <p:nvPr>
             <p:extLst>
               <p:ext uri="{386F3935-93C4-4BCD-93E2-E3B085C9AB24}">
-                <p16:designElem xmlns:p16="http://schemas.microsoft.com/office/powerpoint/2015/main" xmlns="" val="1"/>
+                <p16:designElem xmlns="" xmlns:p16="http://schemas.microsoft.com/office/powerpoint/2015/main" val="1"/>
               </p:ext>
             </p:extLst>
           </p:nvPr>
@@ -7531,10 +9021,10 @@
           <p:cNvPr id="34" name="Rectangle 33">
             <a:extLst>
               <a:ext uri="{FF2B5EF4-FFF2-40B4-BE49-F238E27FC236}">
-                <a16:creationId xmlns:a16="http://schemas.microsoft.com/office/drawing/2014/main" xmlns="" id="{EDC90921-9082-491B-940E-827D679F3478}"/>
+                <a16:creationId xmlns="" xmlns:a16="http://schemas.microsoft.com/office/drawing/2014/main" id="{EDC90921-9082-491B-940E-827D679F3478}"/>
               </a:ext>
               <a:ext uri="{C183D7F6-B498-43B3-948B-1728B52AA6E4}">
-                <adec:decorative xmlns:adec="http://schemas.microsoft.com/office/drawing/2017/decorative" xmlns="" val="1"/>
+                <adec:decorative xmlns="" xmlns:adec="http://schemas.microsoft.com/office/drawing/2017/decorative" val="1"/>
               </a:ext>
             </a:extLst>
           </p:cNvPr>
@@ -7544,7 +9034,7 @@
           <p:nvPr>
             <p:extLst>
               <p:ext uri="{386F3935-93C4-4BCD-93E2-E3B085C9AB24}">
-                <p16:designElem xmlns:p16="http://schemas.microsoft.com/office/powerpoint/2015/main" xmlns="" val="1"/>
+                <p16:designElem xmlns="" xmlns:p16="http://schemas.microsoft.com/office/powerpoint/2015/main" val="1"/>
               </p:ext>
             </p:extLst>
           </p:nvPr>
@@ -7588,7 +9078,7 @@
           <p:cNvPr id="6" name="Picture 5">
             <a:extLst>
               <a:ext uri="{FF2B5EF4-FFF2-40B4-BE49-F238E27FC236}">
-                <a16:creationId xmlns:a16="http://schemas.microsoft.com/office/drawing/2014/main" xmlns="" id="{F55CA335-27AB-4E0D-9E35-E343C286EF17}"/>
+                <a16:creationId xmlns="" xmlns:a16="http://schemas.microsoft.com/office/drawing/2014/main" id="{F55CA335-27AB-4E0D-9E35-E343C286EF17}"/>
               </a:ext>
             </a:extLst>
           </p:cNvPr>
@@ -7658,7 +9148,7 @@
           <p:cNvPr id="2" name="Title 1">
             <a:extLst>
               <a:ext uri="{FF2B5EF4-FFF2-40B4-BE49-F238E27FC236}">
-                <a16:creationId xmlns:a16="http://schemas.microsoft.com/office/drawing/2014/main" xmlns="" id="{6EBE023E-188A-49E0-BA9E-146B52479E11}"/>
+                <a16:creationId xmlns="" xmlns:a16="http://schemas.microsoft.com/office/drawing/2014/main" id="{6EBE023E-188A-49E0-BA9E-146B52479E11}"/>
               </a:ext>
             </a:extLst>
           </p:cNvPr>
@@ -7675,8 +9165,24 @@
           <a:lstStyle/>
           <a:p>
             <a:r>
+              <a:rPr lang="id-ID" dirty="0" smtClean="0"/>
+              <a:t>Wireframe</a:t>
+            </a:r>
+            <a:r>
+              <a:rPr lang="en-US" dirty="0" smtClean="0"/>
+              <a:t> </a:t>
+            </a:r>
+            <a:r>
+              <a:rPr lang="en-US" dirty="0" err="1" smtClean="0"/>
+              <a:t>Balsamiq</a:t>
+            </a:r>
+            <a:r>
+              <a:rPr lang="id-ID" dirty="0" smtClean="0"/>
+              <a:t> </a:t>
+            </a:r>
+            <a:r>
               <a:rPr lang="id-ID" dirty="0"/>
-              <a:t>Wireframe(1) :</a:t>
+              <a:t>:</a:t>
             </a:r>
             <a:endParaRPr lang="en-ID" dirty="0"/>
           </a:p>
@@ -7687,7 +9193,7 @@
           <p:cNvPr id="10" name="Content Placeholder 9">
             <a:extLst>
               <a:ext uri="{FF2B5EF4-FFF2-40B4-BE49-F238E27FC236}">
-                <a16:creationId xmlns:a16="http://schemas.microsoft.com/office/drawing/2014/main" xmlns="" id="{0ACBF03A-29A7-421F-81A5-6F0DCD59757A}"/>
+                <a16:creationId xmlns="" xmlns:a16="http://schemas.microsoft.com/office/drawing/2014/main" id="{0ACBF03A-29A7-421F-81A5-6F0DCD59757A}"/>
               </a:ext>
             </a:extLst>
           </p:cNvPr>
@@ -7716,7 +9222,7 @@
           <p:cNvPr id="8" name="Picture 7">
             <a:extLst>
               <a:ext uri="{FF2B5EF4-FFF2-40B4-BE49-F238E27FC236}">
-                <a16:creationId xmlns:a16="http://schemas.microsoft.com/office/drawing/2014/main" xmlns="" id="{6C66F008-1098-4DF6-98D1-3FCAC0D5D7F6}"/>
+                <a16:creationId xmlns="" xmlns:a16="http://schemas.microsoft.com/office/drawing/2014/main" id="{6C66F008-1098-4DF6-98D1-3FCAC0D5D7F6}"/>
               </a:ext>
             </a:extLst>
           </p:cNvPr>
@@ -7746,7 +9252,7 @@
           <p:cNvPr id="12" name="Picture 11">
             <a:extLst>
               <a:ext uri="{FF2B5EF4-FFF2-40B4-BE49-F238E27FC236}">
-                <a16:creationId xmlns:a16="http://schemas.microsoft.com/office/drawing/2014/main" xmlns="" id="{3A496701-BA63-4763-BB5A-51FF9A616EED}"/>
+                <a16:creationId xmlns="" xmlns:a16="http://schemas.microsoft.com/office/drawing/2014/main" id="{3A496701-BA63-4763-BB5A-51FF9A616EED}"/>
               </a:ext>
             </a:extLst>
           </p:cNvPr>
@@ -7776,7 +9282,7 @@
           <p:cNvPr id="14" name="Picture 13">
             <a:extLst>
               <a:ext uri="{FF2B5EF4-FFF2-40B4-BE49-F238E27FC236}">
-                <a16:creationId xmlns:a16="http://schemas.microsoft.com/office/drawing/2014/main" xmlns="" id="{756D8A49-5153-4A60-87CA-FBB094B622EF}"/>
+                <a16:creationId xmlns="" xmlns:a16="http://schemas.microsoft.com/office/drawing/2014/main" id="{756D8A49-5153-4A60-87CA-FBB094B622EF}"/>
               </a:ext>
             </a:extLst>
           </p:cNvPr>
@@ -7836,7 +9342,7 @@
           <p:cNvPr id="2" name="Title 1">
             <a:extLst>
               <a:ext uri="{FF2B5EF4-FFF2-40B4-BE49-F238E27FC236}">
-                <a16:creationId xmlns:a16="http://schemas.microsoft.com/office/drawing/2014/main" xmlns="" id="{0F4BA51F-CD2D-449C-BE7E-36C2F1FF9A5D}"/>
+                <a16:creationId xmlns="" xmlns:a16="http://schemas.microsoft.com/office/drawing/2014/main" id="{0F4BA51F-CD2D-449C-BE7E-36C2F1FF9A5D}"/>
               </a:ext>
             </a:extLst>
           </p:cNvPr>
@@ -7853,8 +9359,20 @@
           <a:lstStyle/>
           <a:p>
             <a:r>
-              <a:rPr lang="id-ID" dirty="0"/>
-              <a:t>Wireframe(2)</a:t>
+              <a:rPr lang="id-ID" dirty="0" smtClean="0"/>
+              <a:t>Wireframe</a:t>
+            </a:r>
+            <a:r>
+              <a:rPr lang="en-US" dirty="0" smtClean="0"/>
+              <a:t> </a:t>
+            </a:r>
+            <a:r>
+              <a:rPr lang="en-US" dirty="0" err="1" smtClean="0"/>
+              <a:t>Balsamiq</a:t>
+            </a:r>
+            <a:r>
+              <a:rPr lang="en-US" dirty="0" smtClean="0"/>
+              <a:t> :</a:t>
             </a:r>
             <a:endParaRPr lang="en-ID" dirty="0"/>
           </a:p>
@@ -7865,7 +9383,7 @@
           <p:cNvPr id="7" name="Content Placeholder 6">
             <a:extLst>
               <a:ext uri="{FF2B5EF4-FFF2-40B4-BE49-F238E27FC236}">
-                <a16:creationId xmlns:a16="http://schemas.microsoft.com/office/drawing/2014/main" xmlns="" id="{61BCA3BC-B2D5-4DCC-834B-02E4632FAAF4}"/>
+                <a16:creationId xmlns="" xmlns:a16="http://schemas.microsoft.com/office/drawing/2014/main" id="{61BCA3BC-B2D5-4DCC-834B-02E4632FAAF4}"/>
               </a:ext>
             </a:extLst>
           </p:cNvPr>
@@ -7894,7 +9412,7 @@
           <p:cNvPr id="5" name="Picture 4">
             <a:extLst>
               <a:ext uri="{FF2B5EF4-FFF2-40B4-BE49-F238E27FC236}">
-                <a16:creationId xmlns:a16="http://schemas.microsoft.com/office/drawing/2014/main" xmlns="" id="{DF966FCA-55CA-4230-AD82-1E7360F1CF28}"/>
+                <a16:creationId xmlns="" xmlns:a16="http://schemas.microsoft.com/office/drawing/2014/main" id="{DF966FCA-55CA-4230-AD82-1E7360F1CF28}"/>
               </a:ext>
             </a:extLst>
           </p:cNvPr>
@@ -7924,7 +9442,7 @@
           <p:cNvPr id="9" name="Picture 8">
             <a:extLst>
               <a:ext uri="{FF2B5EF4-FFF2-40B4-BE49-F238E27FC236}">
-                <a16:creationId xmlns:a16="http://schemas.microsoft.com/office/drawing/2014/main" xmlns="" id="{8622B8D8-CF58-44B7-B42A-09303BD735AD}"/>
+                <a16:creationId xmlns="" xmlns:a16="http://schemas.microsoft.com/office/drawing/2014/main" id="{8622B8D8-CF58-44B7-B42A-09303BD735AD}"/>
               </a:ext>
             </a:extLst>
           </p:cNvPr>
@@ -7954,7 +9472,7 @@
           <p:cNvPr id="11" name="Picture 10">
             <a:extLst>
               <a:ext uri="{FF2B5EF4-FFF2-40B4-BE49-F238E27FC236}">
-                <a16:creationId xmlns:a16="http://schemas.microsoft.com/office/drawing/2014/main" xmlns="" id="{88E4DBA7-09AD-47A4-A3D6-04786EFF0719}"/>
+                <a16:creationId xmlns="" xmlns:a16="http://schemas.microsoft.com/office/drawing/2014/main" id="{88E4DBA7-09AD-47A4-A3D6-04786EFF0719}"/>
               </a:ext>
             </a:extLst>
           </p:cNvPr>
@@ -8014,7 +9532,7 @@
           <p:cNvPr id="2" name="Title 1">
             <a:extLst>
               <a:ext uri="{FF2B5EF4-FFF2-40B4-BE49-F238E27FC236}">
-                <a16:creationId xmlns:a16="http://schemas.microsoft.com/office/drawing/2014/main" xmlns="" id="{511BCC53-0819-4EC0-BE11-6C3BF969B137}"/>
+                <a16:creationId xmlns="" xmlns:a16="http://schemas.microsoft.com/office/drawing/2014/main" id="{511BCC53-0819-4EC0-BE11-6C3BF969B137}"/>
               </a:ext>
             </a:extLst>
           </p:cNvPr>
@@ -8032,7 +9550,27 @@
           <a:p>
             <a:r>
               <a:rPr lang="id-ID" dirty="0"/>
-              <a:t>UI MockUp (1):</a:t>
+              <a:t>UI </a:t>
+            </a:r>
+            <a:r>
+              <a:rPr lang="id-ID" dirty="0" smtClean="0"/>
+              <a:t>MockUp</a:t>
+            </a:r>
+            <a:r>
+              <a:rPr lang="en-US" dirty="0" smtClean="0"/>
+              <a:t> </a:t>
+            </a:r>
+            <a:r>
+              <a:rPr lang="en-US" dirty="0" err="1" smtClean="0"/>
+              <a:t>Figma</a:t>
+            </a:r>
+            <a:r>
+              <a:rPr lang="en-US" dirty="0" smtClean="0"/>
+              <a:t> </a:t>
+            </a:r>
+            <a:r>
+              <a:rPr lang="id-ID" dirty="0" smtClean="0"/>
+              <a:t>:</a:t>
             </a:r>
             <a:endParaRPr lang="en-ID" dirty="0"/>
           </a:p>
@@ -8043,7 +9581,7 @@
           <p:cNvPr id="5" name="Content Placeholder 4">
             <a:extLst>
               <a:ext uri="{FF2B5EF4-FFF2-40B4-BE49-F238E27FC236}">
-                <a16:creationId xmlns:a16="http://schemas.microsoft.com/office/drawing/2014/main" xmlns="" id="{30B95ADD-625B-48BA-BEBE-BB7C5FDBDC7A}"/>
+                <a16:creationId xmlns="" xmlns:a16="http://schemas.microsoft.com/office/drawing/2014/main" id="{30B95ADD-625B-48BA-BEBE-BB7C5FDBDC7A}"/>
               </a:ext>
             </a:extLst>
           </p:cNvPr>
@@ -8072,7 +9610,7 @@
           <p:cNvPr id="7" name="Picture 6">
             <a:extLst>
               <a:ext uri="{FF2B5EF4-FFF2-40B4-BE49-F238E27FC236}">
-                <a16:creationId xmlns:a16="http://schemas.microsoft.com/office/drawing/2014/main" xmlns="" id="{0DF94676-88BA-48F7-B058-F8E6AA8248DF}"/>
+                <a16:creationId xmlns="" xmlns:a16="http://schemas.microsoft.com/office/drawing/2014/main" id="{0DF94676-88BA-48F7-B058-F8E6AA8248DF}"/>
               </a:ext>
             </a:extLst>
           </p:cNvPr>
@@ -8102,7 +9640,7 @@
           <p:cNvPr id="9" name="Picture 8">
             <a:extLst>
               <a:ext uri="{FF2B5EF4-FFF2-40B4-BE49-F238E27FC236}">
-                <a16:creationId xmlns:a16="http://schemas.microsoft.com/office/drawing/2014/main" xmlns="" id="{08F17470-7113-422F-83A2-4C360B6B3EF1}"/>
+                <a16:creationId xmlns="" xmlns:a16="http://schemas.microsoft.com/office/drawing/2014/main" id="{08F17470-7113-422F-83A2-4C360B6B3EF1}"/>
               </a:ext>
             </a:extLst>
           </p:cNvPr>
@@ -8132,7 +9670,7 @@
           <p:cNvPr id="11" name="Picture 10">
             <a:extLst>
               <a:ext uri="{FF2B5EF4-FFF2-40B4-BE49-F238E27FC236}">
-                <a16:creationId xmlns:a16="http://schemas.microsoft.com/office/drawing/2014/main" xmlns="" id="{0EFAF403-124C-4F14-A634-3E26562010B5}"/>
+                <a16:creationId xmlns="" xmlns:a16="http://schemas.microsoft.com/office/drawing/2014/main" id="{0EFAF403-124C-4F14-A634-3E26562010B5}"/>
               </a:ext>
             </a:extLst>
           </p:cNvPr>
@@ -8192,7 +9730,7 @@
           <p:cNvPr id="2" name="Title 1">
             <a:extLst>
               <a:ext uri="{FF2B5EF4-FFF2-40B4-BE49-F238E27FC236}">
-                <a16:creationId xmlns:a16="http://schemas.microsoft.com/office/drawing/2014/main" xmlns="" id="{1A5AF452-85B5-4181-993D-F646DE417407}"/>
+                <a16:creationId xmlns="" xmlns:a16="http://schemas.microsoft.com/office/drawing/2014/main" id="{1A5AF452-85B5-4181-993D-F646DE417407}"/>
               </a:ext>
             </a:extLst>
           </p:cNvPr>
@@ -8210,19 +9748,15 @@
           <a:p>
             <a:r>
               <a:rPr lang="en-US" dirty="0" smtClean="0"/>
-              <a:t>Mockup</a:t>
-            </a:r>
-            <a:r>
-              <a:rPr lang="id-ID" dirty="0" smtClean="0"/>
-              <a:t>(</a:t>
+              <a:t>UI Mockup </a:t>
+            </a:r>
+            <a:r>
+              <a:rPr lang="en-US" dirty="0" err="1" smtClean="0"/>
+              <a:t>Figma</a:t>
             </a:r>
             <a:r>
               <a:rPr lang="en-US" smtClean="0"/>
-              <a:t>2</a:t>
-            </a:r>
-            <a:r>
-              <a:rPr lang="id-ID" smtClean="0"/>
-              <a:t>):</a:t>
+              <a:t> :</a:t>
             </a:r>
             <a:endParaRPr lang="en-ID" dirty="0"/>
           </a:p>
@@ -8233,7 +9767,7 @@
           <p:cNvPr id="5" name="Content Placeholder 4">
             <a:extLst>
               <a:ext uri="{FF2B5EF4-FFF2-40B4-BE49-F238E27FC236}">
-                <a16:creationId xmlns:a16="http://schemas.microsoft.com/office/drawing/2014/main" xmlns="" id="{6B921C7E-6F75-4641-8111-46007218D14A}"/>
+                <a16:creationId xmlns="" xmlns:a16="http://schemas.microsoft.com/office/drawing/2014/main" id="{6B921C7E-6F75-4641-8111-46007218D14A}"/>
               </a:ext>
             </a:extLst>
           </p:cNvPr>
@@ -8262,7 +9796,7 @@
           <p:cNvPr id="7" name="Picture 6">
             <a:extLst>
               <a:ext uri="{FF2B5EF4-FFF2-40B4-BE49-F238E27FC236}">
-                <a16:creationId xmlns:a16="http://schemas.microsoft.com/office/drawing/2014/main" xmlns="" id="{6BFC220A-C45A-4C80-BF35-1ED7CC6264F3}"/>
+                <a16:creationId xmlns="" xmlns:a16="http://schemas.microsoft.com/office/drawing/2014/main" id="{6BFC220A-C45A-4C80-BF35-1ED7CC6264F3}"/>
               </a:ext>
             </a:extLst>
           </p:cNvPr>
@@ -8292,7 +9826,7 @@
           <p:cNvPr id="9" name="Picture 8">
             <a:extLst>
               <a:ext uri="{FF2B5EF4-FFF2-40B4-BE49-F238E27FC236}">
-                <a16:creationId xmlns:a16="http://schemas.microsoft.com/office/drawing/2014/main" xmlns="" id="{4264EDF2-EBF5-48A4-A209-6D8DD0B7B770}"/>
+                <a16:creationId xmlns="" xmlns:a16="http://schemas.microsoft.com/office/drawing/2014/main" id="{4264EDF2-EBF5-48A4-A209-6D8DD0B7B770}"/>
               </a:ext>
             </a:extLst>
           </p:cNvPr>
@@ -8322,7 +9856,7 @@
           <p:cNvPr id="11" name="Picture 10">
             <a:extLst>
               <a:ext uri="{FF2B5EF4-FFF2-40B4-BE49-F238E27FC236}">
-                <a16:creationId xmlns:a16="http://schemas.microsoft.com/office/drawing/2014/main" xmlns="" id="{3A027D20-3C53-4C41-B9FF-2A8877FB7D6F}"/>
+                <a16:creationId xmlns="" xmlns:a16="http://schemas.microsoft.com/office/drawing/2014/main" id="{3A027D20-3C53-4C41-B9FF-2A8877FB7D6F}"/>
               </a:ext>
             </a:extLst>
           </p:cNvPr>
@@ -8382,7 +9916,7 @@
           <p:cNvPr id="2" name="Title 1">
             <a:extLst>
               <a:ext uri="{FF2B5EF4-FFF2-40B4-BE49-F238E27FC236}">
-                <a16:creationId xmlns:a16="http://schemas.microsoft.com/office/drawing/2014/main" xmlns="" id="{6D83915E-4D43-48A5-A47B-0CCD1E34F389}"/>
+                <a16:creationId xmlns="" xmlns:a16="http://schemas.microsoft.com/office/drawing/2014/main" id="{6D83915E-4D43-48A5-A47B-0CCD1E34F389}"/>
               </a:ext>
             </a:extLst>
           </p:cNvPr>
@@ -8407,7 +9941,7 @@
           <p:cNvPr id="1026" name="Picture 2" descr="18 Delicious Ways to Say Thank You">
             <a:extLst>
               <a:ext uri="{FF2B5EF4-FFF2-40B4-BE49-F238E27FC236}">
-                <a16:creationId xmlns:a16="http://schemas.microsoft.com/office/drawing/2014/main" xmlns="" id="{4D2FEDF6-2832-423A-8614-E6FF11632660}"/>
+                <a16:creationId xmlns="" xmlns:a16="http://schemas.microsoft.com/office/drawing/2014/main" id="{4D2FEDF6-2832-423A-8614-E6FF11632660}"/>
               </a:ext>
             </a:extLst>
           </p:cNvPr>
@@ -8505,10 +10039,10 @@
           <p:cNvPr id="10" name="Rectangle 9">
             <a:extLst>
               <a:ext uri="{FF2B5EF4-FFF2-40B4-BE49-F238E27FC236}">
-                <a16:creationId xmlns:a16="http://schemas.microsoft.com/office/drawing/2014/main" xmlns="" id="{EE1530B0-6F96-46C0-8B3E-3215CB756BE4}"/>
+                <a16:creationId xmlns="" xmlns:a16="http://schemas.microsoft.com/office/drawing/2014/main" id="{EE1530B0-6F96-46C0-8B3E-3215CB756BE4}"/>
               </a:ext>
               <a:ext uri="{C183D7F6-B498-43B3-948B-1728B52AA6E4}">
-                <adec:decorative xmlns:adec="http://schemas.microsoft.com/office/drawing/2017/decorative" xmlns="" val="1"/>
+                <adec:decorative xmlns="" xmlns:adec="http://schemas.microsoft.com/office/drawing/2017/decorative" val="1"/>
               </a:ext>
             </a:extLst>
           </p:cNvPr>
@@ -8518,7 +10052,7 @@
           <p:nvPr>
             <p:extLst>
               <p:ext uri="{386F3935-93C4-4BCD-93E2-E3B085C9AB24}">
-                <p16:designElem xmlns:p16="http://schemas.microsoft.com/office/powerpoint/2015/main" xmlns="" val="1"/>
+                <p16:designElem xmlns="" xmlns:p16="http://schemas.microsoft.com/office/powerpoint/2015/main" val="1"/>
               </p:ext>
             </p:extLst>
           </p:nvPr>
@@ -8594,10 +10128,10 @@
           <p:cNvPr id="12" name="Rectangle 11">
             <a:extLst>
               <a:ext uri="{FF2B5EF4-FFF2-40B4-BE49-F238E27FC236}">
-                <a16:creationId xmlns:a16="http://schemas.microsoft.com/office/drawing/2014/main" xmlns="" id="{754910CF-1B56-45D3-960A-E89F7B3B9131}"/>
+                <a16:creationId xmlns="" xmlns:a16="http://schemas.microsoft.com/office/drawing/2014/main" id="{754910CF-1B56-45D3-960A-E89F7B3B9131}"/>
               </a:ext>
               <a:ext uri="{C183D7F6-B498-43B3-948B-1728B52AA6E4}">
-                <adec:decorative xmlns:adec="http://schemas.microsoft.com/office/drawing/2017/decorative" xmlns="" val="1"/>
+                <adec:decorative xmlns="" xmlns:adec="http://schemas.microsoft.com/office/drawing/2017/decorative" val="1"/>
               </a:ext>
             </a:extLst>
           </p:cNvPr>
@@ -8607,7 +10141,7 @@
           <p:nvPr>
             <p:extLst>
               <p:ext uri="{386F3935-93C4-4BCD-93E2-E3B085C9AB24}">
-                <p16:designElem xmlns:p16="http://schemas.microsoft.com/office/powerpoint/2015/main" xmlns="" val="1"/>
+                <p16:designElem xmlns="" xmlns:p16="http://schemas.microsoft.com/office/powerpoint/2015/main" val="1"/>
               </p:ext>
             </p:extLst>
           </p:nvPr>
@@ -8652,7 +10186,7 @@
           <p:cNvPr id="2" name="Title 1">
             <a:extLst>
               <a:ext uri="{FF2B5EF4-FFF2-40B4-BE49-F238E27FC236}">
-                <a16:creationId xmlns:a16="http://schemas.microsoft.com/office/drawing/2014/main" xmlns="" id="{0AE422CB-EBC9-4703-870C-8981A495893A}"/>
+                <a16:creationId xmlns="" xmlns:a16="http://schemas.microsoft.com/office/drawing/2014/main" id="{0AE422CB-EBC9-4703-870C-8981A495893A}"/>
               </a:ext>
             </a:extLst>
           </p:cNvPr>
@@ -8726,7 +10260,7 @@
           <p:cNvPr id="7" name="Content Placeholder 2" descr="SmartArt timeline">
             <a:extLst>
               <a:ext uri="{FF2B5EF4-FFF2-40B4-BE49-F238E27FC236}">
-                <a16:creationId xmlns:a16="http://schemas.microsoft.com/office/drawing/2014/main" xmlns="" id="{4279E28C-3AD3-4230-B1D6-C039672D128D}"/>
+                <a16:creationId xmlns="" xmlns:a16="http://schemas.microsoft.com/office/drawing/2014/main" id="{4279E28C-3AD3-4230-B1D6-C039672D128D}"/>
               </a:ext>
             </a:extLst>
           </p:cNvPr>
@@ -8757,7 +10291,7 @@
           <p:cNvPr id="5" name="TextBox 4">
             <a:extLst>
               <a:ext uri="{FF2B5EF4-FFF2-40B4-BE49-F238E27FC236}">
-                <a16:creationId xmlns:a16="http://schemas.microsoft.com/office/drawing/2014/main" xmlns="" id="{D06B16B5-88AA-4604-837D-6BDCC51BD8EC}"/>
+                <a16:creationId xmlns="" xmlns:a16="http://schemas.microsoft.com/office/drawing/2014/main" id="{D06B16B5-88AA-4604-837D-6BDCC51BD8EC}"/>
               </a:ext>
             </a:extLst>
           </p:cNvPr>
@@ -8817,7 +10351,7 @@
           <p:cNvPr id="9" name="TextBox 8">
             <a:extLst>
               <a:ext uri="{FF2B5EF4-FFF2-40B4-BE49-F238E27FC236}">
-                <a16:creationId xmlns:a16="http://schemas.microsoft.com/office/drawing/2014/main" xmlns="" id="{DA2F5D40-542A-450D-A8A0-C8907DA8CB0A}"/>
+                <a16:creationId xmlns="" xmlns:a16="http://schemas.microsoft.com/office/drawing/2014/main" id="{DA2F5D40-542A-450D-A8A0-C8907DA8CB0A}"/>
               </a:ext>
             </a:extLst>
           </p:cNvPr>
@@ -8866,7 +10400,7 @@
           <p:cNvPr id="11" name="TextBox 10">
             <a:extLst>
               <a:ext uri="{FF2B5EF4-FFF2-40B4-BE49-F238E27FC236}">
-                <a16:creationId xmlns:a16="http://schemas.microsoft.com/office/drawing/2014/main" xmlns="" id="{4ED51CC3-7AFB-4A3A-8569-5C09EB04039F}"/>
+                <a16:creationId xmlns="" xmlns:a16="http://schemas.microsoft.com/office/drawing/2014/main" id="{4ED51CC3-7AFB-4A3A-8569-5C09EB04039F}"/>
               </a:ext>
             </a:extLst>
           </p:cNvPr>
@@ -8906,7 +10440,7 @@
           <p:cNvPr id="6" name="TextBox 5">
             <a:extLst>
               <a:ext uri="{FF2B5EF4-FFF2-40B4-BE49-F238E27FC236}">
-                <a16:creationId xmlns:a16="http://schemas.microsoft.com/office/drawing/2014/main" xmlns="" id="{617CB656-3B9C-4011-A595-BBF5F6F9E8FC}"/>
+                <a16:creationId xmlns="" xmlns:a16="http://schemas.microsoft.com/office/drawing/2014/main" id="{617CB656-3B9C-4011-A595-BBF5F6F9E8FC}"/>
               </a:ext>
             </a:extLst>
           </p:cNvPr>
@@ -8942,7 +10476,7 @@
           <p:cNvPr id="14" name="TextBox 13">
             <a:extLst>
               <a:ext uri="{FF2B5EF4-FFF2-40B4-BE49-F238E27FC236}">
-                <a16:creationId xmlns:a16="http://schemas.microsoft.com/office/drawing/2014/main" xmlns="" id="{C39FA87F-B494-4922-B4C6-8CEAE2193DD1}"/>
+                <a16:creationId xmlns="" xmlns:a16="http://schemas.microsoft.com/office/drawing/2014/main" id="{C39FA87F-B494-4922-B4C6-8CEAE2193DD1}"/>
               </a:ext>
             </a:extLst>
           </p:cNvPr>
@@ -9014,7 +10548,7 @@
           <p:cNvPr id="15" name="TextBox 14">
             <a:extLst>
               <a:ext uri="{FF2B5EF4-FFF2-40B4-BE49-F238E27FC236}">
-                <a16:creationId xmlns:a16="http://schemas.microsoft.com/office/drawing/2014/main" xmlns="" id="{9AF6ED4D-340D-4F09-8E4A-8FBB47B7644D}"/>
+                <a16:creationId xmlns="" xmlns:a16="http://schemas.microsoft.com/office/drawing/2014/main" id="{9AF6ED4D-340D-4F09-8E4A-8FBB47B7644D}"/>
               </a:ext>
             </a:extLst>
           </p:cNvPr>
@@ -9050,7 +10584,7 @@
           <p:cNvPr id="16" name="TextBox 15">
             <a:extLst>
               <a:ext uri="{FF2B5EF4-FFF2-40B4-BE49-F238E27FC236}">
-                <a16:creationId xmlns:a16="http://schemas.microsoft.com/office/drawing/2014/main" xmlns="" id="{EC0D4EEA-8F40-422B-8C1B-D536876B0456}"/>
+                <a16:creationId xmlns="" xmlns:a16="http://schemas.microsoft.com/office/drawing/2014/main" id="{EC0D4EEA-8F40-422B-8C1B-D536876B0456}"/>
               </a:ext>
             </a:extLst>
           </p:cNvPr>
@@ -9129,7 +10663,7 @@
           <p:cNvPr id="2" name="Title 1">
             <a:extLst>
               <a:ext uri="{FF2B5EF4-FFF2-40B4-BE49-F238E27FC236}">
-                <a16:creationId xmlns:a16="http://schemas.microsoft.com/office/drawing/2014/main" xmlns="" id="{5E39B8C0-1465-4066-9512-A85F5D218C3D}"/>
+                <a16:creationId xmlns="" xmlns:a16="http://schemas.microsoft.com/office/drawing/2014/main" id="{5E39B8C0-1465-4066-9512-A85F5D218C3D}"/>
               </a:ext>
             </a:extLst>
           </p:cNvPr>
@@ -9158,7 +10692,7 @@
           <p:cNvPr id="3" name="Content Placeholder 2">
             <a:extLst>
               <a:ext uri="{FF2B5EF4-FFF2-40B4-BE49-F238E27FC236}">
-                <a16:creationId xmlns:a16="http://schemas.microsoft.com/office/drawing/2014/main" xmlns="" id="{48FAA0E1-D520-423C-982F-7E5834BF392D}"/>
+                <a16:creationId xmlns="" xmlns:a16="http://schemas.microsoft.com/office/drawing/2014/main" id="{48FAA0E1-D520-423C-982F-7E5834BF392D}"/>
               </a:ext>
             </a:extLst>
           </p:cNvPr>
@@ -9260,7 +10794,7 @@
           <p:cNvPr id="2" name="Title 1">
             <a:extLst>
               <a:ext uri="{FF2B5EF4-FFF2-40B4-BE49-F238E27FC236}">
-                <a16:creationId xmlns:a16="http://schemas.microsoft.com/office/drawing/2014/main" xmlns="" id="{21598576-CDA2-44DC-98BD-8D04CD29C8B7}"/>
+                <a16:creationId xmlns="" xmlns:a16="http://schemas.microsoft.com/office/drawing/2014/main" id="{21598576-CDA2-44DC-98BD-8D04CD29C8B7}"/>
               </a:ext>
             </a:extLst>
           </p:cNvPr>
@@ -9289,7 +10823,7 @@
           <p:cNvPr id="3" name="Content Placeholder 2">
             <a:extLst>
               <a:ext uri="{FF2B5EF4-FFF2-40B4-BE49-F238E27FC236}">
-                <a16:creationId xmlns:a16="http://schemas.microsoft.com/office/drawing/2014/main" xmlns="" id="{6A9C4143-3A3D-4B35-A08C-198B60A334CB}"/>
+                <a16:creationId xmlns="" xmlns:a16="http://schemas.microsoft.com/office/drawing/2014/main" id="{6A9C4143-3A3D-4B35-A08C-198B60A334CB}"/>
               </a:ext>
             </a:extLst>
           </p:cNvPr>
@@ -9570,7 +11104,7 @@
           <p:cNvPr id="2" name="Title 1">
             <a:extLst>
               <a:ext uri="{FF2B5EF4-FFF2-40B4-BE49-F238E27FC236}">
-                <a16:creationId xmlns:a16="http://schemas.microsoft.com/office/drawing/2014/main" xmlns="" id="{F5C5039C-47A1-434B-9B69-40576A8E5B9D}"/>
+                <a16:creationId xmlns="" xmlns:a16="http://schemas.microsoft.com/office/drawing/2014/main" id="{F5C5039C-47A1-434B-9B69-40576A8E5B9D}"/>
               </a:ext>
             </a:extLst>
           </p:cNvPr>
@@ -9599,7 +11133,7 @@
           <p:cNvPr id="3" name="Content Placeholder 2">
             <a:extLst>
               <a:ext uri="{FF2B5EF4-FFF2-40B4-BE49-F238E27FC236}">
-                <a16:creationId xmlns:a16="http://schemas.microsoft.com/office/drawing/2014/main" xmlns="" id="{F410B362-7F8C-4DC7-81B9-FD349D8DEE11}"/>
+                <a16:creationId xmlns="" xmlns:a16="http://schemas.microsoft.com/office/drawing/2014/main" id="{F410B362-7F8C-4DC7-81B9-FD349D8DEE11}"/>
               </a:ext>
             </a:extLst>
           </p:cNvPr>
@@ -9624,7 +11158,7 @@
           <p:cNvPr id="4" name="Rectangle 3">
             <a:extLst>
               <a:ext uri="{FF2B5EF4-FFF2-40B4-BE49-F238E27FC236}">
-                <a16:creationId xmlns:a16="http://schemas.microsoft.com/office/drawing/2014/main" xmlns="" id="{4DEF01B8-F6D7-415A-9DA7-5B3972BEBC41}"/>
+                <a16:creationId xmlns="" xmlns:a16="http://schemas.microsoft.com/office/drawing/2014/main" id="{4DEF01B8-F6D7-415A-9DA7-5B3972BEBC41}"/>
               </a:ext>
             </a:extLst>
           </p:cNvPr>
@@ -9672,7 +11206,7 @@
           <p:cNvPr id="5" name="Rectangle 4">
             <a:extLst>
               <a:ext uri="{FF2B5EF4-FFF2-40B4-BE49-F238E27FC236}">
-                <a16:creationId xmlns:a16="http://schemas.microsoft.com/office/drawing/2014/main" xmlns="" id="{62D45BB0-6F28-43AA-B335-A73FEE976594}"/>
+                <a16:creationId xmlns="" xmlns:a16="http://schemas.microsoft.com/office/drawing/2014/main" id="{62D45BB0-6F28-43AA-B335-A73FEE976594}"/>
               </a:ext>
             </a:extLst>
           </p:cNvPr>
@@ -9750,7 +11284,7 @@
           <p:cNvPr id="2" name="Title 1">
             <a:extLst>
               <a:ext uri="{FF2B5EF4-FFF2-40B4-BE49-F238E27FC236}">
-                <a16:creationId xmlns:a16="http://schemas.microsoft.com/office/drawing/2014/main" xmlns="" id="{FA310619-30F9-4919-AB15-5627B1EFFF93}"/>
+                <a16:creationId xmlns="" xmlns:a16="http://schemas.microsoft.com/office/drawing/2014/main" id="{FA310619-30F9-4919-AB15-5627B1EFFF93}"/>
               </a:ext>
             </a:extLst>
           </p:cNvPr>
@@ -9779,7 +11313,7 @@
           <p:cNvPr id="3" name="Content Placeholder 2">
             <a:extLst>
               <a:ext uri="{FF2B5EF4-FFF2-40B4-BE49-F238E27FC236}">
-                <a16:creationId xmlns:a16="http://schemas.microsoft.com/office/drawing/2014/main" xmlns="" id="{2DA6CEF7-FD7F-4F6E-A499-26CA66FBBCAA}"/>
+                <a16:creationId xmlns="" xmlns:a16="http://schemas.microsoft.com/office/drawing/2014/main" id="{2DA6CEF7-FD7F-4F6E-A499-26CA66FBBCAA}"/>
               </a:ext>
             </a:extLst>
           </p:cNvPr>
@@ -9974,7 +11508,7 @@
           <p:cNvPr id="2" name="Title 1">
             <a:extLst>
               <a:ext uri="{FF2B5EF4-FFF2-40B4-BE49-F238E27FC236}">
-                <a16:creationId xmlns:a16="http://schemas.microsoft.com/office/drawing/2014/main" xmlns="" id="{60B573A2-69C0-4CDF-8863-67B9B5AF4A7C}"/>
+                <a16:creationId xmlns="" xmlns:a16="http://schemas.microsoft.com/office/drawing/2014/main" id="{60B573A2-69C0-4CDF-8863-67B9B5AF4A7C}"/>
               </a:ext>
             </a:extLst>
           </p:cNvPr>
@@ -10003,7 +11537,7 @@
           <p:cNvPr id="3" name="Content Placeholder 2">
             <a:extLst>
               <a:ext uri="{FF2B5EF4-FFF2-40B4-BE49-F238E27FC236}">
-                <a16:creationId xmlns:a16="http://schemas.microsoft.com/office/drawing/2014/main" xmlns="" id="{C5056C86-0DEA-40BE-850E-AC484EA93D68}"/>
+                <a16:creationId xmlns="" xmlns:a16="http://schemas.microsoft.com/office/drawing/2014/main" id="{C5056C86-0DEA-40BE-850E-AC484EA93D68}"/>
               </a:ext>
             </a:extLst>
           </p:cNvPr>
@@ -10028,7 +11562,7 @@
           <p:cNvPr id="5" name="Picture 4">
             <a:extLst>
               <a:ext uri="{FF2B5EF4-FFF2-40B4-BE49-F238E27FC236}">
-                <a16:creationId xmlns:a16="http://schemas.microsoft.com/office/drawing/2014/main" xmlns="" id="{61AB57A0-6C5F-4E23-B53C-6F268DBBB894}"/>
+                <a16:creationId xmlns="" xmlns:a16="http://schemas.microsoft.com/office/drawing/2014/main" id="{61AB57A0-6C5F-4E23-B53C-6F268DBBB894}"/>
               </a:ext>
             </a:extLst>
           </p:cNvPr>
@@ -10088,7 +11622,7 @@
           <p:cNvPr id="2" name="Title 1">
             <a:extLst>
               <a:ext uri="{FF2B5EF4-FFF2-40B4-BE49-F238E27FC236}">
-                <a16:creationId xmlns:a16="http://schemas.microsoft.com/office/drawing/2014/main" xmlns="" id="{220061C7-D007-48AD-99B0-5B0B9F1CC0D0}"/>
+                <a16:creationId xmlns="" xmlns:a16="http://schemas.microsoft.com/office/drawing/2014/main" id="{220061C7-D007-48AD-99B0-5B0B9F1CC0D0}"/>
               </a:ext>
             </a:extLst>
           </p:cNvPr>
@@ -10117,7 +11651,7 @@
           <p:cNvPr id="5" name="Content Placeholder 4">
             <a:extLst>
               <a:ext uri="{FF2B5EF4-FFF2-40B4-BE49-F238E27FC236}">
-                <a16:creationId xmlns:a16="http://schemas.microsoft.com/office/drawing/2014/main" xmlns="" id="{E3D58B5F-3CC1-481F-BDFE-E2DD47D9BCA2}"/>
+                <a16:creationId xmlns="" xmlns:a16="http://schemas.microsoft.com/office/drawing/2014/main" id="{E3D58B5F-3CC1-481F-BDFE-E2DD47D9BCA2}"/>
               </a:ext>
             </a:extLst>
           </p:cNvPr>
@@ -10176,7 +11710,7 @@
           <p:cNvPr id="2" name="Title 1">
             <a:extLst>
               <a:ext uri="{FF2B5EF4-FFF2-40B4-BE49-F238E27FC236}">
-                <a16:creationId xmlns:a16="http://schemas.microsoft.com/office/drawing/2014/main" xmlns="" id="{C4122BC6-D897-4533-82E1-445FD7B6311C}"/>
+                <a16:creationId xmlns="" xmlns:a16="http://schemas.microsoft.com/office/drawing/2014/main" id="{C4122BC6-D897-4533-82E1-445FD7B6311C}"/>
               </a:ext>
             </a:extLst>
           </p:cNvPr>
@@ -10205,7 +11739,7 @@
           <p:cNvPr id="3" name="Content Placeholder 2">
             <a:extLst>
               <a:ext uri="{FF2B5EF4-FFF2-40B4-BE49-F238E27FC236}">
-                <a16:creationId xmlns:a16="http://schemas.microsoft.com/office/drawing/2014/main" xmlns="" id="{58B681BB-EE9B-4C04-AFEF-8FD2ABFE7800}"/>
+                <a16:creationId xmlns="" xmlns:a16="http://schemas.microsoft.com/office/drawing/2014/main" id="{58B681BB-EE9B-4C04-AFEF-8FD2ABFE7800}"/>
               </a:ext>
             </a:extLst>
           </p:cNvPr>
@@ -10741,6 +12275,24 @@
 </file>
 
 <file path=customXml/item1.xml><?xml version="1.0" encoding="utf-8"?>
+<p:properties xmlns:p="http://schemas.microsoft.com/office/2006/metadata/properties" xmlns:xsi="http://www.w3.org/2001/XMLSchema-instance" xmlns:pc="http://schemas.microsoft.com/office/infopath/2007/PartnerControls">
+  <documentManagement>
+    <Status xmlns="71af3243-3dd4-4a8d-8c0d-dd76da1f02a5">Not started</Status>
+    <MediaServiceKeyPoints xmlns="71af3243-3dd4-4a8d-8c0d-dd76da1f02a5" xsi:nil="true"/>
+  </documentManagement>
+</p:properties>
+</file>
+
+<file path=customXml/item2.xml><?xml version="1.0" encoding="utf-8"?>
+<?mso-contentType ?>
+<FormTemplates xmlns="http://schemas.microsoft.com/sharepoint/v3/contenttype/forms">
+  <Display>DocumentLibraryForm</Display>
+  <Edit>DocumentLibraryForm</Edit>
+  <New>DocumentLibraryForm</New>
+</FormTemplates>
+</file>
+
+<file path=customXml/item3.xml><?xml version="1.0" encoding="utf-8"?>
 <ct:contentTypeSchema xmlns:ct="http://schemas.microsoft.com/office/2006/metadata/contentType" xmlns:ma="http://schemas.microsoft.com/office/2006/metadata/properties/metaAttributes" ct:_="" ma:_="" ma:contentTypeName="Document" ma:contentTypeID="0x01010079F111ED35F8CC479449609E8A0923A6" ma:contentTypeVersion="12" ma:contentTypeDescription="Create a new document." ma:contentTypeScope="" ma:versionID="426e97fa315356fffbdcd9876fe988c2">
   <xsd:schema xmlns:xsd="http://www.w3.org/2001/XMLSchema" xmlns:xs="http://www.w3.org/2001/XMLSchema" xmlns:p="http://schemas.microsoft.com/office/2006/metadata/properties" xmlns:ns2="71af3243-3dd4-4a8d-8c0d-dd76da1f02a5" xmlns:ns3="16c05727-aa75-4e4a-9b5f-8a80a1165891" targetNamespace="http://schemas.microsoft.com/office/2006/metadata/properties" ma:root="true" ma:fieldsID="14b8f0def80e6d70ce3def20c90759ae" ns2:_="" ns3:_="">
     <xsd:import namespace="71af3243-3dd4-4a8d-8c0d-dd76da1f02a5"/>
@@ -10961,25 +12513,25 @@
 </ct:contentTypeSchema>
 </file>
 
-<file path=customXml/item2.xml><?xml version="1.0" encoding="utf-8"?>
-<?mso-contentType ?>
-<FormTemplates xmlns="http://schemas.microsoft.com/sharepoint/v3/contenttype/forms">
-  <Display>DocumentLibraryForm</Display>
-  <Edit>DocumentLibraryForm</Edit>
-  <New>DocumentLibraryForm</New>
-</FormTemplates>
+<file path=customXml/itemProps1.xml><?xml version="1.0" encoding="utf-8"?>
+<ds:datastoreItem xmlns:ds="http://schemas.openxmlformats.org/officeDocument/2006/customXml" ds:itemID="{84F503EC-3FFF-4193-A86F-39150E2BAC75}">
+  <ds:schemaRefs>
+    <ds:schemaRef ds:uri="http://schemas.microsoft.com/office/2006/metadata/properties"/>
+    <ds:schemaRef ds:uri="http://schemas.microsoft.com/office/infopath/2007/PartnerControls"/>
+    <ds:schemaRef ds:uri="71af3243-3dd4-4a8d-8c0d-dd76da1f02a5"/>
+  </ds:schemaRefs>
+</ds:datastoreItem>
 </file>
 
-<file path=customXml/item3.xml><?xml version="1.0" encoding="utf-8"?>
-<p:properties xmlns:p="http://schemas.microsoft.com/office/2006/metadata/properties" xmlns:xsi="http://www.w3.org/2001/XMLSchema-instance" xmlns:pc="http://schemas.microsoft.com/office/infopath/2007/PartnerControls">
-  <documentManagement>
-    <Status xmlns="71af3243-3dd4-4a8d-8c0d-dd76da1f02a5">Not started</Status>
-    <MediaServiceKeyPoints xmlns="71af3243-3dd4-4a8d-8c0d-dd76da1f02a5" xsi:nil="true"/>
-  </documentManagement>
-</p:properties>
+<file path=customXml/itemProps2.xml><?xml version="1.0" encoding="utf-8"?>
+<ds:datastoreItem xmlns:ds="http://schemas.openxmlformats.org/officeDocument/2006/customXml" ds:itemID="{2E5ECA37-C458-4BA2-A090-D7A19E07B434}">
+  <ds:schemaRefs>
+    <ds:schemaRef ds:uri="http://schemas.microsoft.com/sharepoint/v3/contenttype/forms"/>
+  </ds:schemaRefs>
+</ds:datastoreItem>
 </file>
 
-<file path=customXml/itemProps1.xml><?xml version="1.0" encoding="utf-8"?>
+<file path=customXml/itemProps3.xml><?xml version="1.0" encoding="utf-8"?>
 <ds:datastoreItem xmlns:ds="http://schemas.openxmlformats.org/officeDocument/2006/customXml" ds:itemID="{7A26AAF5-6CFC-4C52-B7DF-08410EDE6701}">
   <ds:schemaRefs>
     <ds:schemaRef ds:uri="http://schemas.microsoft.com/office/2006/metadata/contentType"/>
@@ -10996,22 +12548,4 @@
     <ds:schemaRef ds:uri="http://schemas.microsoft.com/internal/obd"/>
   </ds:schemaRefs>
 </ds:datastoreItem>
-</file>
-
-<file path=customXml/itemProps2.xml><?xml version="1.0" encoding="utf-8"?>
-<ds:datastoreItem xmlns:ds="http://schemas.openxmlformats.org/officeDocument/2006/customXml" ds:itemID="{2E5ECA37-C458-4BA2-A090-D7A19E07B434}">
-  <ds:schemaRefs>
-    <ds:schemaRef ds:uri="http://schemas.microsoft.com/sharepoint/v3/contenttype/forms"/>
-  </ds:schemaRefs>
-</ds:datastoreItem>
-</file>
-
-<file path=customXml/itemProps3.xml><?xml version="1.0" encoding="utf-8"?>
-<ds:datastoreItem xmlns:ds="http://schemas.openxmlformats.org/officeDocument/2006/customXml" ds:itemID="{84F503EC-3FFF-4193-A86F-39150E2BAC75}">
-  <ds:schemaRefs>
-    <ds:schemaRef ds:uri="http://schemas.microsoft.com/office/2006/metadata/properties"/>
-    <ds:schemaRef ds:uri="http://schemas.microsoft.com/office/infopath/2007/PartnerControls"/>
-    <ds:schemaRef ds:uri="71af3243-3dd4-4a8d-8c0d-dd76da1f02a5"/>
-  </ds:schemaRefs>
-</ds:datastoreItem>
 </file>